--- a/slides/2016/vsan_toi_part1.pptx
+++ b/slides/2016/vsan_toi_part1.pptx
@@ -6647,7 +6647,7 @@
           <a:p>
             <a:fld id="{299A7FBF-C2BD-4E6E-9411-3691FF3DB939}" type="datetimeFigureOut">
               <a:rPr lang="en-US" smtClean="0"/>
-              <a:t>1/7/2016</a:t>
+              <a:t>1/10/2016</a:t>
             </a:fld>
             <a:endParaRPr lang="en-US"/>
           </a:p>
@@ -7781,6 +7781,144 @@
 </p:notes>
 </file>
 
+<file path=ppt/notesSlides/notesSlide7.xml><?xml version="1.0" encoding="utf-8"?>
+<p:notes xmlns:a="http://schemas.openxmlformats.org/drawingml/2006/main" xmlns:r="http://schemas.openxmlformats.org/officeDocument/2006/relationships" xmlns:p="http://schemas.openxmlformats.org/presentationml/2006/main">
+  <p:cSld>
+    <p:spTree>
+      <p:nvGrpSpPr>
+        <p:cNvPr id="1" name=""/>
+        <p:cNvGrpSpPr/>
+        <p:nvPr/>
+      </p:nvGrpSpPr>
+      <p:grpSpPr>
+        <a:xfrm>
+          <a:off x="0" y="0"/>
+          <a:ext cx="0" cy="0"/>
+          <a:chOff x="0" y="0"/>
+          <a:chExt cx="0" cy="0"/>
+        </a:xfrm>
+      </p:grpSpPr>
+      <p:sp>
+        <p:nvSpPr>
+          <p:cNvPr id="2" name="Slide Image Placeholder 1"/>
+          <p:cNvSpPr>
+            <a:spLocks noGrp="1" noRot="1" noChangeAspect="1"/>
+          </p:cNvSpPr>
+          <p:nvPr>
+            <p:ph type="sldImg"/>
+          </p:nvPr>
+        </p:nvSpPr>
+        <p:spPr/>
+      </p:sp>
+      <p:sp>
+        <p:nvSpPr>
+          <p:cNvPr id="3" name="Notes Placeholder 2"/>
+          <p:cNvSpPr>
+            <a:spLocks noGrp="1"/>
+          </p:cNvSpPr>
+          <p:nvPr>
+            <p:ph type="body" idx="1"/>
+          </p:nvPr>
+        </p:nvSpPr>
+        <p:spPr/>
+        <p:txBody>
+          <a:bodyPr/>
+          <a:lstStyle/>
+          <a:p>
+            <a:r>
+              <a:rPr lang="en-US" dirty="0" smtClean="0"/>
+              <a:t>Microsoft</a:t>
+            </a:r>
+          </a:p>
+          <a:p>
+            <a:endParaRPr lang="en-US" dirty="0" smtClean="0"/>
+          </a:p>
+          <a:p>
+            <a:r>
+              <a:rPr lang="en-US" dirty="0" smtClean="0"/>
+              <a:t>http://www.hyper-v.nu/archives/dvanderpeijl/2015/06/hyperconverged-with-windows-server-2016/</a:t>
+            </a:r>
+          </a:p>
+          <a:p>
+            <a:endParaRPr lang="en-US" dirty="0" smtClean="0"/>
+          </a:p>
+          <a:p>
+            <a:pPr fontAlgn="base"/>
+            <a:r>
+              <a:rPr lang="en-US" sz="1200" b="1" i="0" kern="1200" dirty="0" smtClean="0">
+                <a:solidFill>
+                  <a:schemeClr val="tx1"/>
+                </a:solidFill>
+                <a:effectLst/>
+                <a:latin typeface="+mn-lt"/>
+                <a:ea typeface="+mn-ea"/>
+                <a:cs typeface="+mn-cs"/>
+              </a:rPr>
+              <a:t>Storage Spaces Direct</a:t>
+            </a:r>
+            <a:endParaRPr lang="en-US" sz="1200" b="0" i="0" kern="1200" dirty="0" smtClean="0">
+              <a:solidFill>
+                <a:schemeClr val="tx1"/>
+              </a:solidFill>
+              <a:effectLst/>
+              <a:latin typeface="+mn-lt"/>
+              <a:ea typeface="+mn-ea"/>
+              <a:cs typeface="+mn-cs"/>
+            </a:endParaRPr>
+          </a:p>
+          <a:p>
+            <a:pPr fontAlgn="base"/>
+            <a:r>
+              <a:rPr lang="en-US" sz="1200" b="0" i="0" kern="1200" smtClean="0">
+                <a:solidFill>
+                  <a:schemeClr val="tx1"/>
+                </a:solidFill>
+                <a:effectLst/>
+                <a:latin typeface="+mn-lt"/>
+                <a:ea typeface="+mn-ea"/>
+                <a:cs typeface="+mn-cs"/>
+              </a:rPr>
+              <a:t>With Storage Spaces Direct we have the ability to pool local disks of multiple servers to one big virtual disk.</a:t>
+            </a:r>
+          </a:p>
+        </p:txBody>
+      </p:sp>
+      <p:sp>
+        <p:nvSpPr>
+          <p:cNvPr id="4" name="Slide Number Placeholder 3"/>
+          <p:cNvSpPr>
+            <a:spLocks noGrp="1"/>
+          </p:cNvSpPr>
+          <p:nvPr>
+            <p:ph type="sldNum" sz="quarter" idx="10"/>
+          </p:nvPr>
+        </p:nvSpPr>
+        <p:spPr/>
+        <p:txBody>
+          <a:bodyPr/>
+          <a:lstStyle/>
+          <a:p>
+            <a:fld id="{6BFB3E7A-7FE4-42EC-A9D8-2719F1F05314}" type="slidenum">
+              <a:rPr lang="en-US" smtClean="0"/>
+              <a:t>20</a:t>
+            </a:fld>
+            <a:endParaRPr lang="en-US"/>
+          </a:p>
+        </p:txBody>
+      </p:sp>
+    </p:spTree>
+    <p:extLst>
+      <p:ext uri="{BB962C8B-B14F-4D97-AF65-F5344CB8AC3E}">
+        <p14:creationId xmlns:p14="http://schemas.microsoft.com/office/powerpoint/2010/main" val="2847125332"/>
+      </p:ext>
+    </p:extLst>
+  </p:cSld>
+  <p:clrMapOvr>
+    <a:masterClrMapping/>
+  </p:clrMapOvr>
+</p:notes>
+</file>
+
 <file path=ppt/slideLayouts/slideLayout1.xml><?xml version="1.0" encoding="utf-8"?>
 <p:sldLayout xmlns:a="http://schemas.openxmlformats.org/drawingml/2006/main" xmlns:r="http://schemas.openxmlformats.org/officeDocument/2006/relationships" xmlns:p="http://schemas.openxmlformats.org/presentationml/2006/main" showMasterSp="0" type="title" preserve="1">
   <p:cSld name="Title Slide">
@@ -8073,7 +8211,7 @@
             <a:fld id="{1D8BD707-D9CF-40AE-B4C6-C98DA3205C09}" type="datetimeFigureOut">
               <a:rPr lang="en-US" smtClean="0"/>
               <a:pPr/>
-              <a:t>1/7/2016</a:t>
+              <a:t>1/10/2016</a:t>
             </a:fld>
             <a:endParaRPr lang="en-US"/>
           </a:p>
@@ -8266,7 +8404,7 @@
             <a:fld id="{1D8BD707-D9CF-40AE-B4C6-C98DA3205C09}" type="datetimeFigureOut">
               <a:rPr lang="en-US" smtClean="0"/>
               <a:pPr/>
-              <a:t>1/7/2016</a:t>
+              <a:t>1/10/2016</a:t>
             </a:fld>
             <a:endParaRPr lang="en-US"/>
           </a:p>
@@ -8453,7 +8591,7 @@
             <a:fld id="{1D8BD707-D9CF-40AE-B4C6-C98DA3205C09}" type="datetimeFigureOut">
               <a:rPr lang="en-US" smtClean="0"/>
               <a:pPr/>
-              <a:t>1/7/2016</a:t>
+              <a:t>1/10/2016</a:t>
             </a:fld>
             <a:endParaRPr lang="en-US"/>
           </a:p>
@@ -8718,7 +8856,7 @@
             <a:fld id="{1D8BD707-D9CF-40AE-B4C6-C98DA3205C09}" type="datetimeFigureOut">
               <a:rPr lang="en-US" smtClean="0"/>
               <a:pPr/>
-              <a:t>1/7/2016</a:t>
+              <a:t>1/10/2016</a:t>
             </a:fld>
             <a:endParaRPr lang="en-US"/>
           </a:p>
@@ -9136,7 +9274,7 @@
             <a:fld id="{1D8BD707-D9CF-40AE-B4C6-C98DA3205C09}" type="datetimeFigureOut">
               <a:rPr lang="en-US" smtClean="0"/>
               <a:pPr/>
-              <a:t>1/7/2016</a:t>
+              <a:t>1/10/2016</a:t>
             </a:fld>
             <a:endParaRPr lang="en-US"/>
           </a:p>
@@ -9380,7 +9518,7 @@
             <a:fld id="{1D8BD707-D9CF-40AE-B4C6-C98DA3205C09}" type="datetimeFigureOut">
               <a:rPr lang="en-US" smtClean="0"/>
               <a:pPr/>
-              <a:t>1/7/2016</a:t>
+              <a:t>1/10/2016</a:t>
             </a:fld>
             <a:endParaRPr lang="en-US"/>
           </a:p>
@@ -9618,7 +9756,7 @@
             <a:fld id="{1D8BD707-D9CF-40AE-B4C6-C98DA3205C09}" type="datetimeFigureOut">
               <a:rPr lang="en-US" smtClean="0"/>
               <a:pPr/>
-              <a:t>1/7/2016</a:t>
+              <a:t>1/10/2016</a:t>
             </a:fld>
             <a:endParaRPr lang="en-US"/>
           </a:p>
@@ -9815,7 +9953,7 @@
             <a:fld id="{1D8BD707-D9CF-40AE-B4C6-C98DA3205C09}" type="datetimeFigureOut">
               <a:rPr lang="en-US" smtClean="0"/>
               <a:pPr/>
-              <a:t>1/7/2016</a:t>
+              <a:t>1/10/2016</a:t>
             </a:fld>
             <a:endParaRPr lang="en-US"/>
           </a:p>
@@ -9915,7 +10053,7 @@
             <a:fld id="{1D8BD707-D9CF-40AE-B4C6-C98DA3205C09}" type="datetimeFigureOut">
               <a:rPr lang="en-US" smtClean="0"/>
               <a:pPr/>
-              <a:t>1/7/2016</a:t>
+              <a:t>1/10/2016</a:t>
             </a:fld>
             <a:endParaRPr lang="en-US"/>
           </a:p>
@@ -10053,7 +10191,7 @@
             <a:fld id="{1D8BD707-D9CF-40AE-B4C6-C98DA3205C09}" type="datetimeFigureOut">
               <a:rPr lang="en-US" smtClean="0"/>
               <a:pPr/>
-              <a:t>1/7/2016</a:t>
+              <a:t>1/10/2016</a:t>
             </a:fld>
             <a:endParaRPr lang="en-US"/>
           </a:p>
@@ -10573,7 +10711,7 @@
             <a:fld id="{1D8BD707-D9CF-40AE-B4C6-C98DA3205C09}" type="datetimeFigureOut">
               <a:rPr lang="en-US" smtClean="0"/>
               <a:pPr/>
-              <a:t>1/7/2016</a:t>
+              <a:t>1/10/2016</a:t>
             </a:fld>
             <a:endParaRPr lang="en-US"/>
           </a:p>
@@ -10836,7 +10974,7 @@
             <a:fld id="{1D8BD707-D9CF-40AE-B4C6-C98DA3205C09}" type="datetimeFigureOut">
               <a:rPr lang="en-US" smtClean="0"/>
               <a:pPr/>
-              <a:t>1/7/2016</a:t>
+              <a:t>1/10/2016</a:t>
             </a:fld>
             <a:endParaRPr lang="en-US"/>
           </a:p>
@@ -11466,15 +11604,7 @@
             <a:pPr algn="r"/>
             <a:r>
               <a:rPr lang="en-US" dirty="0" smtClean="0"/>
-              <a:t>Compiled by </a:t>
-            </a:r>
-            <a:r>
-              <a:rPr lang="en-US" dirty="0" smtClean="0"/>
-              <a:t>Oliver </a:t>
-            </a:r>
-            <a:r>
-              <a:rPr lang="en-US" dirty="0" smtClean="0"/>
-              <a:t>Yang</a:t>
+              <a:t>Compiled by Oliver Yang</a:t>
             </a:r>
           </a:p>
           <a:p>
@@ -17810,11 +17940,6 @@
                 </a:rPr>
                 <a:t>Radically Simple</a:t>
               </a:r>
-              <a:endParaRPr lang="en-US" sz="2000" dirty="0">
-                <a:solidFill>
-                  <a:prstClr val="white"/>
-                </a:solidFill>
-              </a:endParaRPr>
             </a:p>
           </p:txBody>
         </p:sp>
@@ -18250,11 +18375,7 @@
               </a:pPr>
               <a:r>
                 <a:rPr lang="en-US" sz="1600" b="0" dirty="0" smtClean="0"/>
-                <a:t>No </a:t>
-              </a:r>
-              <a:r>
-                <a:rPr lang="en-US" sz="1600" b="0" dirty="0" smtClean="0"/>
-                <a:t>large upfront investments</a:t>
+                <a:t>No large upfront investments</a:t>
               </a:r>
             </a:p>
             <a:p>
@@ -18289,11 +18410,7 @@
               </a:pPr>
               <a:r>
                 <a:rPr lang="en-US" sz="1600" b="0" dirty="0" smtClean="0"/>
-                <a:t>Easy to operate with powerful </a:t>
-              </a:r>
-              <a:r>
-                <a:rPr lang="en-US" sz="1600" b="0" dirty="0" smtClean="0"/>
-                <a:t>automation</a:t>
+                <a:t>Easy to operate with powerful automation</a:t>
               </a:r>
             </a:p>
             <a:p>
@@ -18312,7 +18429,6 @@
                 <a:rPr lang="en-US" sz="1600" b="0" dirty="0" smtClean="0"/>
                 <a:t>No specialized skillset</a:t>
               </a:r>
-              <a:endParaRPr lang="en-US" sz="1600" b="0" dirty="0" smtClean="0"/>
             </a:p>
           </p:txBody>
         </p:sp>
@@ -22619,7 +22735,7 @@
           <p:nvPr/>
         </p:nvPicPr>
         <p:blipFill>
-          <a:blip r:embed="rId2">
+          <a:blip r:embed="rId3">
             <a:extLst>
               <a:ext uri="{28A0092B-C50C-407E-A947-70E740481C1C}">
                 <a14:useLocalDpi xmlns:a14="http://schemas.microsoft.com/office/drawing/2010/main" val="0"/>
@@ -23545,7 +23661,6 @@
               <a:rPr lang="en-US" sz="2800" dirty="0" smtClean="0"/>
               <a:t>Can’t meet virtualization/cloud requirements</a:t>
             </a:r>
-            <a:endParaRPr lang="en-US" sz="2800" dirty="0" smtClean="0"/>
           </a:p>
           <a:p>
             <a:pPr lvl="1"/>
@@ -23553,7 +23668,6 @@
               <a:rPr lang="en-US" sz="2400" dirty="0" smtClean="0"/>
               <a:t>Cloud/virtualization gives agility, flexibility and automation</a:t>
             </a:r>
-            <a:endParaRPr lang="en-US" sz="2400" dirty="0" smtClean="0"/>
           </a:p>
           <a:p>
             <a:pPr lvl="2"/>
@@ -23607,11 +23721,7 @@
             <a:pPr lvl="2"/>
             <a:r>
               <a:rPr lang="en-US" sz="1800" dirty="0" smtClean="0"/>
-              <a:t>Rigid </a:t>
-            </a:r>
-            <a:r>
-              <a:rPr lang="en-US" sz="1800" dirty="0" smtClean="0"/>
-              <a:t>provisioning</a:t>
+              <a:t>Rigid provisioning</a:t>
             </a:r>
           </a:p>
           <a:p>
@@ -23744,11 +23854,7 @@
             </a:r>
             <a:r>
               <a:rPr lang="en-US" sz="2400" dirty="0" smtClean="0"/>
-              <a:t>OPEX </a:t>
-            </a:r>
-            <a:r>
-              <a:rPr lang="en-US" sz="2400" dirty="0" smtClean="0"/>
-              <a:t>caused by multiple storage silos</a:t>
+              <a:t>OPEX caused by multiple storage silos</a:t>
             </a:r>
             <a:endParaRPr lang="en-US" sz="2400" dirty="0"/>
           </a:p>

--- a/slides/2016/vsan_toi_part1.pptx
+++ b/slides/2016/vsan_toi_part1.pptx
@@ -5,7 +5,7 @@
     <p:sldMasterId id="2147484308" r:id="rId1"/>
   </p:sldMasterIdLst>
   <p:notesMasterIdLst>
-    <p:notesMasterId r:id="rId22"/>
+    <p:notesMasterId r:id="rId28"/>
   </p:notesMasterIdLst>
   <p:sldIdLst>
     <p:sldId id="256" r:id="rId2"/>
@@ -21,13 +21,19 @@
     <p:sldId id="283" r:id="rId12"/>
     <p:sldId id="288" r:id="rId13"/>
     <p:sldId id="289" r:id="rId14"/>
-    <p:sldId id="290" r:id="rId15"/>
-    <p:sldId id="265" r:id="rId16"/>
-    <p:sldId id="268" r:id="rId17"/>
-    <p:sldId id="284" r:id="rId18"/>
-    <p:sldId id="280" r:id="rId19"/>
-    <p:sldId id="285" r:id="rId20"/>
-    <p:sldId id="287" r:id="rId21"/>
+    <p:sldId id="295" r:id="rId15"/>
+    <p:sldId id="296" r:id="rId16"/>
+    <p:sldId id="291" r:id="rId17"/>
+    <p:sldId id="290" r:id="rId18"/>
+    <p:sldId id="265" r:id="rId19"/>
+    <p:sldId id="268" r:id="rId20"/>
+    <p:sldId id="298" r:id="rId21"/>
+    <p:sldId id="284" r:id="rId22"/>
+    <p:sldId id="280" r:id="rId23"/>
+    <p:sldId id="285" r:id="rId24"/>
+    <p:sldId id="287" r:id="rId25"/>
+    <p:sldId id="297" r:id="rId26"/>
+    <p:sldId id="294" r:id="rId27"/>
   </p:sldIdLst>
   <p:sldSz cx="9144000" cy="6858000" type="screen4x3"/>
   <p:notesSz cx="6858000" cy="9144000"/>
@@ -1605,6 +1611,757 @@
   <dgm:styleLbl name="revTx">
     <dgm:fillClrLst meth="repeat">
       <a:schemeClr val="lt1">
+        <a:alpha val="0"/>
+      </a:schemeClr>
+    </dgm:fillClrLst>
+    <dgm:linClrLst meth="repeat">
+      <a:schemeClr val="dk1">
+        <a:alpha val="0"/>
+      </a:schemeClr>
+    </dgm:linClrLst>
+    <dgm:effectClrLst/>
+    <dgm:txLinClrLst/>
+    <dgm:txFillClrLst meth="repeat">
+      <a:schemeClr val="tx1"/>
+    </dgm:txFillClrLst>
+    <dgm:txEffectClrLst/>
+  </dgm:styleLbl>
+</dgm:colorsDef>
+</file>
+
+<file path=ppt/diagrams/colors3.xml><?xml version="1.0" encoding="utf-8"?>
+<dgm:colorsDef xmlns:dgm="http://schemas.openxmlformats.org/drawingml/2006/diagram" xmlns:a="http://schemas.openxmlformats.org/drawingml/2006/main" uniqueId="urn:microsoft.com/office/officeart/2005/8/colors/accent0_3">
+  <dgm:title val=""/>
+  <dgm:desc val=""/>
+  <dgm:catLst>
+    <dgm:cat type="mainScheme" pri="10300"/>
+  </dgm:catLst>
+  <dgm:styleLbl name="node0">
+    <dgm:fillClrLst meth="repeat">
+      <a:schemeClr val="dk2"/>
+    </dgm:fillClrLst>
+    <dgm:linClrLst meth="repeat">
+      <a:schemeClr val="lt2"/>
+    </dgm:linClrLst>
+    <dgm:effectClrLst/>
+    <dgm:txLinClrLst/>
+    <dgm:txFillClrLst/>
+    <dgm:txEffectClrLst/>
+  </dgm:styleLbl>
+  <dgm:styleLbl name="alignNode1">
+    <dgm:fillClrLst meth="repeat">
+      <a:schemeClr val="dk2"/>
+    </dgm:fillClrLst>
+    <dgm:linClrLst meth="repeat">
+      <a:schemeClr val="dk2"/>
+    </dgm:linClrLst>
+    <dgm:effectClrLst/>
+    <dgm:txLinClrLst/>
+    <dgm:txFillClrLst/>
+    <dgm:txEffectClrLst/>
+  </dgm:styleLbl>
+  <dgm:styleLbl name="node1">
+    <dgm:fillClrLst meth="repeat">
+      <a:schemeClr val="dk2"/>
+    </dgm:fillClrLst>
+    <dgm:linClrLst meth="repeat">
+      <a:schemeClr val="lt2"/>
+    </dgm:linClrLst>
+    <dgm:effectClrLst/>
+    <dgm:txLinClrLst/>
+    <dgm:txFillClrLst/>
+    <dgm:txEffectClrLst/>
+  </dgm:styleLbl>
+  <dgm:styleLbl name="lnNode1">
+    <dgm:fillClrLst meth="repeat">
+      <a:schemeClr val="dk2"/>
+    </dgm:fillClrLst>
+    <dgm:linClrLst meth="repeat">
+      <a:schemeClr val="lt2"/>
+    </dgm:linClrLst>
+    <dgm:effectClrLst/>
+    <dgm:txLinClrLst/>
+    <dgm:txFillClrLst/>
+    <dgm:txEffectClrLst/>
+  </dgm:styleLbl>
+  <dgm:styleLbl name="vennNode1">
+    <dgm:fillClrLst meth="repeat">
+      <a:schemeClr val="dk2">
+        <a:alpha val="50000"/>
+      </a:schemeClr>
+    </dgm:fillClrLst>
+    <dgm:linClrLst meth="repeat">
+      <a:schemeClr val="lt2"/>
+    </dgm:linClrLst>
+    <dgm:effectClrLst/>
+    <dgm:txLinClrLst/>
+    <dgm:txFillClrLst/>
+    <dgm:txEffectClrLst/>
+  </dgm:styleLbl>
+  <dgm:styleLbl name="node2">
+    <dgm:fillClrLst meth="repeat">
+      <a:schemeClr val="dk2"/>
+    </dgm:fillClrLst>
+    <dgm:linClrLst meth="repeat">
+      <a:schemeClr val="lt2"/>
+    </dgm:linClrLst>
+    <dgm:effectClrLst/>
+    <dgm:txLinClrLst/>
+    <dgm:txFillClrLst/>
+    <dgm:txEffectClrLst/>
+  </dgm:styleLbl>
+  <dgm:styleLbl name="node3">
+    <dgm:fillClrLst meth="repeat">
+      <a:schemeClr val="dk2"/>
+    </dgm:fillClrLst>
+    <dgm:linClrLst meth="repeat">
+      <a:schemeClr val="lt2"/>
+    </dgm:linClrLst>
+    <dgm:effectClrLst/>
+    <dgm:txLinClrLst/>
+    <dgm:txFillClrLst/>
+    <dgm:txEffectClrLst/>
+  </dgm:styleLbl>
+  <dgm:styleLbl name="node4">
+    <dgm:fillClrLst meth="repeat">
+      <a:schemeClr val="dk2"/>
+    </dgm:fillClrLst>
+    <dgm:linClrLst meth="repeat">
+      <a:schemeClr val="lt2"/>
+    </dgm:linClrLst>
+    <dgm:effectClrLst/>
+    <dgm:txLinClrLst/>
+    <dgm:txFillClrLst/>
+    <dgm:txEffectClrLst/>
+  </dgm:styleLbl>
+  <dgm:styleLbl name="fgImgPlace1">
+    <dgm:fillClrLst meth="repeat">
+      <a:schemeClr val="dk2">
+        <a:tint val="50000"/>
+      </a:schemeClr>
+    </dgm:fillClrLst>
+    <dgm:linClrLst meth="repeat">
+      <a:schemeClr val="lt2"/>
+    </dgm:linClrLst>
+    <dgm:effectClrLst/>
+    <dgm:txLinClrLst/>
+    <dgm:txFillClrLst meth="repeat">
+      <a:schemeClr val="lt2"/>
+    </dgm:txFillClrLst>
+    <dgm:txEffectClrLst/>
+  </dgm:styleLbl>
+  <dgm:styleLbl name="alignImgPlace1">
+    <dgm:fillClrLst meth="repeat">
+      <a:schemeClr val="dk2">
+        <a:tint val="50000"/>
+      </a:schemeClr>
+    </dgm:fillClrLst>
+    <dgm:linClrLst meth="repeat">
+      <a:schemeClr val="dk2">
+        <a:shade val="80000"/>
+      </a:schemeClr>
+    </dgm:linClrLst>
+    <dgm:effectClrLst/>
+    <dgm:txLinClrLst/>
+    <dgm:txFillClrLst meth="repeat">
+      <a:schemeClr val="lt2"/>
+    </dgm:txFillClrLst>
+    <dgm:txEffectClrLst/>
+  </dgm:styleLbl>
+  <dgm:styleLbl name="bgImgPlace1">
+    <dgm:fillClrLst meth="repeat">
+      <a:schemeClr val="dk2">
+        <a:tint val="50000"/>
+      </a:schemeClr>
+    </dgm:fillClrLst>
+    <dgm:linClrLst meth="repeat">
+      <a:schemeClr val="dk2">
+        <a:shade val="80000"/>
+      </a:schemeClr>
+    </dgm:linClrLst>
+    <dgm:effectClrLst/>
+    <dgm:txLinClrLst/>
+    <dgm:txFillClrLst meth="repeat">
+      <a:schemeClr val="lt2"/>
+    </dgm:txFillClrLst>
+    <dgm:txEffectClrLst/>
+  </dgm:styleLbl>
+  <dgm:styleLbl name="sibTrans2D1">
+    <dgm:fillClrLst meth="repeat">
+      <a:schemeClr val="dk2">
+        <a:tint val="60000"/>
+      </a:schemeClr>
+    </dgm:fillClrLst>
+    <dgm:linClrLst meth="repeat">
+      <a:schemeClr val="dk2">
+        <a:tint val="60000"/>
+      </a:schemeClr>
+    </dgm:linClrLst>
+    <dgm:effectClrLst/>
+    <dgm:txLinClrLst/>
+    <dgm:txFillClrLst/>
+    <dgm:txEffectClrLst/>
+  </dgm:styleLbl>
+  <dgm:styleLbl name="fgSibTrans2D1">
+    <dgm:fillClrLst meth="repeat">
+      <a:schemeClr val="dk2">
+        <a:tint val="60000"/>
+      </a:schemeClr>
+    </dgm:fillClrLst>
+    <dgm:linClrLst meth="repeat">
+      <a:schemeClr val="dk2">
+        <a:tint val="60000"/>
+      </a:schemeClr>
+    </dgm:linClrLst>
+    <dgm:effectClrLst/>
+    <dgm:txLinClrLst/>
+    <dgm:txFillClrLst/>
+    <dgm:txEffectClrLst/>
+  </dgm:styleLbl>
+  <dgm:styleLbl name="bgSibTrans2D1">
+    <dgm:fillClrLst meth="repeat">
+      <a:schemeClr val="dk2">
+        <a:tint val="60000"/>
+      </a:schemeClr>
+    </dgm:fillClrLst>
+    <dgm:linClrLst meth="repeat">
+      <a:schemeClr val="dk2">
+        <a:tint val="60000"/>
+      </a:schemeClr>
+    </dgm:linClrLst>
+    <dgm:effectClrLst/>
+    <dgm:txLinClrLst/>
+    <dgm:txFillClrLst/>
+    <dgm:txEffectClrLst/>
+  </dgm:styleLbl>
+  <dgm:styleLbl name="sibTrans1D1">
+    <dgm:fillClrLst meth="repeat">
+      <a:schemeClr val="dk2"/>
+    </dgm:fillClrLst>
+    <dgm:linClrLst meth="repeat">
+      <a:schemeClr val="dk2"/>
+    </dgm:linClrLst>
+    <dgm:effectClrLst/>
+    <dgm:txLinClrLst/>
+    <dgm:txFillClrLst meth="repeat">
+      <a:schemeClr val="lt2"/>
+    </dgm:txFillClrLst>
+    <dgm:txEffectClrLst/>
+  </dgm:styleLbl>
+  <dgm:styleLbl name="callout">
+    <dgm:fillClrLst meth="repeat">
+      <a:schemeClr val="dk2"/>
+    </dgm:fillClrLst>
+    <dgm:linClrLst meth="repeat">
+      <a:schemeClr val="dk2">
+        <a:tint val="50000"/>
+      </a:schemeClr>
+    </dgm:linClrLst>
+    <dgm:effectClrLst/>
+    <dgm:txLinClrLst/>
+    <dgm:txFillClrLst meth="repeat">
+      <a:schemeClr val="lt2"/>
+    </dgm:txFillClrLst>
+    <dgm:txEffectClrLst/>
+  </dgm:styleLbl>
+  <dgm:styleLbl name="asst0">
+    <dgm:fillClrLst meth="repeat">
+      <a:schemeClr val="dk2"/>
+    </dgm:fillClrLst>
+    <dgm:linClrLst meth="repeat">
+      <a:schemeClr val="lt2"/>
+    </dgm:linClrLst>
+    <dgm:effectClrLst/>
+    <dgm:txLinClrLst/>
+    <dgm:txFillClrLst/>
+    <dgm:txEffectClrLst/>
+  </dgm:styleLbl>
+  <dgm:styleLbl name="asst1">
+    <dgm:fillClrLst meth="repeat">
+      <a:schemeClr val="dk2"/>
+    </dgm:fillClrLst>
+    <dgm:linClrLst meth="repeat">
+      <a:schemeClr val="lt2"/>
+    </dgm:linClrLst>
+    <dgm:effectClrLst/>
+    <dgm:txLinClrLst/>
+    <dgm:txFillClrLst/>
+    <dgm:txEffectClrLst/>
+  </dgm:styleLbl>
+  <dgm:styleLbl name="asst2">
+    <dgm:fillClrLst meth="repeat">
+      <a:schemeClr val="dk2"/>
+    </dgm:fillClrLst>
+    <dgm:linClrLst meth="repeat">
+      <a:schemeClr val="lt2"/>
+    </dgm:linClrLst>
+    <dgm:effectClrLst/>
+    <dgm:txLinClrLst/>
+    <dgm:txFillClrLst/>
+    <dgm:txEffectClrLst/>
+  </dgm:styleLbl>
+  <dgm:styleLbl name="asst3">
+    <dgm:fillClrLst meth="repeat">
+      <a:schemeClr val="dk2"/>
+    </dgm:fillClrLst>
+    <dgm:linClrLst meth="repeat">
+      <a:schemeClr val="lt2"/>
+    </dgm:linClrLst>
+    <dgm:effectClrLst/>
+    <dgm:txLinClrLst/>
+    <dgm:txFillClrLst/>
+    <dgm:txEffectClrLst/>
+  </dgm:styleLbl>
+  <dgm:styleLbl name="asst4">
+    <dgm:fillClrLst meth="repeat">
+      <a:schemeClr val="dk2"/>
+    </dgm:fillClrLst>
+    <dgm:linClrLst meth="repeat">
+      <a:schemeClr val="lt2"/>
+    </dgm:linClrLst>
+    <dgm:effectClrLst/>
+    <dgm:txLinClrLst/>
+    <dgm:txFillClrLst/>
+    <dgm:txEffectClrLst/>
+  </dgm:styleLbl>
+  <dgm:styleLbl name="parChTrans2D1">
+    <dgm:fillClrLst meth="repeat">
+      <a:schemeClr val="dk2">
+        <a:tint val="60000"/>
+      </a:schemeClr>
+    </dgm:fillClrLst>
+    <dgm:linClrLst meth="repeat">
+      <a:schemeClr val="dk2">
+        <a:tint val="60000"/>
+      </a:schemeClr>
+    </dgm:linClrLst>
+    <dgm:effectClrLst/>
+    <dgm:txLinClrLst/>
+    <dgm:txFillClrLst meth="repeat">
+      <a:schemeClr val="lt2"/>
+    </dgm:txFillClrLst>
+    <dgm:txEffectClrLst/>
+  </dgm:styleLbl>
+  <dgm:styleLbl name="parChTrans2D2">
+    <dgm:fillClrLst meth="repeat">
+      <a:schemeClr val="dk2"/>
+    </dgm:fillClrLst>
+    <dgm:linClrLst meth="repeat">
+      <a:schemeClr val="dk2"/>
+    </dgm:linClrLst>
+    <dgm:effectClrLst/>
+    <dgm:txLinClrLst/>
+    <dgm:txFillClrLst meth="repeat">
+      <a:schemeClr val="lt2"/>
+    </dgm:txFillClrLst>
+    <dgm:txEffectClrLst/>
+  </dgm:styleLbl>
+  <dgm:styleLbl name="parChTrans2D3">
+    <dgm:fillClrLst meth="repeat">
+      <a:schemeClr val="dk2"/>
+    </dgm:fillClrLst>
+    <dgm:linClrLst meth="repeat">
+      <a:schemeClr val="dk2"/>
+    </dgm:linClrLst>
+    <dgm:effectClrLst/>
+    <dgm:txLinClrLst/>
+    <dgm:txFillClrLst meth="repeat">
+      <a:schemeClr val="lt2"/>
+    </dgm:txFillClrLst>
+    <dgm:txEffectClrLst/>
+  </dgm:styleLbl>
+  <dgm:styleLbl name="parChTrans2D4">
+    <dgm:fillClrLst meth="repeat">
+      <a:schemeClr val="dk2"/>
+    </dgm:fillClrLst>
+    <dgm:linClrLst meth="repeat">
+      <a:schemeClr val="dk2"/>
+    </dgm:linClrLst>
+    <dgm:effectClrLst/>
+    <dgm:txLinClrLst/>
+    <dgm:txFillClrLst meth="repeat">
+      <a:schemeClr val="lt2"/>
+    </dgm:txFillClrLst>
+    <dgm:txEffectClrLst/>
+  </dgm:styleLbl>
+  <dgm:styleLbl name="parChTrans1D1">
+    <dgm:fillClrLst meth="repeat">
+      <a:schemeClr val="dk2"/>
+    </dgm:fillClrLst>
+    <dgm:linClrLst meth="repeat">
+      <a:schemeClr val="dk2">
+        <a:shade val="60000"/>
+      </a:schemeClr>
+    </dgm:linClrLst>
+    <dgm:effectClrLst/>
+    <dgm:txLinClrLst/>
+    <dgm:txFillClrLst meth="repeat">
+      <a:schemeClr val="tx1"/>
+    </dgm:txFillClrLst>
+    <dgm:txEffectClrLst/>
+  </dgm:styleLbl>
+  <dgm:styleLbl name="parChTrans1D2">
+    <dgm:fillClrLst meth="repeat">
+      <a:schemeClr val="dk2"/>
+    </dgm:fillClrLst>
+    <dgm:linClrLst meth="repeat">
+      <a:schemeClr val="dk2">
+        <a:shade val="60000"/>
+      </a:schemeClr>
+    </dgm:linClrLst>
+    <dgm:effectClrLst/>
+    <dgm:txLinClrLst/>
+    <dgm:txFillClrLst meth="repeat">
+      <a:schemeClr val="tx1"/>
+    </dgm:txFillClrLst>
+    <dgm:txEffectClrLst/>
+  </dgm:styleLbl>
+  <dgm:styleLbl name="parChTrans1D3">
+    <dgm:fillClrLst meth="repeat">
+      <a:schemeClr val="dk2"/>
+    </dgm:fillClrLst>
+    <dgm:linClrLst meth="repeat">
+      <a:schemeClr val="dk2">
+        <a:shade val="80000"/>
+      </a:schemeClr>
+    </dgm:linClrLst>
+    <dgm:effectClrLst/>
+    <dgm:txLinClrLst/>
+    <dgm:txFillClrLst meth="repeat">
+      <a:schemeClr val="tx1"/>
+    </dgm:txFillClrLst>
+    <dgm:txEffectClrLst/>
+  </dgm:styleLbl>
+  <dgm:styleLbl name="parChTrans1D4">
+    <dgm:fillClrLst meth="repeat">
+      <a:schemeClr val="dk2"/>
+    </dgm:fillClrLst>
+    <dgm:linClrLst meth="repeat">
+      <a:schemeClr val="dk2">
+        <a:shade val="80000"/>
+      </a:schemeClr>
+    </dgm:linClrLst>
+    <dgm:effectClrLst/>
+    <dgm:txLinClrLst/>
+    <dgm:txFillClrLst meth="repeat">
+      <a:schemeClr val="tx1"/>
+    </dgm:txFillClrLst>
+    <dgm:txEffectClrLst/>
+  </dgm:styleLbl>
+  <dgm:styleLbl name="fgAcc1">
+    <dgm:fillClrLst meth="repeat">
+      <a:schemeClr val="lt2">
+        <a:alpha val="90000"/>
+      </a:schemeClr>
+    </dgm:fillClrLst>
+    <dgm:linClrLst meth="repeat">
+      <a:schemeClr val="dk2"/>
+    </dgm:linClrLst>
+    <dgm:effectClrLst/>
+    <dgm:txLinClrLst/>
+    <dgm:txFillClrLst meth="repeat">
+      <a:schemeClr val="dk1"/>
+    </dgm:txFillClrLst>
+    <dgm:txEffectClrLst/>
+  </dgm:styleLbl>
+  <dgm:styleLbl name="conFgAcc1">
+    <dgm:fillClrLst meth="repeat">
+      <a:schemeClr val="lt2">
+        <a:alpha val="90000"/>
+      </a:schemeClr>
+    </dgm:fillClrLst>
+    <dgm:linClrLst meth="repeat">
+      <a:schemeClr val="dk2"/>
+    </dgm:linClrLst>
+    <dgm:effectClrLst/>
+    <dgm:txLinClrLst/>
+    <dgm:txFillClrLst meth="repeat">
+      <a:schemeClr val="dk1"/>
+    </dgm:txFillClrLst>
+    <dgm:txEffectClrLst/>
+  </dgm:styleLbl>
+  <dgm:styleLbl name="alignAcc1">
+    <dgm:fillClrLst meth="repeat">
+      <a:schemeClr val="lt2">
+        <a:alpha val="90000"/>
+      </a:schemeClr>
+    </dgm:fillClrLst>
+    <dgm:linClrLst meth="repeat">
+      <a:schemeClr val="dk2"/>
+    </dgm:linClrLst>
+    <dgm:effectClrLst/>
+    <dgm:txLinClrLst/>
+    <dgm:txFillClrLst meth="repeat">
+      <a:schemeClr val="dk1"/>
+    </dgm:txFillClrLst>
+    <dgm:txEffectClrLst/>
+  </dgm:styleLbl>
+  <dgm:styleLbl name="trAlignAcc1">
+    <dgm:fillClrLst meth="repeat">
+      <a:schemeClr val="lt2">
+        <a:alpha val="40000"/>
+      </a:schemeClr>
+    </dgm:fillClrLst>
+    <dgm:linClrLst meth="repeat">
+      <a:schemeClr val="dk2"/>
+    </dgm:linClrLst>
+    <dgm:effectClrLst/>
+    <dgm:txLinClrLst/>
+    <dgm:txFillClrLst meth="repeat">
+      <a:schemeClr val="dk1"/>
+    </dgm:txFillClrLst>
+    <dgm:txEffectClrLst/>
+  </dgm:styleLbl>
+  <dgm:styleLbl name="bgAcc1">
+    <dgm:fillClrLst meth="repeat">
+      <a:schemeClr val="lt2">
+        <a:alpha val="90000"/>
+      </a:schemeClr>
+    </dgm:fillClrLst>
+    <dgm:linClrLst meth="repeat">
+      <a:schemeClr val="dk2"/>
+    </dgm:linClrLst>
+    <dgm:effectClrLst/>
+    <dgm:txLinClrLst/>
+    <dgm:txFillClrLst meth="repeat">
+      <a:schemeClr val="dk1"/>
+    </dgm:txFillClrLst>
+    <dgm:txEffectClrLst/>
+  </dgm:styleLbl>
+  <dgm:styleLbl name="solidFgAcc1">
+    <dgm:fillClrLst meth="repeat">
+      <a:schemeClr val="lt2"/>
+    </dgm:fillClrLst>
+    <dgm:linClrLst meth="repeat">
+      <a:schemeClr val="dk2"/>
+    </dgm:linClrLst>
+    <dgm:effectClrLst/>
+    <dgm:txLinClrLst/>
+    <dgm:txFillClrLst meth="repeat">
+      <a:schemeClr val="dk1"/>
+    </dgm:txFillClrLst>
+    <dgm:txEffectClrLst/>
+  </dgm:styleLbl>
+  <dgm:styleLbl name="solidAlignAcc1">
+    <dgm:fillClrLst meth="repeat">
+      <a:schemeClr val="lt2"/>
+    </dgm:fillClrLst>
+    <dgm:linClrLst meth="repeat">
+      <a:schemeClr val="dk2"/>
+    </dgm:linClrLst>
+    <dgm:effectClrLst/>
+    <dgm:txLinClrLst/>
+    <dgm:txFillClrLst meth="repeat">
+      <a:schemeClr val="dk1"/>
+    </dgm:txFillClrLst>
+    <dgm:txEffectClrLst/>
+  </dgm:styleLbl>
+  <dgm:styleLbl name="solidBgAcc1">
+    <dgm:fillClrLst meth="repeat">
+      <a:schemeClr val="lt2"/>
+    </dgm:fillClrLst>
+    <dgm:linClrLst meth="repeat">
+      <a:schemeClr val="dk2"/>
+    </dgm:linClrLst>
+    <dgm:effectClrLst/>
+    <dgm:txLinClrLst/>
+    <dgm:txFillClrLst meth="repeat">
+      <a:schemeClr val="dk1"/>
+    </dgm:txFillClrLst>
+    <dgm:txEffectClrLst/>
+  </dgm:styleLbl>
+  <dgm:styleLbl name="fgAccFollowNode1">
+    <dgm:fillClrLst meth="repeat">
+      <a:schemeClr val="dk2">
+        <a:alpha val="90000"/>
+        <a:tint val="40000"/>
+      </a:schemeClr>
+    </dgm:fillClrLst>
+    <dgm:linClrLst meth="repeat">
+      <a:schemeClr val="dk2">
+        <a:alpha val="90000"/>
+        <a:tint val="40000"/>
+      </a:schemeClr>
+    </dgm:linClrLst>
+    <dgm:effectClrLst/>
+    <dgm:txLinClrLst/>
+    <dgm:txFillClrLst meth="repeat">
+      <a:schemeClr val="dk1"/>
+    </dgm:txFillClrLst>
+    <dgm:txEffectClrLst/>
+  </dgm:styleLbl>
+  <dgm:styleLbl name="alignAccFollowNode1">
+    <dgm:fillClrLst meth="repeat">
+      <a:schemeClr val="dk2">
+        <a:alpha val="90000"/>
+        <a:tint val="40000"/>
+      </a:schemeClr>
+    </dgm:fillClrLst>
+    <dgm:linClrLst meth="repeat">
+      <a:schemeClr val="dk2">
+        <a:alpha val="90000"/>
+        <a:tint val="40000"/>
+      </a:schemeClr>
+    </dgm:linClrLst>
+    <dgm:effectClrLst/>
+    <dgm:txLinClrLst/>
+    <dgm:txFillClrLst meth="repeat">
+      <a:schemeClr val="dk1"/>
+    </dgm:txFillClrLst>
+    <dgm:txEffectClrLst/>
+  </dgm:styleLbl>
+  <dgm:styleLbl name="bgAccFollowNode1">
+    <dgm:fillClrLst meth="repeat">
+      <a:schemeClr val="dk2">
+        <a:alpha val="90000"/>
+        <a:tint val="40000"/>
+      </a:schemeClr>
+    </dgm:fillClrLst>
+    <dgm:linClrLst meth="repeat">
+      <a:schemeClr val="dk2">
+        <a:alpha val="90000"/>
+        <a:tint val="40000"/>
+      </a:schemeClr>
+    </dgm:linClrLst>
+    <dgm:effectClrLst/>
+    <dgm:txLinClrLst/>
+    <dgm:txFillClrLst meth="repeat">
+      <a:schemeClr val="dk1"/>
+    </dgm:txFillClrLst>
+    <dgm:txEffectClrLst/>
+  </dgm:styleLbl>
+  <dgm:styleLbl name="fgAcc0">
+    <dgm:fillClrLst meth="repeat">
+      <a:schemeClr val="lt2">
+        <a:alpha val="90000"/>
+      </a:schemeClr>
+    </dgm:fillClrLst>
+    <dgm:linClrLst meth="repeat">
+      <a:schemeClr val="dk2"/>
+    </dgm:linClrLst>
+    <dgm:effectClrLst/>
+    <dgm:txLinClrLst/>
+    <dgm:txFillClrLst meth="repeat">
+      <a:schemeClr val="dk1"/>
+    </dgm:txFillClrLst>
+    <dgm:txEffectClrLst/>
+  </dgm:styleLbl>
+  <dgm:styleLbl name="fgAcc2">
+    <dgm:fillClrLst meth="repeat">
+      <a:schemeClr val="lt2">
+        <a:alpha val="90000"/>
+      </a:schemeClr>
+    </dgm:fillClrLst>
+    <dgm:linClrLst meth="repeat">
+      <a:schemeClr val="dk2"/>
+    </dgm:linClrLst>
+    <dgm:effectClrLst/>
+    <dgm:txLinClrLst/>
+    <dgm:txFillClrLst meth="repeat">
+      <a:schemeClr val="dk1"/>
+    </dgm:txFillClrLst>
+    <dgm:txEffectClrLst/>
+  </dgm:styleLbl>
+  <dgm:styleLbl name="fgAcc3">
+    <dgm:fillClrLst meth="repeat">
+      <a:schemeClr val="lt2">
+        <a:alpha val="90000"/>
+      </a:schemeClr>
+    </dgm:fillClrLst>
+    <dgm:linClrLst meth="repeat">
+      <a:schemeClr val="dk2"/>
+    </dgm:linClrLst>
+    <dgm:effectClrLst/>
+    <dgm:txLinClrLst/>
+    <dgm:txFillClrLst meth="repeat">
+      <a:schemeClr val="dk1"/>
+    </dgm:txFillClrLst>
+    <dgm:txEffectClrLst/>
+  </dgm:styleLbl>
+  <dgm:styleLbl name="fgAcc4">
+    <dgm:fillClrLst meth="repeat">
+      <a:schemeClr val="lt2">
+        <a:alpha val="90000"/>
+      </a:schemeClr>
+    </dgm:fillClrLst>
+    <dgm:linClrLst meth="repeat">
+      <a:schemeClr val="dk2"/>
+    </dgm:linClrLst>
+    <dgm:effectClrLst/>
+    <dgm:txLinClrLst/>
+    <dgm:txFillClrLst meth="repeat">
+      <a:schemeClr val="dk1"/>
+    </dgm:txFillClrLst>
+    <dgm:txEffectClrLst/>
+  </dgm:styleLbl>
+  <dgm:styleLbl name="bgShp">
+    <dgm:fillClrLst meth="repeat">
+      <a:schemeClr val="dk2">
+        <a:tint val="40000"/>
+      </a:schemeClr>
+    </dgm:fillClrLst>
+    <dgm:linClrLst meth="repeat">
+      <a:schemeClr val="dk2"/>
+    </dgm:linClrLst>
+    <dgm:effectClrLst/>
+    <dgm:txLinClrLst/>
+    <dgm:txFillClrLst meth="repeat">
+      <a:schemeClr val="dk1"/>
+    </dgm:txFillClrLst>
+    <dgm:txEffectClrLst/>
+  </dgm:styleLbl>
+  <dgm:styleLbl name="dkBgShp">
+    <dgm:fillClrLst meth="repeat">
+      <a:schemeClr val="dk2">
+        <a:shade val="80000"/>
+      </a:schemeClr>
+    </dgm:fillClrLst>
+    <dgm:linClrLst meth="repeat">
+      <a:schemeClr val="dk2"/>
+    </dgm:linClrLst>
+    <dgm:effectClrLst/>
+    <dgm:txLinClrLst/>
+    <dgm:txFillClrLst meth="repeat">
+      <a:schemeClr val="lt1"/>
+    </dgm:txFillClrLst>
+    <dgm:txEffectClrLst/>
+  </dgm:styleLbl>
+  <dgm:styleLbl name="trBgShp">
+    <dgm:fillClrLst meth="repeat">
+      <a:schemeClr val="dk2">
+        <a:tint val="50000"/>
+        <a:alpha val="40000"/>
+      </a:schemeClr>
+    </dgm:fillClrLst>
+    <dgm:linClrLst meth="repeat">
+      <a:schemeClr val="dk2"/>
+    </dgm:linClrLst>
+    <dgm:effectClrLst/>
+    <dgm:txLinClrLst/>
+    <dgm:txFillClrLst meth="repeat">
+      <a:schemeClr val="lt1"/>
+    </dgm:txFillClrLst>
+    <dgm:txEffectClrLst/>
+  </dgm:styleLbl>
+  <dgm:styleLbl name="fgShp">
+    <dgm:fillClrLst meth="repeat">
+      <a:schemeClr val="dk2">
+        <a:tint val="60000"/>
+      </a:schemeClr>
+    </dgm:fillClrLst>
+    <dgm:linClrLst meth="repeat">
+      <a:schemeClr val="lt2"/>
+    </dgm:linClrLst>
+    <dgm:effectClrLst/>
+    <dgm:txLinClrLst/>
+    <dgm:txFillClrLst meth="repeat">
+      <a:schemeClr val="dk1"/>
+    </dgm:txFillClrLst>
+    <dgm:txEffectClrLst/>
+  </dgm:styleLbl>
+  <dgm:styleLbl name="revTx">
+    <dgm:fillClrLst meth="repeat">
+      <a:schemeClr val="lt2">
         <a:alpha val="0"/>
       </a:schemeClr>
     </dgm:fillClrLst>
@@ -2327,6 +3084,640 @@
 </dgm:dataModel>
 </file>
 
+<file path=ppt/diagrams/data3.xml><?xml version="1.0" encoding="utf-8"?>
+<dgm:dataModel xmlns:dgm="http://schemas.openxmlformats.org/drawingml/2006/diagram" xmlns:a="http://schemas.openxmlformats.org/drawingml/2006/main">
+  <dgm:ptLst>
+    <dgm:pt modelId="{C96EC598-79A9-4345-96F6-DFD3EFCCB3C2}" type="doc">
+      <dgm:prSet loTypeId="urn:microsoft.com/office/officeart/2005/8/layout/vList5" loCatId="list" qsTypeId="urn:microsoft.com/office/officeart/2005/8/quickstyle/simple3" qsCatId="simple" csTypeId="urn:microsoft.com/office/officeart/2005/8/colors/accent0_3" csCatId="mainScheme" phldr="1"/>
+      <dgm:spPr/>
+      <dgm:t>
+        <a:bodyPr/>
+        <a:lstStyle/>
+        <a:p>
+          <a:endParaRPr lang="en-US"/>
+        </a:p>
+      </dgm:t>
+    </dgm:pt>
+    <dgm:pt modelId="{7FC101B3-4C2D-4163-9709-BA01AF6230A9}">
+      <dgm:prSet/>
+      <dgm:spPr/>
+      <dgm:t>
+        <a:bodyPr/>
+        <a:lstStyle/>
+        <a:p>
+          <a:r>
+            <a:rPr lang="en-US" dirty="0" smtClean="0">
+              <a:effectLst>
+                <a:glow rad="101600">
+                  <a:schemeClr val="bg1">
+                    <a:alpha val="75000"/>
+                  </a:schemeClr>
+                </a:glow>
+              </a:effectLst>
+            </a:rPr>
+            <a:t>VSI</a:t>
+          </a:r>
+        </a:p>
+      </dgm:t>
+    </dgm:pt>
+    <dgm:pt modelId="{4CE77C3D-D0A0-4177-A6F0-0ECAAE8D8247}" type="parTrans" cxnId="{015105B7-B404-4CB8-A4B3-703EF5268C51}">
+      <dgm:prSet/>
+      <dgm:spPr/>
+      <dgm:t>
+        <a:bodyPr/>
+        <a:lstStyle/>
+        <a:p>
+          <a:endParaRPr lang="en-US"/>
+        </a:p>
+      </dgm:t>
+    </dgm:pt>
+    <dgm:pt modelId="{2BECB680-1D92-4EB5-A162-B2B91F325D5B}" type="sibTrans" cxnId="{015105B7-B404-4CB8-A4B3-703EF5268C51}">
+      <dgm:prSet/>
+      <dgm:spPr/>
+      <dgm:t>
+        <a:bodyPr/>
+        <a:lstStyle/>
+        <a:p>
+          <a:endParaRPr lang="en-US"/>
+        </a:p>
+      </dgm:t>
+    </dgm:pt>
+    <dgm:pt modelId="{92FD3B00-5A97-4A61-9B7A-04F8CACC85B4}">
+      <dgm:prSet/>
+      <dgm:spPr/>
+      <dgm:t>
+        <a:bodyPr/>
+        <a:lstStyle/>
+        <a:p>
+          <a:r>
+            <a:rPr lang="en-US" smtClean="0">
+              <a:effectLst>
+                <a:glow rad="101600">
+                  <a:schemeClr val="bg1">
+                    <a:alpha val="75000"/>
+                  </a:schemeClr>
+                </a:glow>
+              </a:effectLst>
+            </a:rPr>
+            <a:t>VDI</a:t>
+          </a:r>
+          <a:endParaRPr lang="en-US" dirty="0" smtClean="0">
+            <a:effectLst>
+              <a:glow rad="101600">
+                <a:schemeClr val="bg1">
+                  <a:alpha val="75000"/>
+                </a:schemeClr>
+              </a:glow>
+            </a:effectLst>
+          </a:endParaRPr>
+        </a:p>
+      </dgm:t>
+    </dgm:pt>
+    <dgm:pt modelId="{7877EE2D-2298-40B0-AC89-D2A0DE7A5C8C}" type="parTrans" cxnId="{5ABEC109-9717-4B57-89DA-453CC1A5CF21}">
+      <dgm:prSet/>
+      <dgm:spPr/>
+      <dgm:t>
+        <a:bodyPr/>
+        <a:lstStyle/>
+        <a:p>
+          <a:endParaRPr lang="en-US"/>
+        </a:p>
+      </dgm:t>
+    </dgm:pt>
+    <dgm:pt modelId="{8725B73B-B5B6-487A-830C-8AB06CC10189}" type="sibTrans" cxnId="{5ABEC109-9717-4B57-89DA-453CC1A5CF21}">
+      <dgm:prSet/>
+      <dgm:spPr/>
+      <dgm:t>
+        <a:bodyPr/>
+        <a:lstStyle/>
+        <a:p>
+          <a:endParaRPr lang="en-US"/>
+        </a:p>
+      </dgm:t>
+    </dgm:pt>
+    <dgm:pt modelId="{7FEECE4D-C681-4625-A5D3-342D2AA3DAE3}">
+      <dgm:prSet/>
+      <dgm:spPr/>
+      <dgm:t>
+        <a:bodyPr/>
+        <a:lstStyle/>
+        <a:p>
+          <a:r>
+            <a:rPr lang="en-US" smtClean="0">
+              <a:effectLst>
+                <a:glow rad="101600">
+                  <a:schemeClr val="bg1">
+                    <a:alpha val="75000"/>
+                  </a:schemeClr>
+                </a:glow>
+              </a:effectLst>
+            </a:rPr>
+            <a:t>Devops</a:t>
+          </a:r>
+          <a:endParaRPr lang="en-US" dirty="0" smtClean="0">
+            <a:effectLst>
+              <a:glow rad="101600">
+                <a:schemeClr val="bg1">
+                  <a:alpha val="75000"/>
+                </a:schemeClr>
+              </a:glow>
+            </a:effectLst>
+          </a:endParaRPr>
+        </a:p>
+      </dgm:t>
+    </dgm:pt>
+    <dgm:pt modelId="{8C795410-C651-4D1C-8636-ADFC4FCD8CFD}" type="parTrans" cxnId="{68C648C3-E858-4608-843E-1A54E07C3A9C}">
+      <dgm:prSet/>
+      <dgm:spPr/>
+      <dgm:t>
+        <a:bodyPr/>
+        <a:lstStyle/>
+        <a:p>
+          <a:endParaRPr lang="en-US"/>
+        </a:p>
+      </dgm:t>
+    </dgm:pt>
+    <dgm:pt modelId="{26A234AC-149A-4DE7-8967-39BD4DE09899}" type="sibTrans" cxnId="{68C648C3-E858-4608-843E-1A54E07C3A9C}">
+      <dgm:prSet/>
+      <dgm:spPr/>
+      <dgm:t>
+        <a:bodyPr/>
+        <a:lstStyle/>
+        <a:p>
+          <a:endParaRPr lang="en-US"/>
+        </a:p>
+      </dgm:t>
+    </dgm:pt>
+    <dgm:pt modelId="{7D12BD8E-384E-4552-95BD-5C6F683ED289}">
+      <dgm:prSet/>
+      <dgm:spPr/>
+      <dgm:t>
+        <a:bodyPr/>
+        <a:lstStyle/>
+        <a:p>
+          <a:r>
+            <a:rPr lang="en-US" smtClean="0">
+              <a:effectLst>
+                <a:glow rad="101600">
+                  <a:schemeClr val="bg1">
+                    <a:alpha val="75000"/>
+                  </a:schemeClr>
+                </a:glow>
+              </a:effectLst>
+            </a:rPr>
+            <a:t>Production</a:t>
+          </a:r>
+          <a:endParaRPr lang="en-US" dirty="0" smtClean="0">
+            <a:effectLst>
+              <a:glow rad="101600">
+                <a:schemeClr val="bg1">
+                  <a:alpha val="75000"/>
+                </a:schemeClr>
+              </a:glow>
+            </a:effectLst>
+          </a:endParaRPr>
+        </a:p>
+      </dgm:t>
+    </dgm:pt>
+    <dgm:pt modelId="{7170234A-F2EA-46CA-9E3F-42032CF170D0}" type="parTrans" cxnId="{10779DD4-0AE4-4CAD-8E34-FBC5F14A656C}">
+      <dgm:prSet/>
+      <dgm:spPr/>
+      <dgm:t>
+        <a:bodyPr/>
+        <a:lstStyle/>
+        <a:p>
+          <a:endParaRPr lang="en-US"/>
+        </a:p>
+      </dgm:t>
+    </dgm:pt>
+    <dgm:pt modelId="{E1FBFAFF-7120-4800-83F8-F31380EE5EE8}" type="sibTrans" cxnId="{10779DD4-0AE4-4CAD-8E34-FBC5F14A656C}">
+      <dgm:prSet/>
+      <dgm:spPr/>
+      <dgm:t>
+        <a:bodyPr/>
+        <a:lstStyle/>
+        <a:p>
+          <a:endParaRPr lang="en-US"/>
+        </a:p>
+      </dgm:t>
+    </dgm:pt>
+    <dgm:pt modelId="{09C31C65-4011-4437-8E11-FC86FBA851CD}">
+      <dgm:prSet/>
+      <dgm:spPr/>
+      <dgm:t>
+        <a:bodyPr/>
+        <a:lstStyle/>
+        <a:p>
+          <a:r>
+            <a:rPr lang="en-US" smtClean="0">
+              <a:effectLst>
+                <a:glow rad="101600">
+                  <a:schemeClr val="bg1">
+                    <a:alpha val="75000"/>
+                  </a:schemeClr>
+                </a:glow>
+              </a:effectLst>
+            </a:rPr>
+            <a:t>Mission Critical Applications</a:t>
+          </a:r>
+          <a:endParaRPr lang="en-US" dirty="0" smtClean="0">
+            <a:effectLst>
+              <a:glow rad="101600">
+                <a:schemeClr val="bg1">
+                  <a:alpha val="75000"/>
+                </a:schemeClr>
+              </a:glow>
+            </a:effectLst>
+          </a:endParaRPr>
+        </a:p>
+      </dgm:t>
+    </dgm:pt>
+    <dgm:pt modelId="{95EBFC57-9194-4598-9505-B41966E10FC0}" type="parTrans" cxnId="{CD0AF43B-47F0-472B-97F9-4215CD738A38}">
+      <dgm:prSet/>
+      <dgm:spPr/>
+      <dgm:t>
+        <a:bodyPr/>
+        <a:lstStyle/>
+        <a:p>
+          <a:endParaRPr lang="en-US"/>
+        </a:p>
+      </dgm:t>
+    </dgm:pt>
+    <dgm:pt modelId="{437F5914-D747-4749-9C80-545629216186}" type="sibTrans" cxnId="{CD0AF43B-47F0-472B-97F9-4215CD738A38}">
+      <dgm:prSet/>
+      <dgm:spPr/>
+      <dgm:t>
+        <a:bodyPr/>
+        <a:lstStyle/>
+        <a:p>
+          <a:endParaRPr lang="en-US"/>
+        </a:p>
+      </dgm:t>
+    </dgm:pt>
+    <dgm:pt modelId="{6377D8E3-ED93-400E-B5CC-E05A4DA2CD21}">
+      <dgm:prSet/>
+      <dgm:spPr/>
+      <dgm:t>
+        <a:bodyPr/>
+        <a:lstStyle/>
+        <a:p>
+          <a:r>
+            <a:rPr lang="en-US" dirty="0" smtClean="0">
+              <a:effectLst>
+                <a:glow rad="101600">
+                  <a:schemeClr val="bg1">
+                    <a:alpha val="75000"/>
+                  </a:schemeClr>
+                </a:glow>
+              </a:effectLst>
+            </a:rPr>
+            <a:t>Virtual Server Infrastructure</a:t>
+          </a:r>
+        </a:p>
+      </dgm:t>
+    </dgm:pt>
+    <dgm:pt modelId="{DE58F160-9BCC-447A-A8C2-DF8A6E2A9AA9}" type="parTrans" cxnId="{EA868EE6-FADF-4DC2-94F0-AE4905BBBD0C}">
+      <dgm:prSet/>
+      <dgm:spPr/>
+      <dgm:t>
+        <a:bodyPr/>
+        <a:lstStyle/>
+        <a:p>
+          <a:endParaRPr lang="en-US"/>
+        </a:p>
+      </dgm:t>
+    </dgm:pt>
+    <dgm:pt modelId="{A9446ECD-D2F1-4C32-962E-5FA0196EF9E1}" type="sibTrans" cxnId="{EA868EE6-FADF-4DC2-94F0-AE4905BBBD0C}">
+      <dgm:prSet/>
+      <dgm:spPr/>
+      <dgm:t>
+        <a:bodyPr/>
+        <a:lstStyle/>
+        <a:p>
+          <a:endParaRPr lang="en-US"/>
+        </a:p>
+      </dgm:t>
+    </dgm:pt>
+    <dgm:pt modelId="{929D988F-EF3D-4785-8E5D-65C0AE63EA6A}">
+      <dgm:prSet/>
+      <dgm:spPr/>
+      <dgm:t>
+        <a:bodyPr/>
+        <a:lstStyle/>
+        <a:p>
+          <a:r>
+            <a:rPr lang="en-US" smtClean="0">
+              <a:effectLst>
+                <a:glow rad="101600">
+                  <a:schemeClr val="bg1">
+                    <a:alpha val="75000"/>
+                  </a:schemeClr>
+                </a:glow>
+              </a:effectLst>
+            </a:rPr>
+            <a:t>Virtual Desktop Infrastructure</a:t>
+          </a:r>
+          <a:endParaRPr lang="en-US" dirty="0" smtClean="0">
+            <a:effectLst>
+              <a:glow rad="101600">
+                <a:schemeClr val="bg1">
+                  <a:alpha val="75000"/>
+                </a:schemeClr>
+              </a:glow>
+            </a:effectLst>
+          </a:endParaRPr>
+        </a:p>
+      </dgm:t>
+    </dgm:pt>
+    <dgm:pt modelId="{6A752955-9831-490B-9F31-36CB5B5D418B}" type="parTrans" cxnId="{36D0E06C-7F33-4897-82C1-DD03641CED6E}">
+      <dgm:prSet/>
+      <dgm:spPr/>
+      <dgm:t>
+        <a:bodyPr/>
+        <a:lstStyle/>
+        <a:p>
+          <a:endParaRPr lang="en-US"/>
+        </a:p>
+      </dgm:t>
+    </dgm:pt>
+    <dgm:pt modelId="{E00306FB-6944-4CA9-BF16-273F7361CE0B}" type="sibTrans" cxnId="{36D0E06C-7F33-4897-82C1-DD03641CED6E}">
+      <dgm:prSet/>
+      <dgm:spPr/>
+      <dgm:t>
+        <a:bodyPr/>
+        <a:lstStyle/>
+        <a:p>
+          <a:endParaRPr lang="en-US"/>
+        </a:p>
+      </dgm:t>
+    </dgm:pt>
+    <dgm:pt modelId="{A1F301AC-7F02-4BB4-BCAD-5BCC2657E757}">
+      <dgm:prSet/>
+      <dgm:spPr/>
+      <dgm:t>
+        <a:bodyPr/>
+        <a:lstStyle/>
+        <a:p>
+          <a:r>
+            <a:rPr lang="en-US" smtClean="0">
+              <a:effectLst>
+                <a:glow rad="101600">
+                  <a:schemeClr val="bg1">
+                    <a:alpha val="75000"/>
+                  </a:schemeClr>
+                </a:glow>
+              </a:effectLst>
+            </a:rPr>
+            <a:t>Test &amp; Dev</a:t>
+          </a:r>
+          <a:endParaRPr lang="en-US" dirty="0" smtClean="0">
+            <a:effectLst>
+              <a:glow rad="101600">
+                <a:schemeClr val="bg1">
+                  <a:alpha val="75000"/>
+                </a:schemeClr>
+              </a:glow>
+            </a:effectLst>
+          </a:endParaRPr>
+        </a:p>
+      </dgm:t>
+    </dgm:pt>
+    <dgm:pt modelId="{22422A70-1924-4C84-95BA-3D6636D5D251}" type="parTrans" cxnId="{B4C47F19-AA03-48F1-9BD5-CBE929A3DC8A}">
+      <dgm:prSet/>
+      <dgm:spPr/>
+      <dgm:t>
+        <a:bodyPr/>
+        <a:lstStyle/>
+        <a:p>
+          <a:endParaRPr lang="en-US"/>
+        </a:p>
+      </dgm:t>
+    </dgm:pt>
+    <dgm:pt modelId="{C42D54FB-C3D3-413C-A6E0-8F3693CF71C6}" type="sibTrans" cxnId="{B4C47F19-AA03-48F1-9BD5-CBE929A3DC8A}">
+      <dgm:prSet/>
+      <dgm:spPr/>
+      <dgm:t>
+        <a:bodyPr/>
+        <a:lstStyle/>
+        <a:p>
+          <a:endParaRPr lang="en-US"/>
+        </a:p>
+      </dgm:t>
+    </dgm:pt>
+    <dgm:pt modelId="{6B7F1906-BF6A-4906-ACB8-906F7653FFC2}" type="pres">
+      <dgm:prSet presAssocID="{C96EC598-79A9-4345-96F6-DFD3EFCCB3C2}" presName="Name0" presStyleCnt="0">
+        <dgm:presLayoutVars>
+          <dgm:dir/>
+          <dgm:animLvl val="lvl"/>
+          <dgm:resizeHandles val="exact"/>
+        </dgm:presLayoutVars>
+      </dgm:prSet>
+      <dgm:spPr/>
+      <dgm:t>
+        <a:bodyPr/>
+        <a:lstStyle/>
+        <a:p>
+          <a:endParaRPr lang="en-US"/>
+        </a:p>
+      </dgm:t>
+    </dgm:pt>
+    <dgm:pt modelId="{126D3D23-8AE1-4DFD-ABE8-EBA46F22A025}" type="pres">
+      <dgm:prSet presAssocID="{7FC101B3-4C2D-4163-9709-BA01AF6230A9}" presName="linNode" presStyleCnt="0"/>
+      <dgm:spPr/>
+    </dgm:pt>
+    <dgm:pt modelId="{B183A8A5-2AF5-4CA9-977D-FD99B368396E}" type="pres">
+      <dgm:prSet presAssocID="{7FC101B3-4C2D-4163-9709-BA01AF6230A9}" presName="parentText" presStyleLbl="node1" presStyleIdx="0" presStyleCnt="4">
+        <dgm:presLayoutVars>
+          <dgm:chMax val="1"/>
+          <dgm:bulletEnabled val="1"/>
+        </dgm:presLayoutVars>
+      </dgm:prSet>
+      <dgm:spPr/>
+      <dgm:t>
+        <a:bodyPr/>
+        <a:lstStyle/>
+        <a:p>
+          <a:endParaRPr lang="en-US"/>
+        </a:p>
+      </dgm:t>
+    </dgm:pt>
+    <dgm:pt modelId="{659940B0-0C32-4374-83A2-1FAA0047DF4B}" type="pres">
+      <dgm:prSet presAssocID="{7FC101B3-4C2D-4163-9709-BA01AF6230A9}" presName="descendantText" presStyleLbl="alignAccFollowNode1" presStyleIdx="0" presStyleCnt="4">
+        <dgm:presLayoutVars>
+          <dgm:bulletEnabled val="1"/>
+        </dgm:presLayoutVars>
+      </dgm:prSet>
+      <dgm:spPr/>
+      <dgm:t>
+        <a:bodyPr/>
+        <a:lstStyle/>
+        <a:p>
+          <a:endParaRPr lang="en-US"/>
+        </a:p>
+      </dgm:t>
+    </dgm:pt>
+    <dgm:pt modelId="{4E7CD775-D83B-4A6A-A7DB-235B31FF26F5}" type="pres">
+      <dgm:prSet presAssocID="{2BECB680-1D92-4EB5-A162-B2B91F325D5B}" presName="sp" presStyleCnt="0"/>
+      <dgm:spPr/>
+    </dgm:pt>
+    <dgm:pt modelId="{5E129F18-11AA-430A-9C5E-5906E480FD2B}" type="pres">
+      <dgm:prSet presAssocID="{92FD3B00-5A97-4A61-9B7A-04F8CACC85B4}" presName="linNode" presStyleCnt="0"/>
+      <dgm:spPr/>
+    </dgm:pt>
+    <dgm:pt modelId="{F57E7666-D385-4BA4-9BAD-CB4BA1292381}" type="pres">
+      <dgm:prSet presAssocID="{92FD3B00-5A97-4A61-9B7A-04F8CACC85B4}" presName="parentText" presStyleLbl="node1" presStyleIdx="1" presStyleCnt="4">
+        <dgm:presLayoutVars>
+          <dgm:chMax val="1"/>
+          <dgm:bulletEnabled val="1"/>
+        </dgm:presLayoutVars>
+      </dgm:prSet>
+      <dgm:spPr/>
+      <dgm:t>
+        <a:bodyPr/>
+        <a:lstStyle/>
+        <a:p>
+          <a:endParaRPr lang="en-US"/>
+        </a:p>
+      </dgm:t>
+    </dgm:pt>
+    <dgm:pt modelId="{E2CCC431-2094-40A3-8B5A-595B444B4331}" type="pres">
+      <dgm:prSet presAssocID="{92FD3B00-5A97-4A61-9B7A-04F8CACC85B4}" presName="descendantText" presStyleLbl="alignAccFollowNode1" presStyleIdx="1" presStyleCnt="4">
+        <dgm:presLayoutVars>
+          <dgm:bulletEnabled val="1"/>
+        </dgm:presLayoutVars>
+      </dgm:prSet>
+      <dgm:spPr/>
+      <dgm:t>
+        <a:bodyPr/>
+        <a:lstStyle/>
+        <a:p>
+          <a:endParaRPr lang="en-US"/>
+        </a:p>
+      </dgm:t>
+    </dgm:pt>
+    <dgm:pt modelId="{EC6D52C7-9ACC-4DFD-9CC1-2963FABE04AD}" type="pres">
+      <dgm:prSet presAssocID="{8725B73B-B5B6-487A-830C-8AB06CC10189}" presName="sp" presStyleCnt="0"/>
+      <dgm:spPr/>
+    </dgm:pt>
+    <dgm:pt modelId="{5D7E9F27-EDE0-476A-BC51-E18589E1E521}" type="pres">
+      <dgm:prSet presAssocID="{7FEECE4D-C681-4625-A5D3-342D2AA3DAE3}" presName="linNode" presStyleCnt="0"/>
+      <dgm:spPr/>
+    </dgm:pt>
+    <dgm:pt modelId="{B113B666-2758-41B2-B034-7F2E194D5392}" type="pres">
+      <dgm:prSet presAssocID="{7FEECE4D-C681-4625-A5D3-342D2AA3DAE3}" presName="parentText" presStyleLbl="node1" presStyleIdx="2" presStyleCnt="4">
+        <dgm:presLayoutVars>
+          <dgm:chMax val="1"/>
+          <dgm:bulletEnabled val="1"/>
+        </dgm:presLayoutVars>
+      </dgm:prSet>
+      <dgm:spPr/>
+      <dgm:t>
+        <a:bodyPr/>
+        <a:lstStyle/>
+        <a:p>
+          <a:endParaRPr lang="en-US"/>
+        </a:p>
+      </dgm:t>
+    </dgm:pt>
+    <dgm:pt modelId="{0C712D49-DD11-45A6-819A-6008F109A003}" type="pres">
+      <dgm:prSet presAssocID="{7FEECE4D-C681-4625-A5D3-342D2AA3DAE3}" presName="descendantText" presStyleLbl="alignAccFollowNode1" presStyleIdx="2" presStyleCnt="4">
+        <dgm:presLayoutVars>
+          <dgm:bulletEnabled val="1"/>
+        </dgm:presLayoutVars>
+      </dgm:prSet>
+      <dgm:spPr/>
+      <dgm:t>
+        <a:bodyPr/>
+        <a:lstStyle/>
+        <a:p>
+          <a:endParaRPr lang="en-US"/>
+        </a:p>
+      </dgm:t>
+    </dgm:pt>
+    <dgm:pt modelId="{B110D8EF-22C0-43E7-B38E-28BD25EEE8FF}" type="pres">
+      <dgm:prSet presAssocID="{26A234AC-149A-4DE7-8967-39BD4DE09899}" presName="sp" presStyleCnt="0"/>
+      <dgm:spPr/>
+    </dgm:pt>
+    <dgm:pt modelId="{9A136E13-5EDE-486B-BFC2-A343971E7BE7}" type="pres">
+      <dgm:prSet presAssocID="{7D12BD8E-384E-4552-95BD-5C6F683ED289}" presName="linNode" presStyleCnt="0"/>
+      <dgm:spPr/>
+    </dgm:pt>
+    <dgm:pt modelId="{E39D554E-8C18-4473-BB5A-5BA764545C4B}" type="pres">
+      <dgm:prSet presAssocID="{7D12BD8E-384E-4552-95BD-5C6F683ED289}" presName="parentText" presStyleLbl="node1" presStyleIdx="3" presStyleCnt="4">
+        <dgm:presLayoutVars>
+          <dgm:chMax val="1"/>
+          <dgm:bulletEnabled val="1"/>
+        </dgm:presLayoutVars>
+      </dgm:prSet>
+      <dgm:spPr/>
+      <dgm:t>
+        <a:bodyPr/>
+        <a:lstStyle/>
+        <a:p>
+          <a:endParaRPr lang="en-US"/>
+        </a:p>
+      </dgm:t>
+    </dgm:pt>
+    <dgm:pt modelId="{BDF73325-BEFB-4558-B2FF-6E61CB231EBA}" type="pres">
+      <dgm:prSet presAssocID="{7D12BD8E-384E-4552-95BD-5C6F683ED289}" presName="descendantText" presStyleLbl="alignAccFollowNode1" presStyleIdx="3" presStyleCnt="4">
+        <dgm:presLayoutVars>
+          <dgm:bulletEnabled val="1"/>
+        </dgm:presLayoutVars>
+      </dgm:prSet>
+      <dgm:spPr/>
+      <dgm:t>
+        <a:bodyPr/>
+        <a:lstStyle/>
+        <a:p>
+          <a:endParaRPr lang="en-US"/>
+        </a:p>
+      </dgm:t>
+    </dgm:pt>
+  </dgm:ptLst>
+  <dgm:cxnLst>
+    <dgm:cxn modelId="{9554A498-3451-48AB-BB5A-769377DEF2FB}" type="presOf" srcId="{6377D8E3-ED93-400E-B5CC-E05A4DA2CD21}" destId="{659940B0-0C32-4374-83A2-1FAA0047DF4B}" srcOrd="0" destOrd="0" presId="urn:microsoft.com/office/officeart/2005/8/layout/vList5"/>
+    <dgm:cxn modelId="{6002D877-66BA-4769-B4E6-8454A8DCDA3A}" type="presOf" srcId="{09C31C65-4011-4437-8E11-FC86FBA851CD}" destId="{BDF73325-BEFB-4558-B2FF-6E61CB231EBA}" srcOrd="0" destOrd="0" presId="urn:microsoft.com/office/officeart/2005/8/layout/vList5"/>
+    <dgm:cxn modelId="{F5D7AA6E-9A43-45E5-88B2-21158F0715C9}" type="presOf" srcId="{C96EC598-79A9-4345-96F6-DFD3EFCCB3C2}" destId="{6B7F1906-BF6A-4906-ACB8-906F7653FFC2}" srcOrd="0" destOrd="0" presId="urn:microsoft.com/office/officeart/2005/8/layout/vList5"/>
+    <dgm:cxn modelId="{5ABEC109-9717-4B57-89DA-453CC1A5CF21}" srcId="{C96EC598-79A9-4345-96F6-DFD3EFCCB3C2}" destId="{92FD3B00-5A97-4A61-9B7A-04F8CACC85B4}" srcOrd="1" destOrd="0" parTransId="{7877EE2D-2298-40B0-AC89-D2A0DE7A5C8C}" sibTransId="{8725B73B-B5B6-487A-830C-8AB06CC10189}"/>
+    <dgm:cxn modelId="{1250244D-C61D-4930-A5A9-59C5C7B2FC41}" type="presOf" srcId="{A1F301AC-7F02-4BB4-BCAD-5BCC2657E757}" destId="{0C712D49-DD11-45A6-819A-6008F109A003}" srcOrd="0" destOrd="0" presId="urn:microsoft.com/office/officeart/2005/8/layout/vList5"/>
+    <dgm:cxn modelId="{68C648C3-E858-4608-843E-1A54E07C3A9C}" srcId="{C96EC598-79A9-4345-96F6-DFD3EFCCB3C2}" destId="{7FEECE4D-C681-4625-A5D3-342D2AA3DAE3}" srcOrd="2" destOrd="0" parTransId="{8C795410-C651-4D1C-8636-ADFC4FCD8CFD}" sibTransId="{26A234AC-149A-4DE7-8967-39BD4DE09899}"/>
+    <dgm:cxn modelId="{B79B455F-4258-4C5A-A0F2-529532528D9D}" type="presOf" srcId="{92FD3B00-5A97-4A61-9B7A-04F8CACC85B4}" destId="{F57E7666-D385-4BA4-9BAD-CB4BA1292381}" srcOrd="0" destOrd="0" presId="urn:microsoft.com/office/officeart/2005/8/layout/vList5"/>
+    <dgm:cxn modelId="{015105B7-B404-4CB8-A4B3-703EF5268C51}" srcId="{C96EC598-79A9-4345-96F6-DFD3EFCCB3C2}" destId="{7FC101B3-4C2D-4163-9709-BA01AF6230A9}" srcOrd="0" destOrd="0" parTransId="{4CE77C3D-D0A0-4177-A6F0-0ECAAE8D8247}" sibTransId="{2BECB680-1D92-4EB5-A162-B2B91F325D5B}"/>
+    <dgm:cxn modelId="{36D0E06C-7F33-4897-82C1-DD03641CED6E}" srcId="{92FD3B00-5A97-4A61-9B7A-04F8CACC85B4}" destId="{929D988F-EF3D-4785-8E5D-65C0AE63EA6A}" srcOrd="0" destOrd="0" parTransId="{6A752955-9831-490B-9F31-36CB5B5D418B}" sibTransId="{E00306FB-6944-4CA9-BF16-273F7361CE0B}"/>
+    <dgm:cxn modelId="{B4C47F19-AA03-48F1-9BD5-CBE929A3DC8A}" srcId="{7FEECE4D-C681-4625-A5D3-342D2AA3DAE3}" destId="{A1F301AC-7F02-4BB4-BCAD-5BCC2657E757}" srcOrd="0" destOrd="0" parTransId="{22422A70-1924-4C84-95BA-3D6636D5D251}" sibTransId="{C42D54FB-C3D3-413C-A6E0-8F3693CF71C6}"/>
+    <dgm:cxn modelId="{1345DDD0-1874-4964-B825-1853AC225BBE}" type="presOf" srcId="{7D12BD8E-384E-4552-95BD-5C6F683ED289}" destId="{E39D554E-8C18-4473-BB5A-5BA764545C4B}" srcOrd="0" destOrd="0" presId="urn:microsoft.com/office/officeart/2005/8/layout/vList5"/>
+    <dgm:cxn modelId="{FD98CFAE-F06A-4448-9D00-12BF489685F3}" type="presOf" srcId="{7FC101B3-4C2D-4163-9709-BA01AF6230A9}" destId="{B183A8A5-2AF5-4CA9-977D-FD99B368396E}" srcOrd="0" destOrd="0" presId="urn:microsoft.com/office/officeart/2005/8/layout/vList5"/>
+    <dgm:cxn modelId="{7C6607EA-7CD5-4D89-BB73-4B8AE23E8A58}" type="presOf" srcId="{7FEECE4D-C681-4625-A5D3-342D2AA3DAE3}" destId="{B113B666-2758-41B2-B034-7F2E194D5392}" srcOrd="0" destOrd="0" presId="urn:microsoft.com/office/officeart/2005/8/layout/vList5"/>
+    <dgm:cxn modelId="{EA868EE6-FADF-4DC2-94F0-AE4905BBBD0C}" srcId="{7FC101B3-4C2D-4163-9709-BA01AF6230A9}" destId="{6377D8E3-ED93-400E-B5CC-E05A4DA2CD21}" srcOrd="0" destOrd="0" parTransId="{DE58F160-9BCC-447A-A8C2-DF8A6E2A9AA9}" sibTransId="{A9446ECD-D2F1-4C32-962E-5FA0196EF9E1}"/>
+    <dgm:cxn modelId="{E4A17EAD-2C79-44A1-9969-4C883C4E7FC5}" type="presOf" srcId="{929D988F-EF3D-4785-8E5D-65C0AE63EA6A}" destId="{E2CCC431-2094-40A3-8B5A-595B444B4331}" srcOrd="0" destOrd="0" presId="urn:microsoft.com/office/officeart/2005/8/layout/vList5"/>
+    <dgm:cxn modelId="{10779DD4-0AE4-4CAD-8E34-FBC5F14A656C}" srcId="{C96EC598-79A9-4345-96F6-DFD3EFCCB3C2}" destId="{7D12BD8E-384E-4552-95BD-5C6F683ED289}" srcOrd="3" destOrd="0" parTransId="{7170234A-F2EA-46CA-9E3F-42032CF170D0}" sibTransId="{E1FBFAFF-7120-4800-83F8-F31380EE5EE8}"/>
+    <dgm:cxn modelId="{CD0AF43B-47F0-472B-97F9-4215CD738A38}" srcId="{7D12BD8E-384E-4552-95BD-5C6F683ED289}" destId="{09C31C65-4011-4437-8E11-FC86FBA851CD}" srcOrd="0" destOrd="0" parTransId="{95EBFC57-9194-4598-9505-B41966E10FC0}" sibTransId="{437F5914-D747-4749-9C80-545629216186}"/>
+    <dgm:cxn modelId="{131F9DC0-FE9E-4790-A8EA-52F2DABB2309}" type="presParOf" srcId="{6B7F1906-BF6A-4906-ACB8-906F7653FFC2}" destId="{126D3D23-8AE1-4DFD-ABE8-EBA46F22A025}" srcOrd="0" destOrd="0" presId="urn:microsoft.com/office/officeart/2005/8/layout/vList5"/>
+    <dgm:cxn modelId="{6716990D-E0C3-46CC-AF4A-7F0E7945BE3F}" type="presParOf" srcId="{126D3D23-8AE1-4DFD-ABE8-EBA46F22A025}" destId="{B183A8A5-2AF5-4CA9-977D-FD99B368396E}" srcOrd="0" destOrd="0" presId="urn:microsoft.com/office/officeart/2005/8/layout/vList5"/>
+    <dgm:cxn modelId="{AA493F05-AB3B-4B39-BC5E-FC675A348FC5}" type="presParOf" srcId="{126D3D23-8AE1-4DFD-ABE8-EBA46F22A025}" destId="{659940B0-0C32-4374-83A2-1FAA0047DF4B}" srcOrd="1" destOrd="0" presId="urn:microsoft.com/office/officeart/2005/8/layout/vList5"/>
+    <dgm:cxn modelId="{29D56B0A-6686-422D-A04F-E108DC06E8A9}" type="presParOf" srcId="{6B7F1906-BF6A-4906-ACB8-906F7653FFC2}" destId="{4E7CD775-D83B-4A6A-A7DB-235B31FF26F5}" srcOrd="1" destOrd="0" presId="urn:microsoft.com/office/officeart/2005/8/layout/vList5"/>
+    <dgm:cxn modelId="{C098870C-74E7-47D4-A687-113B491D4AAE}" type="presParOf" srcId="{6B7F1906-BF6A-4906-ACB8-906F7653FFC2}" destId="{5E129F18-11AA-430A-9C5E-5906E480FD2B}" srcOrd="2" destOrd="0" presId="urn:microsoft.com/office/officeart/2005/8/layout/vList5"/>
+    <dgm:cxn modelId="{53E3ADAA-7317-4A0F-B123-E110739A9A93}" type="presParOf" srcId="{5E129F18-11AA-430A-9C5E-5906E480FD2B}" destId="{F57E7666-D385-4BA4-9BAD-CB4BA1292381}" srcOrd="0" destOrd="0" presId="urn:microsoft.com/office/officeart/2005/8/layout/vList5"/>
+    <dgm:cxn modelId="{75CC03C1-EF26-4D0A-94C6-3B4528520750}" type="presParOf" srcId="{5E129F18-11AA-430A-9C5E-5906E480FD2B}" destId="{E2CCC431-2094-40A3-8B5A-595B444B4331}" srcOrd="1" destOrd="0" presId="urn:microsoft.com/office/officeart/2005/8/layout/vList5"/>
+    <dgm:cxn modelId="{414243F9-DFC7-44E3-A223-B8F4D77AE67B}" type="presParOf" srcId="{6B7F1906-BF6A-4906-ACB8-906F7653FFC2}" destId="{EC6D52C7-9ACC-4DFD-9CC1-2963FABE04AD}" srcOrd="3" destOrd="0" presId="urn:microsoft.com/office/officeart/2005/8/layout/vList5"/>
+    <dgm:cxn modelId="{7E7C71E4-C9DB-4B86-984B-9404B1B7AFE4}" type="presParOf" srcId="{6B7F1906-BF6A-4906-ACB8-906F7653FFC2}" destId="{5D7E9F27-EDE0-476A-BC51-E18589E1E521}" srcOrd="4" destOrd="0" presId="urn:microsoft.com/office/officeart/2005/8/layout/vList5"/>
+    <dgm:cxn modelId="{29DD9659-28CC-4920-990E-147C0C48BFDE}" type="presParOf" srcId="{5D7E9F27-EDE0-476A-BC51-E18589E1E521}" destId="{B113B666-2758-41B2-B034-7F2E194D5392}" srcOrd="0" destOrd="0" presId="urn:microsoft.com/office/officeart/2005/8/layout/vList5"/>
+    <dgm:cxn modelId="{AA3B1FCB-01DE-411F-B28A-5E53B5389A43}" type="presParOf" srcId="{5D7E9F27-EDE0-476A-BC51-E18589E1E521}" destId="{0C712D49-DD11-45A6-819A-6008F109A003}" srcOrd="1" destOrd="0" presId="urn:microsoft.com/office/officeart/2005/8/layout/vList5"/>
+    <dgm:cxn modelId="{AA49CBD4-9DFE-4B76-9180-14F18A95082C}" type="presParOf" srcId="{6B7F1906-BF6A-4906-ACB8-906F7653FFC2}" destId="{B110D8EF-22C0-43E7-B38E-28BD25EEE8FF}" srcOrd="5" destOrd="0" presId="urn:microsoft.com/office/officeart/2005/8/layout/vList5"/>
+    <dgm:cxn modelId="{B748E979-DFF4-4B6E-A4D2-437CE854C0BE}" type="presParOf" srcId="{6B7F1906-BF6A-4906-ACB8-906F7653FFC2}" destId="{9A136E13-5EDE-486B-BFC2-A343971E7BE7}" srcOrd="6" destOrd="0" presId="urn:microsoft.com/office/officeart/2005/8/layout/vList5"/>
+    <dgm:cxn modelId="{6BD1F71C-154B-4745-8667-14D23B1F1FC1}" type="presParOf" srcId="{9A136E13-5EDE-486B-BFC2-A343971E7BE7}" destId="{E39D554E-8C18-4473-BB5A-5BA764545C4B}" srcOrd="0" destOrd="0" presId="urn:microsoft.com/office/officeart/2005/8/layout/vList5"/>
+    <dgm:cxn modelId="{B398BAD5-FEA5-4AD7-9F69-8CB4A7C01C59}" type="presParOf" srcId="{9A136E13-5EDE-486B-BFC2-A343971E7BE7}" destId="{BDF73325-BEFB-4558-B2FF-6E61CB231EBA}" srcOrd="1" destOrd="0" presId="urn:microsoft.com/office/officeart/2005/8/layout/vList5"/>
+  </dgm:cxnLst>
+  <dgm:bg/>
+  <dgm:whole/>
+  <dgm:extLst>
+    <a:ext uri="http://schemas.microsoft.com/office/drawing/2008/diagram">
+      <dsp:dataModelExt xmlns:dsp="http://schemas.microsoft.com/office/drawing/2008/diagram" relId="rId7" minVer="http://schemas.openxmlformats.org/drawingml/2006/diagram"/>
+    </a:ext>
+  </dgm:extLst>
+</dgm:dataModel>
+</file>
+
 <file path=ppt/diagrams/drawing1.xml><?xml version="1.0" encoding="utf-8"?>
 <dsp:drawing xmlns:dgm="http://schemas.openxmlformats.org/drawingml/2006/diagram" xmlns:dsp="http://schemas.microsoft.com/office/drawing/2008/diagram" xmlns:a="http://schemas.openxmlformats.org/drawingml/2006/main">
   <dsp:spTree>
@@ -2954,6 +4345,776 @@
       <dsp:txXfrm>
         <a:off x="3471457" y="3093720"/>
         <a:ext cx="1250051" cy="883920"/>
+      </dsp:txXfrm>
+    </dsp:sp>
+  </dsp:spTree>
+</dsp:drawing>
+</file>
+
+<file path=ppt/diagrams/drawing3.xml><?xml version="1.0" encoding="utf-8"?>
+<dsp:drawing xmlns:dgm="http://schemas.openxmlformats.org/drawingml/2006/diagram" xmlns:dsp="http://schemas.microsoft.com/office/drawing/2008/diagram" xmlns:a="http://schemas.openxmlformats.org/drawingml/2006/main">
+  <dsp:spTree>
+    <dsp:nvGrpSpPr>
+      <dsp:cNvPr id="0" name=""/>
+      <dsp:cNvGrpSpPr/>
+    </dsp:nvGrpSpPr>
+    <dsp:grpSpPr/>
+    <dsp:sp modelId="{659940B0-0C32-4374-83A2-1FAA0047DF4B}">
+      <dsp:nvSpPr>
+        <dsp:cNvPr id="0" name=""/>
+        <dsp:cNvSpPr/>
+      </dsp:nvSpPr>
+      <dsp:spPr>
+        <a:xfrm rot="5400000">
+          <a:off x="4803589" y="-1963074"/>
+          <a:ext cx="758180" cy="4877815"/>
+        </a:xfrm>
+        <a:prstGeom prst="round2SameRect">
+          <a:avLst/>
+        </a:prstGeom>
+        <a:solidFill>
+          <a:schemeClr val="dk2">
+            <a:alpha val="90000"/>
+            <a:tint val="40000"/>
+            <a:hueOff val="0"/>
+            <a:satOff val="0"/>
+            <a:lumOff val="0"/>
+            <a:alphaOff val="0"/>
+          </a:schemeClr>
+        </a:solidFill>
+        <a:ln w="10000" cap="flat" cmpd="sng" algn="ctr">
+          <a:solidFill>
+            <a:schemeClr val="dk2">
+              <a:alpha val="90000"/>
+              <a:tint val="40000"/>
+              <a:hueOff val="0"/>
+              <a:satOff val="0"/>
+              <a:lumOff val="0"/>
+              <a:alphaOff val="0"/>
+            </a:schemeClr>
+          </a:solidFill>
+          <a:prstDash val="solid"/>
+        </a:ln>
+        <a:effectLst/>
+      </dsp:spPr>
+      <dsp:style>
+        <a:lnRef idx="1">
+          <a:scrgbClr r="0" g="0" b="0"/>
+        </a:lnRef>
+        <a:fillRef idx="1">
+          <a:scrgbClr r="0" g="0" b="0"/>
+        </a:fillRef>
+        <a:effectRef idx="0">
+          <a:scrgbClr r="0" g="0" b="0"/>
+        </a:effectRef>
+        <a:fontRef idx="minor"/>
+      </dsp:style>
+      <dsp:txBody>
+        <a:bodyPr spcFirstLastPara="0" vert="horz" wrap="square" lIns="110490" tIns="55245" rIns="110490" bIns="55245" numCol="1" spcCol="1270" anchor="ctr" anchorCtr="0">
+          <a:noAutofit/>
+        </a:bodyPr>
+        <a:lstStyle/>
+        <a:p>
+          <a:pPr marL="285750" lvl="1" indent="-285750" algn="l" defTabSz="1289050">
+            <a:lnSpc>
+              <a:spcPct val="90000"/>
+            </a:lnSpc>
+            <a:spcBef>
+              <a:spcPct val="0"/>
+            </a:spcBef>
+            <a:spcAft>
+              <a:spcPct val="15000"/>
+            </a:spcAft>
+            <a:buChar char="••"/>
+          </a:pPr>
+          <a:r>
+            <a:rPr lang="en-US" sz="2900" kern="1200" dirty="0" smtClean="0">
+              <a:effectLst>
+                <a:glow rad="101600">
+                  <a:schemeClr val="bg1">
+                    <a:alpha val="75000"/>
+                  </a:schemeClr>
+                </a:glow>
+              </a:effectLst>
+            </a:rPr>
+            <a:t>Virtual Server Infrastructure</a:t>
+          </a:r>
+        </a:p>
+      </dsp:txBody>
+      <dsp:txXfrm rot="-5400000">
+        <a:off x="2743772" y="133754"/>
+        <a:ext cx="4840804" cy="684158"/>
+      </dsp:txXfrm>
+    </dsp:sp>
+    <dsp:sp modelId="{B183A8A5-2AF5-4CA9-977D-FD99B368396E}">
+      <dsp:nvSpPr>
+        <dsp:cNvPr id="0" name=""/>
+        <dsp:cNvSpPr/>
+      </dsp:nvSpPr>
+      <dsp:spPr>
+        <a:xfrm>
+          <a:off x="0" y="1970"/>
+          <a:ext cx="2743771" cy="947725"/>
+        </a:xfrm>
+        <a:prstGeom prst="roundRect">
+          <a:avLst/>
+        </a:prstGeom>
+        <a:solidFill>
+          <a:schemeClr val="dk2">
+            <a:hueOff val="0"/>
+            <a:satOff val="0"/>
+            <a:lumOff val="0"/>
+            <a:alphaOff val="0"/>
+          </a:schemeClr>
+        </a:solidFill>
+        <a:ln>
+          <a:noFill/>
+        </a:ln>
+        <a:effectLst>
+          <a:outerShdw blurRad="38100" dist="30000" dir="5400000" rotWithShape="0">
+            <a:srgbClr val="000000">
+              <a:alpha val="45000"/>
+            </a:srgbClr>
+          </a:outerShdw>
+        </a:effectLst>
+        <a:scene3d>
+          <a:camera prst="orthographicFront"/>
+          <a:lightRig rig="flat" dir="t"/>
+        </a:scene3d>
+        <a:sp3d prstMaterial="dkEdge">
+          <a:bevelT w="8200" h="38100"/>
+        </a:sp3d>
+      </dsp:spPr>
+      <dsp:style>
+        <a:lnRef idx="0">
+          <a:scrgbClr r="0" g="0" b="0"/>
+        </a:lnRef>
+        <a:fillRef idx="2">
+          <a:scrgbClr r="0" g="0" b="0"/>
+        </a:fillRef>
+        <a:effectRef idx="1">
+          <a:scrgbClr r="0" g="0" b="0"/>
+        </a:effectRef>
+        <a:fontRef idx="minor">
+          <a:schemeClr val="dk1"/>
+        </a:fontRef>
+      </dsp:style>
+      <dsp:txBody>
+        <a:bodyPr spcFirstLastPara="0" vert="horz" wrap="square" lIns="156210" tIns="78105" rIns="156210" bIns="78105" numCol="1" spcCol="1270" anchor="ctr" anchorCtr="0">
+          <a:noAutofit/>
+        </a:bodyPr>
+        <a:lstStyle/>
+        <a:p>
+          <a:pPr lvl="0" algn="ctr" defTabSz="1822450">
+            <a:lnSpc>
+              <a:spcPct val="90000"/>
+            </a:lnSpc>
+            <a:spcBef>
+              <a:spcPct val="0"/>
+            </a:spcBef>
+            <a:spcAft>
+              <a:spcPct val="35000"/>
+            </a:spcAft>
+          </a:pPr>
+          <a:r>
+            <a:rPr lang="en-US" sz="4100" kern="1200" dirty="0" smtClean="0">
+              <a:effectLst>
+                <a:glow rad="101600">
+                  <a:schemeClr val="bg1">
+                    <a:alpha val="75000"/>
+                  </a:schemeClr>
+                </a:glow>
+              </a:effectLst>
+            </a:rPr>
+            <a:t>VSI</a:t>
+          </a:r>
+        </a:p>
+      </dsp:txBody>
+      <dsp:txXfrm>
+        <a:off x="46264" y="48234"/>
+        <a:ext cx="2651243" cy="855197"/>
+      </dsp:txXfrm>
+    </dsp:sp>
+    <dsp:sp modelId="{E2CCC431-2094-40A3-8B5A-595B444B4331}">
+      <dsp:nvSpPr>
+        <dsp:cNvPr id="0" name=""/>
+        <dsp:cNvSpPr/>
+      </dsp:nvSpPr>
+      <dsp:spPr>
+        <a:xfrm rot="5400000">
+          <a:off x="4803589" y="-967963"/>
+          <a:ext cx="758180" cy="4877815"/>
+        </a:xfrm>
+        <a:prstGeom prst="round2SameRect">
+          <a:avLst/>
+        </a:prstGeom>
+        <a:solidFill>
+          <a:schemeClr val="dk2">
+            <a:alpha val="90000"/>
+            <a:tint val="40000"/>
+            <a:hueOff val="0"/>
+            <a:satOff val="0"/>
+            <a:lumOff val="0"/>
+            <a:alphaOff val="0"/>
+          </a:schemeClr>
+        </a:solidFill>
+        <a:ln w="10000" cap="flat" cmpd="sng" algn="ctr">
+          <a:solidFill>
+            <a:schemeClr val="dk2">
+              <a:alpha val="90000"/>
+              <a:tint val="40000"/>
+              <a:hueOff val="0"/>
+              <a:satOff val="0"/>
+              <a:lumOff val="0"/>
+              <a:alphaOff val="0"/>
+            </a:schemeClr>
+          </a:solidFill>
+          <a:prstDash val="solid"/>
+        </a:ln>
+        <a:effectLst/>
+      </dsp:spPr>
+      <dsp:style>
+        <a:lnRef idx="1">
+          <a:scrgbClr r="0" g="0" b="0"/>
+        </a:lnRef>
+        <a:fillRef idx="1">
+          <a:scrgbClr r="0" g="0" b="0"/>
+        </a:fillRef>
+        <a:effectRef idx="0">
+          <a:scrgbClr r="0" g="0" b="0"/>
+        </a:effectRef>
+        <a:fontRef idx="minor"/>
+      </dsp:style>
+      <dsp:txBody>
+        <a:bodyPr spcFirstLastPara="0" vert="horz" wrap="square" lIns="110490" tIns="55245" rIns="110490" bIns="55245" numCol="1" spcCol="1270" anchor="ctr" anchorCtr="0">
+          <a:noAutofit/>
+        </a:bodyPr>
+        <a:lstStyle/>
+        <a:p>
+          <a:pPr marL="285750" lvl="1" indent="-285750" algn="l" defTabSz="1289050">
+            <a:lnSpc>
+              <a:spcPct val="90000"/>
+            </a:lnSpc>
+            <a:spcBef>
+              <a:spcPct val="0"/>
+            </a:spcBef>
+            <a:spcAft>
+              <a:spcPct val="15000"/>
+            </a:spcAft>
+            <a:buChar char="••"/>
+          </a:pPr>
+          <a:r>
+            <a:rPr lang="en-US" sz="2900" kern="1200" smtClean="0">
+              <a:effectLst>
+                <a:glow rad="101600">
+                  <a:schemeClr val="bg1">
+                    <a:alpha val="75000"/>
+                  </a:schemeClr>
+                </a:glow>
+              </a:effectLst>
+            </a:rPr>
+            <a:t>Virtual Desktop Infrastructure</a:t>
+          </a:r>
+          <a:endParaRPr lang="en-US" sz="2900" kern="1200" dirty="0" smtClean="0">
+            <a:effectLst>
+              <a:glow rad="101600">
+                <a:schemeClr val="bg1">
+                  <a:alpha val="75000"/>
+                </a:schemeClr>
+              </a:glow>
+            </a:effectLst>
+          </a:endParaRPr>
+        </a:p>
+      </dsp:txBody>
+      <dsp:txXfrm rot="-5400000">
+        <a:off x="2743772" y="1128865"/>
+        <a:ext cx="4840804" cy="684158"/>
+      </dsp:txXfrm>
+    </dsp:sp>
+    <dsp:sp modelId="{F57E7666-D385-4BA4-9BAD-CB4BA1292381}">
+      <dsp:nvSpPr>
+        <dsp:cNvPr id="0" name=""/>
+        <dsp:cNvSpPr/>
+      </dsp:nvSpPr>
+      <dsp:spPr>
+        <a:xfrm>
+          <a:off x="0" y="997081"/>
+          <a:ext cx="2743771" cy="947725"/>
+        </a:xfrm>
+        <a:prstGeom prst="roundRect">
+          <a:avLst/>
+        </a:prstGeom>
+        <a:solidFill>
+          <a:schemeClr val="dk2">
+            <a:hueOff val="0"/>
+            <a:satOff val="0"/>
+            <a:lumOff val="0"/>
+            <a:alphaOff val="0"/>
+          </a:schemeClr>
+        </a:solidFill>
+        <a:ln>
+          <a:noFill/>
+        </a:ln>
+        <a:effectLst>
+          <a:outerShdw blurRad="38100" dist="30000" dir="5400000" rotWithShape="0">
+            <a:srgbClr val="000000">
+              <a:alpha val="45000"/>
+            </a:srgbClr>
+          </a:outerShdw>
+        </a:effectLst>
+        <a:scene3d>
+          <a:camera prst="orthographicFront"/>
+          <a:lightRig rig="flat" dir="t"/>
+        </a:scene3d>
+        <a:sp3d prstMaterial="dkEdge">
+          <a:bevelT w="8200" h="38100"/>
+        </a:sp3d>
+      </dsp:spPr>
+      <dsp:style>
+        <a:lnRef idx="0">
+          <a:scrgbClr r="0" g="0" b="0"/>
+        </a:lnRef>
+        <a:fillRef idx="2">
+          <a:scrgbClr r="0" g="0" b="0"/>
+        </a:fillRef>
+        <a:effectRef idx="1">
+          <a:scrgbClr r="0" g="0" b="0"/>
+        </a:effectRef>
+        <a:fontRef idx="minor">
+          <a:schemeClr val="dk1"/>
+        </a:fontRef>
+      </dsp:style>
+      <dsp:txBody>
+        <a:bodyPr spcFirstLastPara="0" vert="horz" wrap="square" lIns="156210" tIns="78105" rIns="156210" bIns="78105" numCol="1" spcCol="1270" anchor="ctr" anchorCtr="0">
+          <a:noAutofit/>
+        </a:bodyPr>
+        <a:lstStyle/>
+        <a:p>
+          <a:pPr lvl="0" algn="ctr" defTabSz="1822450">
+            <a:lnSpc>
+              <a:spcPct val="90000"/>
+            </a:lnSpc>
+            <a:spcBef>
+              <a:spcPct val="0"/>
+            </a:spcBef>
+            <a:spcAft>
+              <a:spcPct val="35000"/>
+            </a:spcAft>
+          </a:pPr>
+          <a:r>
+            <a:rPr lang="en-US" sz="4100" kern="1200" smtClean="0">
+              <a:effectLst>
+                <a:glow rad="101600">
+                  <a:schemeClr val="bg1">
+                    <a:alpha val="75000"/>
+                  </a:schemeClr>
+                </a:glow>
+              </a:effectLst>
+            </a:rPr>
+            <a:t>VDI</a:t>
+          </a:r>
+          <a:endParaRPr lang="en-US" sz="4100" kern="1200" dirty="0" smtClean="0">
+            <a:effectLst>
+              <a:glow rad="101600">
+                <a:schemeClr val="bg1">
+                  <a:alpha val="75000"/>
+                </a:schemeClr>
+              </a:glow>
+            </a:effectLst>
+          </a:endParaRPr>
+        </a:p>
+      </dsp:txBody>
+      <dsp:txXfrm>
+        <a:off x="46264" y="1043345"/>
+        <a:ext cx="2651243" cy="855197"/>
+      </dsp:txXfrm>
+    </dsp:sp>
+    <dsp:sp modelId="{0C712D49-DD11-45A6-819A-6008F109A003}">
+      <dsp:nvSpPr>
+        <dsp:cNvPr id="0" name=""/>
+        <dsp:cNvSpPr/>
+      </dsp:nvSpPr>
+      <dsp:spPr>
+        <a:xfrm rot="5400000">
+          <a:off x="4803589" y="27147"/>
+          <a:ext cx="758180" cy="4877815"/>
+        </a:xfrm>
+        <a:prstGeom prst="round2SameRect">
+          <a:avLst/>
+        </a:prstGeom>
+        <a:solidFill>
+          <a:schemeClr val="dk2">
+            <a:alpha val="90000"/>
+            <a:tint val="40000"/>
+            <a:hueOff val="0"/>
+            <a:satOff val="0"/>
+            <a:lumOff val="0"/>
+            <a:alphaOff val="0"/>
+          </a:schemeClr>
+        </a:solidFill>
+        <a:ln w="10000" cap="flat" cmpd="sng" algn="ctr">
+          <a:solidFill>
+            <a:schemeClr val="dk2">
+              <a:alpha val="90000"/>
+              <a:tint val="40000"/>
+              <a:hueOff val="0"/>
+              <a:satOff val="0"/>
+              <a:lumOff val="0"/>
+              <a:alphaOff val="0"/>
+            </a:schemeClr>
+          </a:solidFill>
+          <a:prstDash val="solid"/>
+        </a:ln>
+        <a:effectLst/>
+      </dsp:spPr>
+      <dsp:style>
+        <a:lnRef idx="1">
+          <a:scrgbClr r="0" g="0" b="0"/>
+        </a:lnRef>
+        <a:fillRef idx="1">
+          <a:scrgbClr r="0" g="0" b="0"/>
+        </a:fillRef>
+        <a:effectRef idx="0">
+          <a:scrgbClr r="0" g="0" b="0"/>
+        </a:effectRef>
+        <a:fontRef idx="minor"/>
+      </dsp:style>
+      <dsp:txBody>
+        <a:bodyPr spcFirstLastPara="0" vert="horz" wrap="square" lIns="110490" tIns="55245" rIns="110490" bIns="55245" numCol="1" spcCol="1270" anchor="ctr" anchorCtr="0">
+          <a:noAutofit/>
+        </a:bodyPr>
+        <a:lstStyle/>
+        <a:p>
+          <a:pPr marL="285750" lvl="1" indent="-285750" algn="l" defTabSz="1289050">
+            <a:lnSpc>
+              <a:spcPct val="90000"/>
+            </a:lnSpc>
+            <a:spcBef>
+              <a:spcPct val="0"/>
+            </a:spcBef>
+            <a:spcAft>
+              <a:spcPct val="15000"/>
+            </a:spcAft>
+            <a:buChar char="••"/>
+          </a:pPr>
+          <a:r>
+            <a:rPr lang="en-US" sz="2900" kern="1200" smtClean="0">
+              <a:effectLst>
+                <a:glow rad="101600">
+                  <a:schemeClr val="bg1">
+                    <a:alpha val="75000"/>
+                  </a:schemeClr>
+                </a:glow>
+              </a:effectLst>
+            </a:rPr>
+            <a:t>Test &amp; Dev</a:t>
+          </a:r>
+          <a:endParaRPr lang="en-US" sz="2900" kern="1200" dirty="0" smtClean="0">
+            <a:effectLst>
+              <a:glow rad="101600">
+                <a:schemeClr val="bg1">
+                  <a:alpha val="75000"/>
+                </a:schemeClr>
+              </a:glow>
+            </a:effectLst>
+          </a:endParaRPr>
+        </a:p>
+      </dsp:txBody>
+      <dsp:txXfrm rot="-5400000">
+        <a:off x="2743772" y="2123976"/>
+        <a:ext cx="4840804" cy="684158"/>
+      </dsp:txXfrm>
+    </dsp:sp>
+    <dsp:sp modelId="{B113B666-2758-41B2-B034-7F2E194D5392}">
+      <dsp:nvSpPr>
+        <dsp:cNvPr id="0" name=""/>
+        <dsp:cNvSpPr/>
+      </dsp:nvSpPr>
+      <dsp:spPr>
+        <a:xfrm>
+          <a:off x="0" y="1992193"/>
+          <a:ext cx="2743771" cy="947725"/>
+        </a:xfrm>
+        <a:prstGeom prst="roundRect">
+          <a:avLst/>
+        </a:prstGeom>
+        <a:solidFill>
+          <a:schemeClr val="dk2">
+            <a:hueOff val="0"/>
+            <a:satOff val="0"/>
+            <a:lumOff val="0"/>
+            <a:alphaOff val="0"/>
+          </a:schemeClr>
+        </a:solidFill>
+        <a:ln>
+          <a:noFill/>
+        </a:ln>
+        <a:effectLst>
+          <a:outerShdw blurRad="38100" dist="30000" dir="5400000" rotWithShape="0">
+            <a:srgbClr val="000000">
+              <a:alpha val="45000"/>
+            </a:srgbClr>
+          </a:outerShdw>
+        </a:effectLst>
+        <a:scene3d>
+          <a:camera prst="orthographicFront"/>
+          <a:lightRig rig="flat" dir="t"/>
+        </a:scene3d>
+        <a:sp3d prstMaterial="dkEdge">
+          <a:bevelT w="8200" h="38100"/>
+        </a:sp3d>
+      </dsp:spPr>
+      <dsp:style>
+        <a:lnRef idx="0">
+          <a:scrgbClr r="0" g="0" b="0"/>
+        </a:lnRef>
+        <a:fillRef idx="2">
+          <a:scrgbClr r="0" g="0" b="0"/>
+        </a:fillRef>
+        <a:effectRef idx="1">
+          <a:scrgbClr r="0" g="0" b="0"/>
+        </a:effectRef>
+        <a:fontRef idx="minor">
+          <a:schemeClr val="dk1"/>
+        </a:fontRef>
+      </dsp:style>
+      <dsp:txBody>
+        <a:bodyPr spcFirstLastPara="0" vert="horz" wrap="square" lIns="156210" tIns="78105" rIns="156210" bIns="78105" numCol="1" spcCol="1270" anchor="ctr" anchorCtr="0">
+          <a:noAutofit/>
+        </a:bodyPr>
+        <a:lstStyle/>
+        <a:p>
+          <a:pPr lvl="0" algn="ctr" defTabSz="1822450">
+            <a:lnSpc>
+              <a:spcPct val="90000"/>
+            </a:lnSpc>
+            <a:spcBef>
+              <a:spcPct val="0"/>
+            </a:spcBef>
+            <a:spcAft>
+              <a:spcPct val="35000"/>
+            </a:spcAft>
+          </a:pPr>
+          <a:r>
+            <a:rPr lang="en-US" sz="4100" kern="1200" smtClean="0">
+              <a:effectLst>
+                <a:glow rad="101600">
+                  <a:schemeClr val="bg1">
+                    <a:alpha val="75000"/>
+                  </a:schemeClr>
+                </a:glow>
+              </a:effectLst>
+            </a:rPr>
+            <a:t>Devops</a:t>
+          </a:r>
+          <a:endParaRPr lang="en-US" sz="4100" kern="1200" dirty="0" smtClean="0">
+            <a:effectLst>
+              <a:glow rad="101600">
+                <a:schemeClr val="bg1">
+                  <a:alpha val="75000"/>
+                </a:schemeClr>
+              </a:glow>
+            </a:effectLst>
+          </a:endParaRPr>
+        </a:p>
+      </dsp:txBody>
+      <dsp:txXfrm>
+        <a:off x="46264" y="2038457"/>
+        <a:ext cx="2651243" cy="855197"/>
+      </dsp:txXfrm>
+    </dsp:sp>
+    <dsp:sp modelId="{BDF73325-BEFB-4558-B2FF-6E61CB231EBA}">
+      <dsp:nvSpPr>
+        <dsp:cNvPr id="0" name=""/>
+        <dsp:cNvSpPr/>
+      </dsp:nvSpPr>
+      <dsp:spPr>
+        <a:xfrm rot="5400000">
+          <a:off x="4803589" y="1022259"/>
+          <a:ext cx="758180" cy="4877815"/>
+        </a:xfrm>
+        <a:prstGeom prst="round2SameRect">
+          <a:avLst/>
+        </a:prstGeom>
+        <a:solidFill>
+          <a:schemeClr val="dk2">
+            <a:alpha val="90000"/>
+            <a:tint val="40000"/>
+            <a:hueOff val="0"/>
+            <a:satOff val="0"/>
+            <a:lumOff val="0"/>
+            <a:alphaOff val="0"/>
+          </a:schemeClr>
+        </a:solidFill>
+        <a:ln w="10000" cap="flat" cmpd="sng" algn="ctr">
+          <a:solidFill>
+            <a:schemeClr val="dk2">
+              <a:alpha val="90000"/>
+              <a:tint val="40000"/>
+              <a:hueOff val="0"/>
+              <a:satOff val="0"/>
+              <a:lumOff val="0"/>
+              <a:alphaOff val="0"/>
+            </a:schemeClr>
+          </a:solidFill>
+          <a:prstDash val="solid"/>
+        </a:ln>
+        <a:effectLst/>
+      </dsp:spPr>
+      <dsp:style>
+        <a:lnRef idx="1">
+          <a:scrgbClr r="0" g="0" b="0"/>
+        </a:lnRef>
+        <a:fillRef idx="1">
+          <a:scrgbClr r="0" g="0" b="0"/>
+        </a:fillRef>
+        <a:effectRef idx="0">
+          <a:scrgbClr r="0" g="0" b="0"/>
+        </a:effectRef>
+        <a:fontRef idx="minor"/>
+      </dsp:style>
+      <dsp:txBody>
+        <a:bodyPr spcFirstLastPara="0" vert="horz" wrap="square" lIns="110490" tIns="55245" rIns="110490" bIns="55245" numCol="1" spcCol="1270" anchor="ctr" anchorCtr="0">
+          <a:noAutofit/>
+        </a:bodyPr>
+        <a:lstStyle/>
+        <a:p>
+          <a:pPr marL="285750" lvl="1" indent="-285750" algn="l" defTabSz="1289050">
+            <a:lnSpc>
+              <a:spcPct val="90000"/>
+            </a:lnSpc>
+            <a:spcBef>
+              <a:spcPct val="0"/>
+            </a:spcBef>
+            <a:spcAft>
+              <a:spcPct val="15000"/>
+            </a:spcAft>
+            <a:buChar char="••"/>
+          </a:pPr>
+          <a:r>
+            <a:rPr lang="en-US" sz="2900" kern="1200" smtClean="0">
+              <a:effectLst>
+                <a:glow rad="101600">
+                  <a:schemeClr val="bg1">
+                    <a:alpha val="75000"/>
+                  </a:schemeClr>
+                </a:glow>
+              </a:effectLst>
+            </a:rPr>
+            <a:t>Mission Critical Applications</a:t>
+          </a:r>
+          <a:endParaRPr lang="en-US" sz="2900" kern="1200" dirty="0" smtClean="0">
+            <a:effectLst>
+              <a:glow rad="101600">
+                <a:schemeClr val="bg1">
+                  <a:alpha val="75000"/>
+                </a:schemeClr>
+              </a:glow>
+            </a:effectLst>
+          </a:endParaRPr>
+        </a:p>
+      </dsp:txBody>
+      <dsp:txXfrm rot="-5400000">
+        <a:off x="2743772" y="3119088"/>
+        <a:ext cx="4840804" cy="684158"/>
+      </dsp:txXfrm>
+    </dsp:sp>
+    <dsp:sp modelId="{E39D554E-8C18-4473-BB5A-5BA764545C4B}">
+      <dsp:nvSpPr>
+        <dsp:cNvPr id="0" name=""/>
+        <dsp:cNvSpPr/>
+      </dsp:nvSpPr>
+      <dsp:spPr>
+        <a:xfrm>
+          <a:off x="0" y="2987304"/>
+          <a:ext cx="2743771" cy="947725"/>
+        </a:xfrm>
+        <a:prstGeom prst="roundRect">
+          <a:avLst/>
+        </a:prstGeom>
+        <a:solidFill>
+          <a:schemeClr val="dk2">
+            <a:hueOff val="0"/>
+            <a:satOff val="0"/>
+            <a:lumOff val="0"/>
+            <a:alphaOff val="0"/>
+          </a:schemeClr>
+        </a:solidFill>
+        <a:ln>
+          <a:noFill/>
+        </a:ln>
+        <a:effectLst>
+          <a:outerShdw blurRad="38100" dist="30000" dir="5400000" rotWithShape="0">
+            <a:srgbClr val="000000">
+              <a:alpha val="45000"/>
+            </a:srgbClr>
+          </a:outerShdw>
+        </a:effectLst>
+        <a:scene3d>
+          <a:camera prst="orthographicFront"/>
+          <a:lightRig rig="flat" dir="t"/>
+        </a:scene3d>
+        <a:sp3d prstMaterial="dkEdge">
+          <a:bevelT w="8200" h="38100"/>
+        </a:sp3d>
+      </dsp:spPr>
+      <dsp:style>
+        <a:lnRef idx="0">
+          <a:scrgbClr r="0" g="0" b="0"/>
+        </a:lnRef>
+        <a:fillRef idx="2">
+          <a:scrgbClr r="0" g="0" b="0"/>
+        </a:fillRef>
+        <a:effectRef idx="1">
+          <a:scrgbClr r="0" g="0" b="0"/>
+        </a:effectRef>
+        <a:fontRef idx="minor">
+          <a:schemeClr val="dk1"/>
+        </a:fontRef>
+      </dsp:style>
+      <dsp:txBody>
+        <a:bodyPr spcFirstLastPara="0" vert="horz" wrap="square" lIns="156210" tIns="78105" rIns="156210" bIns="78105" numCol="1" spcCol="1270" anchor="ctr" anchorCtr="0">
+          <a:noAutofit/>
+        </a:bodyPr>
+        <a:lstStyle/>
+        <a:p>
+          <a:pPr lvl="0" algn="ctr" defTabSz="1822450">
+            <a:lnSpc>
+              <a:spcPct val="90000"/>
+            </a:lnSpc>
+            <a:spcBef>
+              <a:spcPct val="0"/>
+            </a:spcBef>
+            <a:spcAft>
+              <a:spcPct val="35000"/>
+            </a:spcAft>
+          </a:pPr>
+          <a:r>
+            <a:rPr lang="en-US" sz="4100" kern="1200" smtClean="0">
+              <a:effectLst>
+                <a:glow rad="101600">
+                  <a:schemeClr val="bg1">
+                    <a:alpha val="75000"/>
+                  </a:schemeClr>
+                </a:glow>
+              </a:effectLst>
+            </a:rPr>
+            <a:t>Production</a:t>
+          </a:r>
+          <a:endParaRPr lang="en-US" sz="4100" kern="1200" dirty="0" smtClean="0">
+            <a:effectLst>
+              <a:glow rad="101600">
+                <a:schemeClr val="bg1">
+                  <a:alpha val="75000"/>
+                </a:schemeClr>
+              </a:glow>
+            </a:effectLst>
+          </a:endParaRPr>
+        </a:p>
+      </dsp:txBody>
+      <dsp:txXfrm>
+        <a:off x="46264" y="3033568"/>
+        <a:ext cx="2651243" cy="855197"/>
       </dsp:txXfrm>
     </dsp:sp>
   </dsp:spTree>
@@ -4497,6 +6658,239 @@
 </dgm:layoutDef>
 </file>
 
+<file path=ppt/diagrams/layout3.xml><?xml version="1.0" encoding="utf-8"?>
+<dgm:layoutDef xmlns:dgm="http://schemas.openxmlformats.org/drawingml/2006/diagram" xmlns:a="http://schemas.openxmlformats.org/drawingml/2006/main" uniqueId="urn:microsoft.com/office/officeart/2005/8/layout/vList5">
+  <dgm:title val=""/>
+  <dgm:desc val=""/>
+  <dgm:catLst>
+    <dgm:cat type="list" pri="15000"/>
+    <dgm:cat type="convert" pri="2000"/>
+  </dgm:catLst>
+  <dgm:sampData>
+    <dgm:dataModel>
+      <dgm:ptLst>
+        <dgm:pt modelId="0" type="doc"/>
+        <dgm:pt modelId="1">
+          <dgm:prSet phldr="1"/>
+        </dgm:pt>
+        <dgm:pt modelId="11">
+          <dgm:prSet phldr="1"/>
+        </dgm:pt>
+        <dgm:pt modelId="12">
+          <dgm:prSet phldr="1"/>
+        </dgm:pt>
+        <dgm:pt modelId="2">
+          <dgm:prSet phldr="1"/>
+        </dgm:pt>
+        <dgm:pt modelId="21">
+          <dgm:prSet phldr="1"/>
+        </dgm:pt>
+        <dgm:pt modelId="22">
+          <dgm:prSet phldr="1"/>
+        </dgm:pt>
+        <dgm:pt modelId="3">
+          <dgm:prSet phldr="1"/>
+        </dgm:pt>
+        <dgm:pt modelId="31">
+          <dgm:prSet phldr="1"/>
+        </dgm:pt>
+        <dgm:pt modelId="32">
+          <dgm:prSet phldr="1"/>
+        </dgm:pt>
+      </dgm:ptLst>
+      <dgm:cxnLst>
+        <dgm:cxn modelId="4" srcId="0" destId="1" srcOrd="0" destOrd="0"/>
+        <dgm:cxn modelId="5" srcId="0" destId="2" srcOrd="1" destOrd="0"/>
+        <dgm:cxn modelId="6" srcId="0" destId="3" srcOrd="2" destOrd="0"/>
+        <dgm:cxn modelId="13" srcId="1" destId="11" srcOrd="0" destOrd="0"/>
+        <dgm:cxn modelId="14" srcId="1" destId="12" srcOrd="1" destOrd="0"/>
+        <dgm:cxn modelId="23" srcId="2" destId="21" srcOrd="0" destOrd="0"/>
+        <dgm:cxn modelId="24" srcId="2" destId="22" srcOrd="1" destOrd="0"/>
+        <dgm:cxn modelId="33" srcId="3" destId="31" srcOrd="0" destOrd="0"/>
+        <dgm:cxn modelId="34" srcId="3" destId="32" srcOrd="1" destOrd="0"/>
+      </dgm:cxnLst>
+      <dgm:bg/>
+      <dgm:whole/>
+    </dgm:dataModel>
+  </dgm:sampData>
+  <dgm:styleData>
+    <dgm:dataModel>
+      <dgm:ptLst>
+        <dgm:pt modelId="0" type="doc"/>
+        <dgm:pt modelId="1"/>
+        <dgm:pt modelId="11"/>
+        <dgm:pt modelId="2"/>
+        <dgm:pt modelId="21"/>
+      </dgm:ptLst>
+      <dgm:cxnLst>
+        <dgm:cxn modelId="4" srcId="0" destId="1" srcOrd="0" destOrd="0"/>
+        <dgm:cxn modelId="5" srcId="0" destId="2" srcOrd="1" destOrd="0"/>
+        <dgm:cxn modelId="13" srcId="1" destId="11" srcOrd="0" destOrd="0"/>
+        <dgm:cxn modelId="23" srcId="2" destId="21" srcOrd="0" destOrd="0"/>
+      </dgm:cxnLst>
+      <dgm:bg/>
+      <dgm:whole/>
+    </dgm:dataModel>
+  </dgm:styleData>
+  <dgm:clrData>
+    <dgm:dataModel>
+      <dgm:ptLst>
+        <dgm:pt modelId="0" type="doc"/>
+        <dgm:pt modelId="1"/>
+        <dgm:pt modelId="11"/>
+        <dgm:pt modelId="2"/>
+        <dgm:pt modelId="21"/>
+        <dgm:pt modelId="3"/>
+        <dgm:pt modelId="31"/>
+        <dgm:pt modelId="4"/>
+        <dgm:pt modelId="41"/>
+      </dgm:ptLst>
+      <dgm:cxnLst>
+        <dgm:cxn modelId="5" srcId="0" destId="1" srcOrd="0" destOrd="0"/>
+        <dgm:cxn modelId="6" srcId="0" destId="2" srcOrd="1" destOrd="0"/>
+        <dgm:cxn modelId="7" srcId="0" destId="3" srcOrd="2" destOrd="0"/>
+        <dgm:cxn modelId="8" srcId="0" destId="4" srcOrd="3" destOrd="0"/>
+        <dgm:cxn modelId="13" srcId="1" destId="11" srcOrd="0" destOrd="0"/>
+        <dgm:cxn modelId="23" srcId="2" destId="21" srcOrd="0" destOrd="0"/>
+        <dgm:cxn modelId="33" srcId="3" destId="31" srcOrd="0" destOrd="0"/>
+        <dgm:cxn modelId="43" srcId="4" destId="41" srcOrd="0" destOrd="0"/>
+      </dgm:cxnLst>
+      <dgm:bg/>
+      <dgm:whole/>
+    </dgm:dataModel>
+  </dgm:clrData>
+  <dgm:layoutNode name="Name0">
+    <dgm:varLst>
+      <dgm:dir/>
+      <dgm:animLvl val="lvl"/>
+      <dgm:resizeHandles val="exact"/>
+    </dgm:varLst>
+    <dgm:choose name="Name1">
+      <dgm:if name="Name2" func="var" arg="dir" op="equ" val="norm">
+        <dgm:alg type="lin">
+          <dgm:param type="linDir" val="fromT"/>
+          <dgm:param type="nodeHorzAlign" val="l"/>
+        </dgm:alg>
+      </dgm:if>
+      <dgm:else name="Name3">
+        <dgm:alg type="lin">
+          <dgm:param type="linDir" val="fromT"/>
+          <dgm:param type="nodeHorzAlign" val="r"/>
+        </dgm:alg>
+      </dgm:else>
+    </dgm:choose>
+    <dgm:shape xmlns:r="http://schemas.openxmlformats.org/officeDocument/2006/relationships" r:blip="">
+      <dgm:adjLst/>
+    </dgm:shape>
+    <dgm:presOf/>
+    <dgm:constrLst>
+      <dgm:constr type="h" for="ch" forName="linNode" refType="h"/>
+      <dgm:constr type="w" for="ch" forName="linNode" refType="w"/>
+      <dgm:constr type="h" for="ch" forName="sp" refType="h" fact="0.05"/>
+      <dgm:constr type="primFontSz" for="des" forName="parentText" op="equ" val="65"/>
+      <dgm:constr type="secFontSz" for="des" forName="descendantText" op="equ"/>
+    </dgm:constrLst>
+    <dgm:ruleLst/>
+    <dgm:forEach name="Name4" axis="ch" ptType="node">
+      <dgm:layoutNode name="linNode">
+        <dgm:choose name="Name5">
+          <dgm:if name="Name6" func="var" arg="dir" op="equ" val="norm">
+            <dgm:alg type="lin">
+              <dgm:param type="linDir" val="fromL"/>
+            </dgm:alg>
+          </dgm:if>
+          <dgm:else name="Name7">
+            <dgm:alg type="lin">
+              <dgm:param type="linDir" val="fromR"/>
+            </dgm:alg>
+          </dgm:else>
+        </dgm:choose>
+        <dgm:shape xmlns:r="http://schemas.openxmlformats.org/officeDocument/2006/relationships" r:blip="">
+          <dgm:adjLst/>
+        </dgm:shape>
+        <dgm:presOf/>
+        <dgm:constrLst>
+          <dgm:constr type="w" for="ch" forName="parentText" refType="w" fact="0.36"/>
+          <dgm:constr type="w" for="ch" forName="descendantText" refType="w" fact="0.64"/>
+          <dgm:constr type="h" for="ch" forName="parentText" refType="h"/>
+          <dgm:constr type="h" for="ch" forName="descendantText" refType="h" refFor="ch" refForName="parentText" fact="0.8"/>
+        </dgm:constrLst>
+        <dgm:ruleLst/>
+        <dgm:layoutNode name="parentText">
+          <dgm:varLst>
+            <dgm:chMax val="1"/>
+            <dgm:bulletEnabled val="1"/>
+          </dgm:varLst>
+          <dgm:alg type="tx"/>
+          <dgm:shape xmlns:r="http://schemas.openxmlformats.org/officeDocument/2006/relationships" type="roundRect" r:blip="" zOrderOff="3">
+            <dgm:adjLst/>
+          </dgm:shape>
+          <dgm:presOf axis="self" ptType="node"/>
+          <dgm:constrLst>
+            <dgm:constr type="tMarg" refType="primFontSz" fact="0.15"/>
+            <dgm:constr type="bMarg" refType="primFontSz" fact="0.15"/>
+            <dgm:constr type="lMarg" refType="primFontSz" fact="0.3"/>
+            <dgm:constr type="rMarg" refType="primFontSz" fact="0.3"/>
+          </dgm:constrLst>
+          <dgm:ruleLst>
+            <dgm:rule type="primFontSz" val="5" fact="NaN" max="NaN"/>
+          </dgm:ruleLst>
+        </dgm:layoutNode>
+        <dgm:choose name="Name8">
+          <dgm:if name="Name9" axis="ch" ptType="node" func="cnt" op="gte" val="1">
+            <dgm:layoutNode name="descendantText" styleLbl="alignAccFollowNode1">
+              <dgm:varLst>
+                <dgm:bulletEnabled val="1"/>
+              </dgm:varLst>
+              <dgm:alg type="tx">
+                <dgm:param type="stBulletLvl" val="1"/>
+                <dgm:param type="txAnchorVertCh" val="mid"/>
+              </dgm:alg>
+              <dgm:choose name="Name10">
+                <dgm:if name="Name11" func="var" arg="dir" op="equ" val="norm">
+                  <dgm:shape xmlns:r="http://schemas.openxmlformats.org/officeDocument/2006/relationships" rot="90" type="round2SameRect" r:blip="">
+                    <dgm:adjLst/>
+                  </dgm:shape>
+                </dgm:if>
+                <dgm:else name="Name12">
+                  <dgm:shape xmlns:r="http://schemas.openxmlformats.org/officeDocument/2006/relationships" rot="-90" type="round2SameRect" r:blip="">
+                    <dgm:adjLst/>
+                  </dgm:shape>
+                </dgm:else>
+              </dgm:choose>
+              <dgm:presOf axis="des" ptType="node"/>
+              <dgm:constrLst>
+                <dgm:constr type="secFontSz" val="65"/>
+                <dgm:constr type="primFontSz" refType="secFontSz"/>
+                <dgm:constr type="lMarg" refType="secFontSz" fact="0.3"/>
+                <dgm:constr type="rMarg" refType="secFontSz" fact="0.3"/>
+                <dgm:constr type="tMarg" refType="secFontSz" fact="0.15"/>
+                <dgm:constr type="bMarg" refType="secFontSz" fact="0.15"/>
+              </dgm:constrLst>
+              <dgm:ruleLst>
+                <dgm:rule type="secFontSz" val="5" fact="NaN" max="NaN"/>
+              </dgm:ruleLst>
+            </dgm:layoutNode>
+          </dgm:if>
+          <dgm:else name="Name13"/>
+        </dgm:choose>
+      </dgm:layoutNode>
+      <dgm:forEach name="Name14" axis="followSib" ptType="sibTrans" cnt="1">
+        <dgm:layoutNode name="sp">
+          <dgm:alg type="sp"/>
+          <dgm:shape xmlns:r="http://schemas.openxmlformats.org/officeDocument/2006/relationships" r:blip="">
+            <dgm:adjLst/>
+          </dgm:shape>
+          <dgm:presOf/>
+          <dgm:constrLst/>
+          <dgm:ruleLst/>
+        </dgm:layoutNode>
+      </dgm:forEach>
+    </dgm:forEach>
+  </dgm:layoutNode>
+</dgm:layoutDef>
+</file>
+
 <file path=ppt/diagrams/quickStyle1.xml><?xml version="1.0" encoding="utf-8"?>
 <dgm:styleDef xmlns:dgm="http://schemas.openxmlformats.org/drawingml/2006/diagram" xmlns:a="http://schemas.openxmlformats.org/drawingml/2006/main" uniqueId="urn:microsoft.com/office/officeart/2005/8/quickstyle/simple1">
   <dgm:title val=""/>
@@ -6537,6 +8931,1066 @@
         <a:scrgbClr r="0" g="0" b="0"/>
       </a:fillRef>
       <a:effectRef idx="0">
+        <a:scrgbClr r="0" g="0" b="0"/>
+      </a:effectRef>
+      <a:fontRef idx="minor"/>
+    </dgm:style>
+  </dgm:styleLbl>
+  <dgm:styleLbl name="revTx">
+    <dgm:scene3d>
+      <a:camera prst="orthographicFront"/>
+      <a:lightRig rig="threePt" dir="t"/>
+    </dgm:scene3d>
+    <dgm:sp3d/>
+    <dgm:txPr/>
+    <dgm:style>
+      <a:lnRef idx="0">
+        <a:scrgbClr r="0" g="0" b="0"/>
+      </a:lnRef>
+      <a:fillRef idx="0">
+        <a:scrgbClr r="0" g="0" b="0"/>
+      </a:fillRef>
+      <a:effectRef idx="0">
+        <a:scrgbClr r="0" g="0" b="0"/>
+      </a:effectRef>
+      <a:fontRef idx="minor"/>
+    </dgm:style>
+  </dgm:styleLbl>
+</dgm:styleDef>
+</file>
+
+<file path=ppt/diagrams/quickStyle3.xml><?xml version="1.0" encoding="utf-8"?>
+<dgm:styleDef xmlns:dgm="http://schemas.openxmlformats.org/drawingml/2006/diagram" xmlns:a="http://schemas.openxmlformats.org/drawingml/2006/main" uniqueId="urn:microsoft.com/office/officeart/2005/8/quickstyle/simple3">
+  <dgm:title val=""/>
+  <dgm:desc val=""/>
+  <dgm:catLst>
+    <dgm:cat type="simple" pri="10300"/>
+  </dgm:catLst>
+  <dgm:scene3d>
+    <a:camera prst="orthographicFront"/>
+    <a:lightRig rig="threePt" dir="t"/>
+  </dgm:scene3d>
+  <dgm:styleLbl name="node0">
+    <dgm:scene3d>
+      <a:camera prst="orthographicFront"/>
+      <a:lightRig rig="flat" dir="t"/>
+    </dgm:scene3d>
+    <dgm:sp3d prstMaterial="dkEdge">
+      <a:bevelT w="8200" h="38100"/>
+    </dgm:sp3d>
+    <dgm:txPr/>
+    <dgm:style>
+      <a:lnRef idx="0">
+        <a:scrgbClr r="0" g="0" b="0"/>
+      </a:lnRef>
+      <a:fillRef idx="2">
+        <a:scrgbClr r="0" g="0" b="0"/>
+      </a:fillRef>
+      <a:effectRef idx="1">
+        <a:scrgbClr r="0" g="0" b="0"/>
+      </a:effectRef>
+      <a:fontRef idx="minor">
+        <a:schemeClr val="dk1"/>
+      </a:fontRef>
+    </dgm:style>
+  </dgm:styleLbl>
+  <dgm:styleLbl name="lnNode1">
+    <dgm:scene3d>
+      <a:camera prst="orthographicFront"/>
+      <a:lightRig rig="flat" dir="t"/>
+    </dgm:scene3d>
+    <dgm:sp3d prstMaterial="dkEdge">
+      <a:bevelT w="8200" h="38100"/>
+    </dgm:sp3d>
+    <dgm:txPr/>
+    <dgm:style>
+      <a:lnRef idx="1">
+        <a:scrgbClr r="0" g="0" b="0"/>
+      </a:lnRef>
+      <a:fillRef idx="2">
+        <a:scrgbClr r="0" g="0" b="0"/>
+      </a:fillRef>
+      <a:effectRef idx="0">
+        <a:scrgbClr r="0" g="0" b="0"/>
+      </a:effectRef>
+      <a:fontRef idx="minor">
+        <a:schemeClr val="dk1"/>
+      </a:fontRef>
+    </dgm:style>
+  </dgm:styleLbl>
+  <dgm:styleLbl name="vennNode1">
+    <dgm:scene3d>
+      <a:camera prst="orthographicFront"/>
+      <a:lightRig rig="flat" dir="t"/>
+    </dgm:scene3d>
+    <dgm:sp3d prstMaterial="dkEdge">
+      <a:bevelT w="8200" h="38100"/>
+    </dgm:sp3d>
+    <dgm:txPr/>
+    <dgm:style>
+      <a:lnRef idx="0">
+        <a:scrgbClr r="0" g="0" b="0"/>
+      </a:lnRef>
+      <a:fillRef idx="2">
+        <a:scrgbClr r="0" g="0" b="0"/>
+      </a:fillRef>
+      <a:effectRef idx="0">
+        <a:scrgbClr r="0" g="0" b="0"/>
+      </a:effectRef>
+      <a:fontRef idx="minor">
+        <a:schemeClr val="tx1"/>
+      </a:fontRef>
+    </dgm:style>
+  </dgm:styleLbl>
+  <dgm:styleLbl name="alignNode1">
+    <dgm:scene3d>
+      <a:camera prst="orthographicFront"/>
+      <a:lightRig rig="threePt" dir="t"/>
+    </dgm:scene3d>
+    <dgm:sp3d/>
+    <dgm:txPr/>
+    <dgm:style>
+      <a:lnRef idx="1">
+        <a:scrgbClr r="0" g="0" b="0"/>
+      </a:lnRef>
+      <a:fillRef idx="2">
+        <a:scrgbClr r="0" g="0" b="0"/>
+      </a:fillRef>
+      <a:effectRef idx="1">
+        <a:scrgbClr r="0" g="0" b="0"/>
+      </a:effectRef>
+      <a:fontRef idx="minor">
+        <a:schemeClr val="dk1"/>
+      </a:fontRef>
+    </dgm:style>
+  </dgm:styleLbl>
+  <dgm:styleLbl name="node1">
+    <dgm:scene3d>
+      <a:camera prst="orthographicFront"/>
+      <a:lightRig rig="flat" dir="t"/>
+    </dgm:scene3d>
+    <dgm:sp3d prstMaterial="dkEdge">
+      <a:bevelT w="8200" h="38100"/>
+    </dgm:sp3d>
+    <dgm:txPr/>
+    <dgm:style>
+      <a:lnRef idx="0">
+        <a:scrgbClr r="0" g="0" b="0"/>
+      </a:lnRef>
+      <a:fillRef idx="2">
+        <a:scrgbClr r="0" g="0" b="0"/>
+      </a:fillRef>
+      <a:effectRef idx="1">
+        <a:scrgbClr r="0" g="0" b="0"/>
+      </a:effectRef>
+      <a:fontRef idx="minor">
+        <a:schemeClr val="dk1"/>
+      </a:fontRef>
+    </dgm:style>
+  </dgm:styleLbl>
+  <dgm:styleLbl name="node2">
+    <dgm:scene3d>
+      <a:camera prst="orthographicFront"/>
+      <a:lightRig rig="flat" dir="t"/>
+    </dgm:scene3d>
+    <dgm:sp3d prstMaterial="dkEdge">
+      <a:bevelT w="8200" h="38100"/>
+    </dgm:sp3d>
+    <dgm:txPr/>
+    <dgm:style>
+      <a:lnRef idx="0">
+        <a:scrgbClr r="0" g="0" b="0"/>
+      </a:lnRef>
+      <a:fillRef idx="2">
+        <a:scrgbClr r="0" g="0" b="0"/>
+      </a:fillRef>
+      <a:effectRef idx="1">
+        <a:scrgbClr r="0" g="0" b="0"/>
+      </a:effectRef>
+      <a:fontRef idx="minor">
+        <a:schemeClr val="dk1"/>
+      </a:fontRef>
+    </dgm:style>
+  </dgm:styleLbl>
+  <dgm:styleLbl name="node3">
+    <dgm:scene3d>
+      <a:camera prst="orthographicFront"/>
+      <a:lightRig rig="flat" dir="t"/>
+    </dgm:scene3d>
+    <dgm:sp3d prstMaterial="dkEdge">
+      <a:bevelT w="8200" h="38100"/>
+    </dgm:sp3d>
+    <dgm:txPr/>
+    <dgm:style>
+      <a:lnRef idx="0">
+        <a:scrgbClr r="0" g="0" b="0"/>
+      </a:lnRef>
+      <a:fillRef idx="2">
+        <a:scrgbClr r="0" g="0" b="0"/>
+      </a:fillRef>
+      <a:effectRef idx="1">
+        <a:scrgbClr r="0" g="0" b="0"/>
+      </a:effectRef>
+      <a:fontRef idx="minor">
+        <a:schemeClr val="dk1"/>
+      </a:fontRef>
+    </dgm:style>
+  </dgm:styleLbl>
+  <dgm:styleLbl name="node4">
+    <dgm:scene3d>
+      <a:camera prst="orthographicFront"/>
+      <a:lightRig rig="flat" dir="t"/>
+    </dgm:scene3d>
+    <dgm:sp3d prstMaterial="dkEdge">
+      <a:bevelT w="8200" h="38100"/>
+    </dgm:sp3d>
+    <dgm:txPr/>
+    <dgm:style>
+      <a:lnRef idx="0">
+        <a:scrgbClr r="0" g="0" b="0"/>
+      </a:lnRef>
+      <a:fillRef idx="2">
+        <a:scrgbClr r="0" g="0" b="0"/>
+      </a:fillRef>
+      <a:effectRef idx="1">
+        <a:scrgbClr r="0" g="0" b="0"/>
+      </a:effectRef>
+      <a:fontRef idx="minor">
+        <a:schemeClr val="dk1"/>
+      </a:fontRef>
+    </dgm:style>
+  </dgm:styleLbl>
+  <dgm:styleLbl name="fgImgPlace1">
+    <dgm:scene3d>
+      <a:camera prst="orthographicFront"/>
+      <a:lightRig rig="threePt" dir="t"/>
+    </dgm:scene3d>
+    <dgm:sp3d/>
+    <dgm:txPr/>
+    <dgm:style>
+      <a:lnRef idx="1">
+        <a:scrgbClr r="0" g="0" b="0"/>
+      </a:lnRef>
+      <a:fillRef idx="1">
+        <a:scrgbClr r="0" g="0" b="0"/>
+      </a:fillRef>
+      <a:effectRef idx="1">
+        <a:scrgbClr r="0" g="0" b="0"/>
+      </a:effectRef>
+      <a:fontRef idx="minor"/>
+    </dgm:style>
+  </dgm:styleLbl>
+  <dgm:styleLbl name="alignImgPlace1">
+    <dgm:scene3d>
+      <a:camera prst="orthographicFront"/>
+      <a:lightRig rig="threePt" dir="t"/>
+    </dgm:scene3d>
+    <dgm:sp3d/>
+    <dgm:txPr/>
+    <dgm:style>
+      <a:lnRef idx="1">
+        <a:scrgbClr r="0" g="0" b="0"/>
+      </a:lnRef>
+      <a:fillRef idx="1">
+        <a:scrgbClr r="0" g="0" b="0"/>
+      </a:fillRef>
+      <a:effectRef idx="1">
+        <a:scrgbClr r="0" g="0" b="0"/>
+      </a:effectRef>
+      <a:fontRef idx="minor"/>
+    </dgm:style>
+  </dgm:styleLbl>
+  <dgm:styleLbl name="bgImgPlace1">
+    <dgm:scene3d>
+      <a:camera prst="orthographicFront"/>
+      <a:lightRig rig="threePt" dir="t"/>
+    </dgm:scene3d>
+    <dgm:sp3d/>
+    <dgm:txPr/>
+    <dgm:style>
+      <a:lnRef idx="1">
+        <a:scrgbClr r="0" g="0" b="0"/>
+      </a:lnRef>
+      <a:fillRef idx="1">
+        <a:scrgbClr r="0" g="0" b="0"/>
+      </a:fillRef>
+      <a:effectRef idx="1">
+        <a:scrgbClr r="0" g="0" b="0"/>
+      </a:effectRef>
+      <a:fontRef idx="minor"/>
+    </dgm:style>
+  </dgm:styleLbl>
+  <dgm:styleLbl name="sibTrans2D1">
+    <dgm:scene3d>
+      <a:camera prst="orthographicFront"/>
+      <a:lightRig rig="threePt" dir="t"/>
+    </dgm:scene3d>
+    <dgm:sp3d/>
+    <dgm:txPr/>
+    <dgm:style>
+      <a:lnRef idx="0">
+        <a:scrgbClr r="0" g="0" b="0"/>
+      </a:lnRef>
+      <a:fillRef idx="2">
+        <a:scrgbClr r="0" g="0" b="0"/>
+      </a:fillRef>
+      <a:effectRef idx="1">
+        <a:scrgbClr r="0" g="0" b="0"/>
+      </a:effectRef>
+      <a:fontRef idx="minor">
+        <a:schemeClr val="dk1"/>
+      </a:fontRef>
+    </dgm:style>
+  </dgm:styleLbl>
+  <dgm:styleLbl name="fgSibTrans2D1">
+    <dgm:scene3d>
+      <a:camera prst="orthographicFront"/>
+      <a:lightRig rig="threePt" dir="t"/>
+    </dgm:scene3d>
+    <dgm:sp3d/>
+    <dgm:txPr/>
+    <dgm:style>
+      <a:lnRef idx="0">
+        <a:scrgbClr r="0" g="0" b="0"/>
+      </a:lnRef>
+      <a:fillRef idx="2">
+        <a:scrgbClr r="0" g="0" b="0"/>
+      </a:fillRef>
+      <a:effectRef idx="1">
+        <a:scrgbClr r="0" g="0" b="0"/>
+      </a:effectRef>
+      <a:fontRef idx="minor">
+        <a:schemeClr val="dk1"/>
+      </a:fontRef>
+    </dgm:style>
+  </dgm:styleLbl>
+  <dgm:styleLbl name="bgSibTrans2D1">
+    <dgm:scene3d>
+      <a:camera prst="orthographicFront"/>
+      <a:lightRig rig="threePt" dir="t"/>
+    </dgm:scene3d>
+    <dgm:sp3d/>
+    <dgm:txPr/>
+    <dgm:style>
+      <a:lnRef idx="0">
+        <a:scrgbClr r="0" g="0" b="0"/>
+      </a:lnRef>
+      <a:fillRef idx="2">
+        <a:scrgbClr r="0" g="0" b="0"/>
+      </a:fillRef>
+      <a:effectRef idx="1">
+        <a:scrgbClr r="0" g="0" b="0"/>
+      </a:effectRef>
+      <a:fontRef idx="minor">
+        <a:schemeClr val="dk1"/>
+      </a:fontRef>
+    </dgm:style>
+  </dgm:styleLbl>
+  <dgm:styleLbl name="sibTrans1D1">
+    <dgm:scene3d>
+      <a:camera prst="orthographicFront"/>
+      <a:lightRig rig="threePt" dir="t"/>
+    </dgm:scene3d>
+    <dgm:sp3d/>
+    <dgm:txPr/>
+    <dgm:style>
+      <a:lnRef idx="1">
+        <a:scrgbClr r="0" g="0" b="0"/>
+      </a:lnRef>
+      <a:fillRef idx="0">
+        <a:scrgbClr r="0" g="0" b="0"/>
+      </a:fillRef>
+      <a:effectRef idx="0">
+        <a:scrgbClr r="0" g="0" b="0"/>
+      </a:effectRef>
+      <a:fontRef idx="minor"/>
+    </dgm:style>
+  </dgm:styleLbl>
+  <dgm:styleLbl name="callout">
+    <dgm:scene3d>
+      <a:camera prst="orthographicFront"/>
+      <a:lightRig rig="threePt" dir="t"/>
+    </dgm:scene3d>
+    <dgm:sp3d/>
+    <dgm:txPr/>
+    <dgm:style>
+      <a:lnRef idx="1">
+        <a:scrgbClr r="0" g="0" b="0"/>
+      </a:lnRef>
+      <a:fillRef idx="2">
+        <a:scrgbClr r="0" g="0" b="0"/>
+      </a:fillRef>
+      <a:effectRef idx="1">
+        <a:scrgbClr r="0" g="0" b="0"/>
+      </a:effectRef>
+      <a:fontRef idx="minor"/>
+    </dgm:style>
+  </dgm:styleLbl>
+  <dgm:styleLbl name="asst0">
+    <dgm:scene3d>
+      <a:camera prst="orthographicFront"/>
+      <a:lightRig rig="flat" dir="t"/>
+    </dgm:scene3d>
+    <dgm:sp3d prstMaterial="dkEdge">
+      <a:bevelT w="8200" h="38100"/>
+    </dgm:sp3d>
+    <dgm:txPr/>
+    <dgm:style>
+      <a:lnRef idx="0">
+        <a:scrgbClr r="0" g="0" b="0"/>
+      </a:lnRef>
+      <a:fillRef idx="2">
+        <a:scrgbClr r="0" g="0" b="0"/>
+      </a:fillRef>
+      <a:effectRef idx="1">
+        <a:scrgbClr r="0" g="0" b="0"/>
+      </a:effectRef>
+      <a:fontRef idx="minor">
+        <a:schemeClr val="dk1"/>
+      </a:fontRef>
+    </dgm:style>
+  </dgm:styleLbl>
+  <dgm:styleLbl name="asst1">
+    <dgm:scene3d>
+      <a:camera prst="orthographicFront"/>
+      <a:lightRig rig="flat" dir="t"/>
+    </dgm:scene3d>
+    <dgm:sp3d prstMaterial="dkEdge">
+      <a:bevelT w="8200" h="38100"/>
+    </dgm:sp3d>
+    <dgm:txPr/>
+    <dgm:style>
+      <a:lnRef idx="0">
+        <a:scrgbClr r="0" g="0" b="0"/>
+      </a:lnRef>
+      <a:fillRef idx="2">
+        <a:scrgbClr r="0" g="0" b="0"/>
+      </a:fillRef>
+      <a:effectRef idx="1">
+        <a:scrgbClr r="0" g="0" b="0"/>
+      </a:effectRef>
+      <a:fontRef idx="minor">
+        <a:schemeClr val="dk1"/>
+      </a:fontRef>
+    </dgm:style>
+  </dgm:styleLbl>
+  <dgm:styleLbl name="asst2">
+    <dgm:scene3d>
+      <a:camera prst="orthographicFront"/>
+      <a:lightRig rig="flat" dir="t"/>
+    </dgm:scene3d>
+    <dgm:sp3d prstMaterial="dkEdge">
+      <a:bevelT w="8200" h="38100"/>
+    </dgm:sp3d>
+    <dgm:txPr/>
+    <dgm:style>
+      <a:lnRef idx="0">
+        <a:scrgbClr r="0" g="0" b="0"/>
+      </a:lnRef>
+      <a:fillRef idx="2">
+        <a:scrgbClr r="0" g="0" b="0"/>
+      </a:fillRef>
+      <a:effectRef idx="1">
+        <a:scrgbClr r="0" g="0" b="0"/>
+      </a:effectRef>
+      <a:fontRef idx="minor">
+        <a:schemeClr val="dk1"/>
+      </a:fontRef>
+    </dgm:style>
+  </dgm:styleLbl>
+  <dgm:styleLbl name="asst3">
+    <dgm:scene3d>
+      <a:camera prst="orthographicFront"/>
+      <a:lightRig rig="flat" dir="t"/>
+    </dgm:scene3d>
+    <dgm:sp3d prstMaterial="dkEdge">
+      <a:bevelT w="8200" h="38100"/>
+    </dgm:sp3d>
+    <dgm:txPr/>
+    <dgm:style>
+      <a:lnRef idx="0">
+        <a:scrgbClr r="0" g="0" b="0"/>
+      </a:lnRef>
+      <a:fillRef idx="2">
+        <a:scrgbClr r="0" g="0" b="0"/>
+      </a:fillRef>
+      <a:effectRef idx="1">
+        <a:scrgbClr r="0" g="0" b="0"/>
+      </a:effectRef>
+      <a:fontRef idx="minor">
+        <a:schemeClr val="dk1"/>
+      </a:fontRef>
+    </dgm:style>
+  </dgm:styleLbl>
+  <dgm:styleLbl name="asst4">
+    <dgm:scene3d>
+      <a:camera prst="orthographicFront"/>
+      <a:lightRig rig="flat" dir="t"/>
+    </dgm:scene3d>
+    <dgm:sp3d prstMaterial="dkEdge">
+      <a:bevelT w="8200" h="38100"/>
+    </dgm:sp3d>
+    <dgm:txPr/>
+    <dgm:style>
+      <a:lnRef idx="0">
+        <a:scrgbClr r="0" g="0" b="0"/>
+      </a:lnRef>
+      <a:fillRef idx="2">
+        <a:scrgbClr r="0" g="0" b="0"/>
+      </a:fillRef>
+      <a:effectRef idx="1">
+        <a:scrgbClr r="0" g="0" b="0"/>
+      </a:effectRef>
+      <a:fontRef idx="minor">
+        <a:schemeClr val="dk1"/>
+      </a:fontRef>
+    </dgm:style>
+  </dgm:styleLbl>
+  <dgm:styleLbl name="parChTrans2D1">
+    <dgm:scene3d>
+      <a:camera prst="orthographicFront"/>
+      <a:lightRig rig="threePt" dir="t"/>
+    </dgm:scene3d>
+    <dgm:sp3d/>
+    <dgm:txPr/>
+    <dgm:style>
+      <a:lnRef idx="1">
+        <a:scrgbClr r="0" g="0" b="0"/>
+      </a:lnRef>
+      <a:fillRef idx="2">
+        <a:scrgbClr r="0" g="0" b="0"/>
+      </a:fillRef>
+      <a:effectRef idx="1">
+        <a:scrgbClr r="0" g="0" b="0"/>
+      </a:effectRef>
+      <a:fontRef idx="minor">
+        <a:schemeClr val="dk1"/>
+      </a:fontRef>
+    </dgm:style>
+  </dgm:styleLbl>
+  <dgm:styleLbl name="parChTrans2D2">
+    <dgm:scene3d>
+      <a:camera prst="orthographicFront"/>
+      <a:lightRig rig="threePt" dir="t"/>
+    </dgm:scene3d>
+    <dgm:sp3d/>
+    <dgm:txPr/>
+    <dgm:style>
+      <a:lnRef idx="1">
+        <a:scrgbClr r="0" g="0" b="0"/>
+      </a:lnRef>
+      <a:fillRef idx="2">
+        <a:scrgbClr r="0" g="0" b="0"/>
+      </a:fillRef>
+      <a:effectRef idx="1">
+        <a:scrgbClr r="0" g="0" b="0"/>
+      </a:effectRef>
+      <a:fontRef idx="minor">
+        <a:schemeClr val="dk1"/>
+      </a:fontRef>
+    </dgm:style>
+  </dgm:styleLbl>
+  <dgm:styleLbl name="parChTrans2D3">
+    <dgm:scene3d>
+      <a:camera prst="orthographicFront"/>
+      <a:lightRig rig="threePt" dir="t"/>
+    </dgm:scene3d>
+    <dgm:sp3d/>
+    <dgm:txPr/>
+    <dgm:style>
+      <a:lnRef idx="1">
+        <a:scrgbClr r="0" g="0" b="0"/>
+      </a:lnRef>
+      <a:fillRef idx="2">
+        <a:scrgbClr r="0" g="0" b="0"/>
+      </a:fillRef>
+      <a:effectRef idx="1">
+        <a:scrgbClr r="0" g="0" b="0"/>
+      </a:effectRef>
+      <a:fontRef idx="minor">
+        <a:schemeClr val="dk1"/>
+      </a:fontRef>
+    </dgm:style>
+  </dgm:styleLbl>
+  <dgm:styleLbl name="parChTrans2D4">
+    <dgm:scene3d>
+      <a:camera prst="orthographicFront"/>
+      <a:lightRig rig="threePt" dir="t"/>
+    </dgm:scene3d>
+    <dgm:sp3d/>
+    <dgm:txPr/>
+    <dgm:style>
+      <a:lnRef idx="1">
+        <a:scrgbClr r="0" g="0" b="0"/>
+      </a:lnRef>
+      <a:fillRef idx="2">
+        <a:scrgbClr r="0" g="0" b="0"/>
+      </a:fillRef>
+      <a:effectRef idx="1">
+        <a:scrgbClr r="0" g="0" b="0"/>
+      </a:effectRef>
+      <a:fontRef idx="minor">
+        <a:schemeClr val="dk1"/>
+      </a:fontRef>
+    </dgm:style>
+  </dgm:styleLbl>
+  <dgm:styleLbl name="parChTrans1D1">
+    <dgm:scene3d>
+      <a:camera prst="orthographicFront"/>
+      <a:lightRig rig="threePt" dir="t"/>
+    </dgm:scene3d>
+    <dgm:sp3d/>
+    <dgm:txPr/>
+    <dgm:style>
+      <a:lnRef idx="2">
+        <a:scrgbClr r="0" g="0" b="0"/>
+      </a:lnRef>
+      <a:fillRef idx="0">
+        <a:scrgbClr r="0" g="0" b="0"/>
+      </a:fillRef>
+      <a:effectRef idx="0">
+        <a:scrgbClr r="0" g="0" b="0"/>
+      </a:effectRef>
+      <a:fontRef idx="minor"/>
+    </dgm:style>
+  </dgm:styleLbl>
+  <dgm:styleLbl name="parChTrans1D2">
+    <dgm:scene3d>
+      <a:camera prst="orthographicFront"/>
+      <a:lightRig rig="threePt" dir="t"/>
+    </dgm:scene3d>
+    <dgm:sp3d/>
+    <dgm:txPr/>
+    <dgm:style>
+      <a:lnRef idx="2">
+        <a:scrgbClr r="0" g="0" b="0"/>
+      </a:lnRef>
+      <a:fillRef idx="0">
+        <a:scrgbClr r="0" g="0" b="0"/>
+      </a:fillRef>
+      <a:effectRef idx="0">
+        <a:scrgbClr r="0" g="0" b="0"/>
+      </a:effectRef>
+      <a:fontRef idx="minor"/>
+    </dgm:style>
+  </dgm:styleLbl>
+  <dgm:styleLbl name="parChTrans1D3">
+    <dgm:scene3d>
+      <a:camera prst="orthographicFront"/>
+      <a:lightRig rig="threePt" dir="t"/>
+    </dgm:scene3d>
+    <dgm:sp3d/>
+    <dgm:txPr/>
+    <dgm:style>
+      <a:lnRef idx="2">
+        <a:scrgbClr r="0" g="0" b="0"/>
+      </a:lnRef>
+      <a:fillRef idx="0">
+        <a:scrgbClr r="0" g="0" b="0"/>
+      </a:fillRef>
+      <a:effectRef idx="0">
+        <a:scrgbClr r="0" g="0" b="0"/>
+      </a:effectRef>
+      <a:fontRef idx="minor"/>
+    </dgm:style>
+  </dgm:styleLbl>
+  <dgm:styleLbl name="parChTrans1D4">
+    <dgm:scene3d>
+      <a:camera prst="orthographicFront"/>
+      <a:lightRig rig="threePt" dir="t"/>
+    </dgm:scene3d>
+    <dgm:sp3d/>
+    <dgm:txPr/>
+    <dgm:style>
+      <a:lnRef idx="2">
+        <a:scrgbClr r="0" g="0" b="0"/>
+      </a:lnRef>
+      <a:fillRef idx="0">
+        <a:scrgbClr r="0" g="0" b="0"/>
+      </a:fillRef>
+      <a:effectRef idx="0">
+        <a:scrgbClr r="0" g="0" b="0"/>
+      </a:effectRef>
+      <a:fontRef idx="minor"/>
+    </dgm:style>
+  </dgm:styleLbl>
+  <dgm:styleLbl name="fgAcc1">
+    <dgm:scene3d>
+      <a:camera prst="orthographicFront"/>
+      <a:lightRig rig="threePt" dir="t"/>
+    </dgm:scene3d>
+    <dgm:sp3d/>
+    <dgm:txPr/>
+    <dgm:style>
+      <a:lnRef idx="1">
+        <a:scrgbClr r="0" g="0" b="0"/>
+      </a:lnRef>
+      <a:fillRef idx="1">
+        <a:scrgbClr r="0" g="0" b="0"/>
+      </a:fillRef>
+      <a:effectRef idx="0">
+        <a:scrgbClr r="0" g="0" b="0"/>
+      </a:effectRef>
+      <a:fontRef idx="minor"/>
+    </dgm:style>
+  </dgm:styleLbl>
+  <dgm:styleLbl name="conFgAcc1">
+    <dgm:scene3d>
+      <a:camera prst="orthographicFront"/>
+      <a:lightRig rig="threePt" dir="t"/>
+    </dgm:scene3d>
+    <dgm:sp3d/>
+    <dgm:txPr/>
+    <dgm:style>
+      <a:lnRef idx="1">
+        <a:scrgbClr r="0" g="0" b="0"/>
+      </a:lnRef>
+      <a:fillRef idx="1">
+        <a:scrgbClr r="0" g="0" b="0"/>
+      </a:fillRef>
+      <a:effectRef idx="0">
+        <a:scrgbClr r="0" g="0" b="0"/>
+      </a:effectRef>
+      <a:fontRef idx="minor"/>
+    </dgm:style>
+  </dgm:styleLbl>
+  <dgm:styleLbl name="alignAcc1">
+    <dgm:scene3d>
+      <a:camera prst="orthographicFront"/>
+      <a:lightRig rig="threePt" dir="t"/>
+    </dgm:scene3d>
+    <dgm:sp3d/>
+    <dgm:txPr/>
+    <dgm:style>
+      <a:lnRef idx="1">
+        <a:scrgbClr r="0" g="0" b="0"/>
+      </a:lnRef>
+      <a:fillRef idx="1">
+        <a:scrgbClr r="0" g="0" b="0"/>
+      </a:fillRef>
+      <a:effectRef idx="0">
+        <a:scrgbClr r="0" g="0" b="0"/>
+      </a:effectRef>
+      <a:fontRef idx="minor"/>
+    </dgm:style>
+  </dgm:styleLbl>
+  <dgm:styleLbl name="trAlignAcc1">
+    <dgm:scene3d>
+      <a:camera prst="orthographicFront"/>
+      <a:lightRig rig="threePt" dir="t"/>
+    </dgm:scene3d>
+    <dgm:sp3d/>
+    <dgm:txPr/>
+    <dgm:style>
+      <a:lnRef idx="1">
+        <a:scrgbClr r="0" g="0" b="0"/>
+      </a:lnRef>
+      <a:fillRef idx="1">
+        <a:scrgbClr r="0" g="0" b="0"/>
+      </a:fillRef>
+      <a:effectRef idx="0">
+        <a:scrgbClr r="0" g="0" b="0"/>
+      </a:effectRef>
+      <a:fontRef idx="minor"/>
+    </dgm:style>
+  </dgm:styleLbl>
+  <dgm:styleLbl name="bgAcc1">
+    <dgm:scene3d>
+      <a:camera prst="orthographicFront"/>
+      <a:lightRig rig="threePt" dir="t"/>
+    </dgm:scene3d>
+    <dgm:sp3d/>
+    <dgm:txPr/>
+    <dgm:style>
+      <a:lnRef idx="1">
+        <a:scrgbClr r="0" g="0" b="0"/>
+      </a:lnRef>
+      <a:fillRef idx="1">
+        <a:scrgbClr r="0" g="0" b="0"/>
+      </a:fillRef>
+      <a:effectRef idx="0">
+        <a:scrgbClr r="0" g="0" b="0"/>
+      </a:effectRef>
+      <a:fontRef idx="minor"/>
+    </dgm:style>
+  </dgm:styleLbl>
+  <dgm:styleLbl name="solidFgAcc1">
+    <dgm:scene3d>
+      <a:camera prst="orthographicFront"/>
+      <a:lightRig rig="threePt" dir="t"/>
+    </dgm:scene3d>
+    <dgm:sp3d/>
+    <dgm:txPr/>
+    <dgm:style>
+      <a:lnRef idx="1">
+        <a:scrgbClr r="0" g="0" b="0"/>
+      </a:lnRef>
+      <a:fillRef idx="2">
+        <a:scrgbClr r="0" g="0" b="0"/>
+      </a:fillRef>
+      <a:effectRef idx="0">
+        <a:scrgbClr r="0" g="0" b="0"/>
+      </a:effectRef>
+      <a:fontRef idx="minor"/>
+    </dgm:style>
+  </dgm:styleLbl>
+  <dgm:styleLbl name="solidAlignAcc1">
+    <dgm:scene3d>
+      <a:camera prst="orthographicFront"/>
+      <a:lightRig rig="threePt" dir="t"/>
+    </dgm:scene3d>
+    <dgm:sp3d/>
+    <dgm:txPr/>
+    <dgm:style>
+      <a:lnRef idx="1">
+        <a:scrgbClr r="0" g="0" b="0"/>
+      </a:lnRef>
+      <a:fillRef idx="1">
+        <a:scrgbClr r="0" g="0" b="0"/>
+      </a:fillRef>
+      <a:effectRef idx="0">
+        <a:scrgbClr r="0" g="0" b="0"/>
+      </a:effectRef>
+      <a:fontRef idx="minor"/>
+    </dgm:style>
+  </dgm:styleLbl>
+  <dgm:styleLbl name="solidBgAcc1">
+    <dgm:scene3d>
+      <a:camera prst="orthographicFront"/>
+      <a:lightRig rig="threePt" dir="t"/>
+    </dgm:scene3d>
+    <dgm:sp3d/>
+    <dgm:txPr/>
+    <dgm:style>
+      <a:lnRef idx="1">
+        <a:scrgbClr r="0" g="0" b="0"/>
+      </a:lnRef>
+      <a:fillRef idx="1">
+        <a:scrgbClr r="0" g="0" b="0"/>
+      </a:fillRef>
+      <a:effectRef idx="0">
+        <a:scrgbClr r="0" g="0" b="0"/>
+      </a:effectRef>
+      <a:fontRef idx="minor"/>
+    </dgm:style>
+  </dgm:styleLbl>
+  <dgm:styleLbl name="fgAccFollowNode1">
+    <dgm:scene3d>
+      <a:camera prst="orthographicFront"/>
+      <a:lightRig rig="threePt" dir="t"/>
+    </dgm:scene3d>
+    <dgm:sp3d/>
+    <dgm:txPr/>
+    <dgm:style>
+      <a:lnRef idx="1">
+        <a:scrgbClr r="0" g="0" b="0"/>
+      </a:lnRef>
+      <a:fillRef idx="1">
+        <a:scrgbClr r="0" g="0" b="0"/>
+      </a:fillRef>
+      <a:effectRef idx="0">
+        <a:scrgbClr r="0" g="0" b="0"/>
+      </a:effectRef>
+      <a:fontRef idx="minor"/>
+    </dgm:style>
+  </dgm:styleLbl>
+  <dgm:styleLbl name="alignAccFollowNode1">
+    <dgm:scene3d>
+      <a:camera prst="orthographicFront"/>
+      <a:lightRig rig="threePt" dir="t"/>
+    </dgm:scene3d>
+    <dgm:sp3d/>
+    <dgm:txPr/>
+    <dgm:style>
+      <a:lnRef idx="1">
+        <a:scrgbClr r="0" g="0" b="0"/>
+      </a:lnRef>
+      <a:fillRef idx="1">
+        <a:scrgbClr r="0" g="0" b="0"/>
+      </a:fillRef>
+      <a:effectRef idx="0">
+        <a:scrgbClr r="0" g="0" b="0"/>
+      </a:effectRef>
+      <a:fontRef idx="minor"/>
+    </dgm:style>
+  </dgm:styleLbl>
+  <dgm:styleLbl name="bgAccFollowNode1">
+    <dgm:scene3d>
+      <a:camera prst="orthographicFront"/>
+      <a:lightRig rig="threePt" dir="t"/>
+    </dgm:scene3d>
+    <dgm:sp3d/>
+    <dgm:txPr/>
+    <dgm:style>
+      <a:lnRef idx="1">
+        <a:scrgbClr r="0" g="0" b="0"/>
+      </a:lnRef>
+      <a:fillRef idx="1">
+        <a:scrgbClr r="0" g="0" b="0"/>
+      </a:fillRef>
+      <a:effectRef idx="0">
+        <a:scrgbClr r="0" g="0" b="0"/>
+      </a:effectRef>
+      <a:fontRef idx="minor"/>
+    </dgm:style>
+  </dgm:styleLbl>
+  <dgm:styleLbl name="fgAcc0">
+    <dgm:scene3d>
+      <a:camera prst="orthographicFront"/>
+      <a:lightRig rig="threePt" dir="t"/>
+    </dgm:scene3d>
+    <dgm:sp3d/>
+    <dgm:txPr/>
+    <dgm:style>
+      <a:lnRef idx="1">
+        <a:scrgbClr r="0" g="0" b="0"/>
+      </a:lnRef>
+      <a:fillRef idx="1">
+        <a:scrgbClr r="0" g="0" b="0"/>
+      </a:fillRef>
+      <a:effectRef idx="0">
+        <a:scrgbClr r="0" g="0" b="0"/>
+      </a:effectRef>
+      <a:fontRef idx="minor"/>
+    </dgm:style>
+  </dgm:styleLbl>
+  <dgm:styleLbl name="fgAcc2">
+    <dgm:scene3d>
+      <a:camera prst="orthographicFront"/>
+      <a:lightRig rig="threePt" dir="t"/>
+    </dgm:scene3d>
+    <dgm:sp3d/>
+    <dgm:txPr/>
+    <dgm:style>
+      <a:lnRef idx="1">
+        <a:scrgbClr r="0" g="0" b="0"/>
+      </a:lnRef>
+      <a:fillRef idx="1">
+        <a:scrgbClr r="0" g="0" b="0"/>
+      </a:fillRef>
+      <a:effectRef idx="0">
+        <a:scrgbClr r="0" g="0" b="0"/>
+      </a:effectRef>
+      <a:fontRef idx="minor"/>
+    </dgm:style>
+  </dgm:styleLbl>
+  <dgm:styleLbl name="fgAcc3">
+    <dgm:scene3d>
+      <a:camera prst="orthographicFront"/>
+      <a:lightRig rig="threePt" dir="t"/>
+    </dgm:scene3d>
+    <dgm:sp3d/>
+    <dgm:txPr/>
+    <dgm:style>
+      <a:lnRef idx="1">
+        <a:scrgbClr r="0" g="0" b="0"/>
+      </a:lnRef>
+      <a:fillRef idx="1">
+        <a:scrgbClr r="0" g="0" b="0"/>
+      </a:fillRef>
+      <a:effectRef idx="0">
+        <a:scrgbClr r="0" g="0" b="0"/>
+      </a:effectRef>
+      <a:fontRef idx="minor"/>
+    </dgm:style>
+  </dgm:styleLbl>
+  <dgm:styleLbl name="fgAcc4">
+    <dgm:scene3d>
+      <a:camera prst="orthographicFront"/>
+      <a:lightRig rig="threePt" dir="t"/>
+    </dgm:scene3d>
+    <dgm:sp3d/>
+    <dgm:txPr/>
+    <dgm:style>
+      <a:lnRef idx="1">
+        <a:scrgbClr r="0" g="0" b="0"/>
+      </a:lnRef>
+      <a:fillRef idx="1">
+        <a:scrgbClr r="0" g="0" b="0"/>
+      </a:fillRef>
+      <a:effectRef idx="0">
+        <a:scrgbClr r="0" g="0" b="0"/>
+      </a:effectRef>
+      <a:fontRef idx="minor"/>
+    </dgm:style>
+  </dgm:styleLbl>
+  <dgm:styleLbl name="bgShp">
+    <dgm:scene3d>
+      <a:camera prst="orthographicFront"/>
+      <a:lightRig rig="threePt" dir="t"/>
+    </dgm:scene3d>
+    <dgm:sp3d/>
+    <dgm:txPr/>
+    <dgm:style>
+      <a:lnRef idx="0">
+        <a:scrgbClr r="0" g="0" b="0"/>
+      </a:lnRef>
+      <a:fillRef idx="1">
+        <a:scrgbClr r="0" g="0" b="0"/>
+      </a:fillRef>
+      <a:effectRef idx="1">
+        <a:scrgbClr r="0" g="0" b="0"/>
+      </a:effectRef>
+      <a:fontRef idx="minor"/>
+    </dgm:style>
+  </dgm:styleLbl>
+  <dgm:styleLbl name="dkBgShp">
+    <dgm:scene3d>
+      <a:camera prst="orthographicFront"/>
+      <a:lightRig rig="threePt" dir="t"/>
+    </dgm:scene3d>
+    <dgm:sp3d/>
+    <dgm:txPr/>
+    <dgm:style>
+      <a:lnRef idx="0">
+        <a:scrgbClr r="0" g="0" b="0"/>
+      </a:lnRef>
+      <a:fillRef idx="1">
+        <a:scrgbClr r="0" g="0" b="0"/>
+      </a:fillRef>
+      <a:effectRef idx="1">
+        <a:scrgbClr r="0" g="0" b="0"/>
+      </a:effectRef>
+      <a:fontRef idx="minor"/>
+    </dgm:style>
+  </dgm:styleLbl>
+  <dgm:styleLbl name="trBgShp">
+    <dgm:scene3d>
+      <a:camera prst="orthographicFront"/>
+      <a:lightRig rig="threePt" dir="t"/>
+    </dgm:scene3d>
+    <dgm:sp3d/>
+    <dgm:txPr/>
+    <dgm:style>
+      <a:lnRef idx="0">
+        <a:scrgbClr r="0" g="0" b="0"/>
+      </a:lnRef>
+      <a:fillRef idx="1">
+        <a:scrgbClr r="0" g="0" b="0"/>
+      </a:fillRef>
+      <a:effectRef idx="0">
+        <a:scrgbClr r="0" g="0" b="0"/>
+      </a:effectRef>
+      <a:fontRef idx="minor"/>
+    </dgm:style>
+  </dgm:styleLbl>
+  <dgm:styleLbl name="fgShp">
+    <dgm:scene3d>
+      <a:camera prst="orthographicFront"/>
+      <a:lightRig rig="flat" dir="t"/>
+    </dgm:scene3d>
+    <dgm:sp3d prstMaterial="dkEdge">
+      <a:bevelT w="8200" h="38100"/>
+    </dgm:sp3d>
+    <dgm:txPr/>
+    <dgm:style>
+      <a:lnRef idx="1">
+        <a:scrgbClr r="0" g="0" b="0"/>
+      </a:lnRef>
+      <a:fillRef idx="2">
+        <a:scrgbClr r="0" g="0" b="0"/>
+      </a:fillRef>
+      <a:effectRef idx="1">
         <a:scrgbClr r="0" g="0" b="0"/>
       </a:effectRef>
       <a:fontRef idx="minor"/>
@@ -6647,7 +10101,7 @@
           <a:p>
             <a:fld id="{299A7FBF-C2BD-4E6E-9411-3691FF3DB939}" type="datetimeFigureOut">
               <a:rPr lang="en-US" smtClean="0"/>
-              <a:t>1/10/2016</a:t>
+              <a:t>1/16/2016</a:t>
             </a:fld>
             <a:endParaRPr lang="en-US"/>
           </a:p>
@@ -7545,122 +10999,20 @@
           <a:p>
             <a:r>
               <a:rPr lang="en-US" dirty="0" smtClean="0"/>
-              <a:t>References:</a:t>
-            </a:r>
-          </a:p>
-          <a:p>
-            <a:endParaRPr lang="en-US" dirty="0" smtClean="0"/>
-          </a:p>
-          <a:p>
-            <a:r>
-              <a:rPr lang="en-US" dirty="0" smtClean="0"/>
-              <a:t>https://blogs.vmware.com/virtualblocks/2015/09/14/vmworld-recap-virtual-san-use-cases-and-stretched-clusters/</a:t>
-            </a:r>
-          </a:p>
-          <a:p>
-            <a:endParaRPr lang="en-US" dirty="0" smtClean="0"/>
-          </a:p>
-          <a:p>
-            <a:r>
-              <a:rPr lang="en-US" dirty="0" smtClean="0"/>
-              <a:t>VSAN isn’t just for VDI or Test/Dev</a:t>
-            </a:r>
-          </a:p>
-          <a:p>
-            <a:r>
-              <a:rPr lang="en-US" dirty="0" smtClean="0"/>
-              <a:t>Many</a:t>
+              <a:t>VLP:</a:t>
             </a:r>
             <a:r>
               <a:rPr lang="en-US" baseline="0" dirty="0" smtClean="0"/>
-              <a:t> VSAN</a:t>
-            </a:r>
-            <a:r>
-              <a:rPr lang="en-US" dirty="0" smtClean="0"/>
-              <a:t> customers start to run Production and even Mission Critical workloads on VSAN</a:t>
-            </a:r>
-          </a:p>
-          <a:p>
-            <a:pPr lvl="1"/>
-            <a:r>
-              <a:rPr lang="en-US" dirty="0" smtClean="0"/>
-              <a:t>MS Exchange / SQL</a:t>
-            </a:r>
-          </a:p>
-          <a:p>
-            <a:pPr lvl="1"/>
-            <a:r>
-              <a:rPr lang="en-US" dirty="0" smtClean="0"/>
-              <a:t>Oracle</a:t>
-            </a:r>
-          </a:p>
-          <a:p>
-            <a:pPr lvl="1"/>
-            <a:r>
-              <a:rPr lang="en-US" dirty="0" smtClean="0"/>
-              <a:t>SAP</a:t>
-            </a:r>
-          </a:p>
-          <a:p>
-            <a:pPr lvl="1"/>
-            <a:r>
-              <a:rPr lang="en-US" dirty="0" smtClean="0"/>
-              <a:t>Billing Systems (6-7 million customers!)</a:t>
-            </a:r>
-          </a:p>
-          <a:p>
-            <a:pPr lvl="2"/>
-            <a:r>
-              <a:rPr lang="en-US" dirty="0" smtClean="0"/>
-              <a:t>Physical system runs for 22 hours</a:t>
-            </a:r>
-          </a:p>
-          <a:p>
-            <a:pPr lvl="2"/>
-            <a:r>
-              <a:rPr lang="en-US" dirty="0" smtClean="0"/>
-              <a:t>Virtual system on traditional storage 14 hours </a:t>
-            </a:r>
-          </a:p>
-          <a:p>
-            <a:pPr lvl="2"/>
-            <a:r>
-              <a:rPr lang="en-US" dirty="0" smtClean="0"/>
-              <a:t>Virtual system on VSAN 3 hours!</a:t>
-            </a:r>
-          </a:p>
-          <a:p>
+              <a:t> just replace duplicate price.</a:t>
+            </a:r>
             <a:endParaRPr lang="en-US" dirty="0"/>
-          </a:p>
-        </p:txBody>
-      </p:sp>
-      <p:sp>
-        <p:nvSpPr>
-          <p:cNvPr id="4" name="Slide Number Placeholder 3"/>
-          <p:cNvSpPr>
-            <a:spLocks noGrp="1"/>
-          </p:cNvSpPr>
-          <p:nvPr>
-            <p:ph type="sldNum" sz="quarter" idx="10"/>
-          </p:nvPr>
-        </p:nvSpPr>
-        <p:spPr/>
-        <p:txBody>
-          <a:bodyPr/>
-          <a:lstStyle/>
-          <a:p>
-            <a:fld id="{6BFB3E7A-7FE4-42EC-A9D8-2719F1F05314}" type="slidenum">
-              <a:rPr lang="en-US" smtClean="0"/>
-              <a:t>15</a:t>
-            </a:fld>
-            <a:endParaRPr lang="en-US"/>
           </a:p>
         </p:txBody>
       </p:sp>
     </p:spTree>
     <p:extLst>
       <p:ext uri="{BB962C8B-B14F-4D97-AF65-F5344CB8AC3E}">
-        <p14:creationId xmlns:p14="http://schemas.microsoft.com/office/powerpoint/2010/main" val="3518804601"/>
+        <p14:creationId xmlns:p14="http://schemas.microsoft.com/office/powerpoint/2010/main" val="4185132833"/>
       </p:ext>
     </p:extLst>
   </p:cSld>
@@ -7716,31 +11068,91 @@
           <a:p>
             <a:r>
               <a:rPr lang="en-US" dirty="0" smtClean="0"/>
-              <a:t>Refer</a:t>
+              <a:t>References:</a:t>
+            </a:r>
+          </a:p>
+          <a:p>
+            <a:endParaRPr lang="en-US" dirty="0" smtClean="0"/>
+          </a:p>
+          <a:p>
+            <a:r>
+              <a:rPr lang="en-US" dirty="0" smtClean="0"/>
+              <a:t>https://blogs.vmware.com/virtualblocks/2015/09/14/vmworld-recap-virtual-san-use-cases-and-stretched-clusters/</a:t>
+            </a:r>
+          </a:p>
+          <a:p>
+            <a:endParaRPr lang="en-US" dirty="0" smtClean="0"/>
+          </a:p>
+          <a:p>
+            <a:r>
+              <a:rPr lang="en-US" dirty="0" smtClean="0"/>
+              <a:t>VSAN isn’t just for VDI or Test/Dev</a:t>
+            </a:r>
+          </a:p>
+          <a:p>
+            <a:r>
+              <a:rPr lang="en-US" dirty="0" smtClean="0"/>
+              <a:t>Many</a:t>
             </a:r>
             <a:r>
               <a:rPr lang="en-US" baseline="0" dirty="0" smtClean="0"/>
-              <a:t> to,</a:t>
-            </a:r>
-            <a:endParaRPr lang="en-US" dirty="0" smtClean="0"/>
-          </a:p>
-          <a:p>
-            <a:endParaRPr lang="en-US" dirty="0" smtClean="0"/>
-          </a:p>
-          <a:p>
+              <a:t> VSAN</a:t>
+            </a:r>
             <a:r>
               <a:rPr lang="en-US" dirty="0" smtClean="0"/>
-              <a:t>http://www.emc.com/about/news/press/2015/20150203-01.htm</a:t>
-            </a:r>
-          </a:p>
-          <a:p>
-            <a:endParaRPr lang="en-US" dirty="0" smtClean="0"/>
-          </a:p>
-          <a:p>
+              <a:t> customers start to run Production and even Mission Critical workloads on VSAN</a:t>
+            </a:r>
+          </a:p>
+          <a:p>
+            <a:pPr lvl="1"/>
             <a:r>
               <a:rPr lang="en-US" dirty="0" smtClean="0"/>
-              <a:t>http://www.robsteele.co/emc-vspex-blue-keynote-recap/</a:t>
-            </a:r>
+              <a:t>MS Exchange / SQL</a:t>
+            </a:r>
+          </a:p>
+          <a:p>
+            <a:pPr lvl="1"/>
+            <a:r>
+              <a:rPr lang="en-US" dirty="0" smtClean="0"/>
+              <a:t>Oracle</a:t>
+            </a:r>
+          </a:p>
+          <a:p>
+            <a:pPr lvl="1"/>
+            <a:r>
+              <a:rPr lang="en-US" dirty="0" smtClean="0"/>
+              <a:t>SAP</a:t>
+            </a:r>
+          </a:p>
+          <a:p>
+            <a:pPr lvl="1"/>
+            <a:r>
+              <a:rPr lang="en-US" dirty="0" smtClean="0"/>
+              <a:t>Billing Systems (6-7 million customers!)</a:t>
+            </a:r>
+          </a:p>
+          <a:p>
+            <a:pPr lvl="2"/>
+            <a:r>
+              <a:rPr lang="en-US" dirty="0" smtClean="0"/>
+              <a:t>Physical system runs for 22 hours</a:t>
+            </a:r>
+          </a:p>
+          <a:p>
+            <a:pPr lvl="2"/>
+            <a:r>
+              <a:rPr lang="en-US" dirty="0" smtClean="0"/>
+              <a:t>Virtual system on traditional storage 14 hours </a:t>
+            </a:r>
+          </a:p>
+          <a:p>
+            <a:pPr lvl="2"/>
+            <a:r>
+              <a:rPr lang="en-US" dirty="0" smtClean="0"/>
+              <a:t>Virtual system on VSAN 3 hours!</a:t>
+            </a:r>
+          </a:p>
+          <a:p>
             <a:endParaRPr lang="en-US" dirty="0"/>
           </a:p>
         </p:txBody>
@@ -7762,7 +11174,7 @@
           <a:p>
             <a:fld id="{6BFB3E7A-7FE4-42EC-A9D8-2719F1F05314}" type="slidenum">
               <a:rPr lang="en-US" smtClean="0"/>
-              <a:t>17</a:t>
+              <a:t>18</a:t>
             </a:fld>
             <a:endParaRPr lang="en-US"/>
           </a:p>
@@ -7771,7 +11183,7 @@
     </p:spTree>
     <p:extLst>
       <p:ext uri="{BB962C8B-B14F-4D97-AF65-F5344CB8AC3E}">
-        <p14:creationId xmlns:p14="http://schemas.microsoft.com/office/powerpoint/2010/main" val="966645464"/>
+        <p14:creationId xmlns:p14="http://schemas.microsoft.com/office/powerpoint/2010/main" val="3518804601"/>
       </p:ext>
     </p:extLst>
   </p:cSld>
@@ -7827,59 +11239,32 @@
           <a:p>
             <a:r>
               <a:rPr lang="en-US" dirty="0" smtClean="0"/>
-              <a:t>Microsoft</a:t>
-            </a:r>
-          </a:p>
-          <a:p>
+              <a:t>Refer</a:t>
+            </a:r>
+            <a:r>
+              <a:rPr lang="en-US" baseline="0" dirty="0" smtClean="0"/>
+              <a:t> to,</a:t>
+            </a:r>
             <a:endParaRPr lang="en-US" dirty="0" smtClean="0"/>
           </a:p>
           <a:p>
+            <a:endParaRPr lang="en-US" dirty="0" smtClean="0"/>
+          </a:p>
+          <a:p>
             <a:r>
               <a:rPr lang="en-US" dirty="0" smtClean="0"/>
-              <a:t>http://www.hyper-v.nu/archives/dvanderpeijl/2015/06/hyperconverged-with-windows-server-2016/</a:t>
+              <a:t>http://www.emc.com/about/news/press/2015/20150203-01.htm</a:t>
             </a:r>
           </a:p>
           <a:p>
             <a:endParaRPr lang="en-US" dirty="0" smtClean="0"/>
           </a:p>
           <a:p>
-            <a:pPr fontAlgn="base"/>
-            <a:r>
-              <a:rPr lang="en-US" sz="1200" b="1" i="0" kern="1200" dirty="0" smtClean="0">
-                <a:solidFill>
-                  <a:schemeClr val="tx1"/>
-                </a:solidFill>
-                <a:effectLst/>
-                <a:latin typeface="+mn-lt"/>
-                <a:ea typeface="+mn-ea"/>
-                <a:cs typeface="+mn-cs"/>
-              </a:rPr>
-              <a:t>Storage Spaces Direct</a:t>
-            </a:r>
-            <a:endParaRPr lang="en-US" sz="1200" b="0" i="0" kern="1200" dirty="0" smtClean="0">
-              <a:solidFill>
-                <a:schemeClr val="tx1"/>
-              </a:solidFill>
-              <a:effectLst/>
-              <a:latin typeface="+mn-lt"/>
-              <a:ea typeface="+mn-ea"/>
-              <a:cs typeface="+mn-cs"/>
-            </a:endParaRPr>
-          </a:p>
-          <a:p>
-            <a:pPr fontAlgn="base"/>
-            <a:r>
-              <a:rPr lang="en-US" sz="1200" b="0" i="0" kern="1200" smtClean="0">
-                <a:solidFill>
-                  <a:schemeClr val="tx1"/>
-                </a:solidFill>
-                <a:effectLst/>
-                <a:latin typeface="+mn-lt"/>
-                <a:ea typeface="+mn-ea"/>
-                <a:cs typeface="+mn-cs"/>
-              </a:rPr>
-              <a:t>With Storage Spaces Direct we have the ability to pool local disks of multiple servers to one big virtual disk.</a:t>
-            </a:r>
+            <a:r>
+              <a:rPr lang="en-US" dirty="0" smtClean="0"/>
+              <a:t>http://www.robsteele.co/emc-vspex-blue-keynote-recap/</a:t>
+            </a:r>
+            <a:endParaRPr lang="en-US" dirty="0"/>
           </a:p>
         </p:txBody>
       </p:sp>
@@ -7900,7 +11285,145 @@
           <a:p>
             <a:fld id="{6BFB3E7A-7FE4-42EC-A9D8-2719F1F05314}" type="slidenum">
               <a:rPr lang="en-US" smtClean="0"/>
-              <a:t>20</a:t>
+              <a:t>21</a:t>
+            </a:fld>
+            <a:endParaRPr lang="en-US"/>
+          </a:p>
+        </p:txBody>
+      </p:sp>
+    </p:spTree>
+    <p:extLst>
+      <p:ext uri="{BB962C8B-B14F-4D97-AF65-F5344CB8AC3E}">
+        <p14:creationId xmlns:p14="http://schemas.microsoft.com/office/powerpoint/2010/main" val="966645464"/>
+      </p:ext>
+    </p:extLst>
+  </p:cSld>
+  <p:clrMapOvr>
+    <a:masterClrMapping/>
+  </p:clrMapOvr>
+</p:notes>
+</file>
+
+<file path=ppt/notesSlides/notesSlide8.xml><?xml version="1.0" encoding="utf-8"?>
+<p:notes xmlns:a="http://schemas.openxmlformats.org/drawingml/2006/main" xmlns:r="http://schemas.openxmlformats.org/officeDocument/2006/relationships" xmlns:p="http://schemas.openxmlformats.org/presentationml/2006/main">
+  <p:cSld>
+    <p:spTree>
+      <p:nvGrpSpPr>
+        <p:cNvPr id="1" name=""/>
+        <p:cNvGrpSpPr/>
+        <p:nvPr/>
+      </p:nvGrpSpPr>
+      <p:grpSpPr>
+        <a:xfrm>
+          <a:off x="0" y="0"/>
+          <a:ext cx="0" cy="0"/>
+          <a:chOff x="0" y="0"/>
+          <a:chExt cx="0" cy="0"/>
+        </a:xfrm>
+      </p:grpSpPr>
+      <p:sp>
+        <p:nvSpPr>
+          <p:cNvPr id="2" name="Slide Image Placeholder 1"/>
+          <p:cNvSpPr>
+            <a:spLocks noGrp="1" noRot="1" noChangeAspect="1"/>
+          </p:cNvSpPr>
+          <p:nvPr>
+            <p:ph type="sldImg"/>
+          </p:nvPr>
+        </p:nvSpPr>
+        <p:spPr/>
+      </p:sp>
+      <p:sp>
+        <p:nvSpPr>
+          <p:cNvPr id="3" name="Notes Placeholder 2"/>
+          <p:cNvSpPr>
+            <a:spLocks noGrp="1"/>
+          </p:cNvSpPr>
+          <p:nvPr>
+            <p:ph type="body" idx="1"/>
+          </p:nvPr>
+        </p:nvSpPr>
+        <p:spPr/>
+        <p:txBody>
+          <a:bodyPr/>
+          <a:lstStyle/>
+          <a:p>
+            <a:r>
+              <a:rPr lang="en-US" dirty="0" smtClean="0"/>
+              <a:t>Microsoft</a:t>
+            </a:r>
+          </a:p>
+          <a:p>
+            <a:endParaRPr lang="en-US" dirty="0" smtClean="0"/>
+          </a:p>
+          <a:p>
+            <a:r>
+              <a:rPr lang="en-US" dirty="0" smtClean="0"/>
+              <a:t>http://www.hyper-v.nu/archives/dvanderpeijl/2015/06/hyperconverged-with-windows-server-2016/</a:t>
+            </a:r>
+          </a:p>
+          <a:p>
+            <a:endParaRPr lang="en-US" dirty="0" smtClean="0"/>
+          </a:p>
+          <a:p>
+            <a:pPr fontAlgn="base"/>
+            <a:r>
+              <a:rPr lang="en-US" sz="1200" b="1" i="0" kern="1200" dirty="0" smtClean="0">
+                <a:solidFill>
+                  <a:schemeClr val="tx1"/>
+                </a:solidFill>
+                <a:effectLst/>
+                <a:latin typeface="+mn-lt"/>
+                <a:ea typeface="+mn-ea"/>
+                <a:cs typeface="+mn-cs"/>
+              </a:rPr>
+              <a:t>Storage Spaces Direct</a:t>
+            </a:r>
+            <a:endParaRPr lang="en-US" sz="1200" b="0" i="0" kern="1200" dirty="0" smtClean="0">
+              <a:solidFill>
+                <a:schemeClr val="tx1"/>
+              </a:solidFill>
+              <a:effectLst/>
+              <a:latin typeface="+mn-lt"/>
+              <a:ea typeface="+mn-ea"/>
+              <a:cs typeface="+mn-cs"/>
+            </a:endParaRPr>
+          </a:p>
+          <a:p>
+            <a:pPr fontAlgn="base"/>
+            <a:r>
+              <a:rPr lang="en-US" sz="1200" b="0" i="0" kern="1200" smtClean="0">
+                <a:solidFill>
+                  <a:schemeClr val="tx1"/>
+                </a:solidFill>
+                <a:effectLst/>
+                <a:latin typeface="+mn-lt"/>
+                <a:ea typeface="+mn-ea"/>
+                <a:cs typeface="+mn-cs"/>
+              </a:rPr>
+              <a:t>With Storage Spaces Direct we have the ability to pool local disks of multiple servers to one big virtual disk.</a:t>
+            </a:r>
+          </a:p>
+        </p:txBody>
+      </p:sp>
+      <p:sp>
+        <p:nvSpPr>
+          <p:cNvPr id="4" name="Slide Number Placeholder 3"/>
+          <p:cNvSpPr>
+            <a:spLocks noGrp="1"/>
+          </p:cNvSpPr>
+          <p:nvPr>
+            <p:ph type="sldNum" sz="quarter" idx="10"/>
+          </p:nvPr>
+        </p:nvSpPr>
+        <p:spPr/>
+        <p:txBody>
+          <a:bodyPr/>
+          <a:lstStyle/>
+          <a:p>
+            <a:fld id="{6BFB3E7A-7FE4-42EC-A9D8-2719F1F05314}" type="slidenum">
+              <a:rPr lang="en-US" smtClean="0"/>
+              <a:t>24</a:t>
             </a:fld>
             <a:endParaRPr lang="en-US"/>
           </a:p>
@@ -7910,6 +11433,168 @@
     <p:extLst>
       <p:ext uri="{BB962C8B-B14F-4D97-AF65-F5344CB8AC3E}">
         <p14:creationId xmlns:p14="http://schemas.microsoft.com/office/powerpoint/2010/main" val="2847125332"/>
+      </p:ext>
+    </p:extLst>
+  </p:cSld>
+  <p:clrMapOvr>
+    <a:masterClrMapping/>
+  </p:clrMapOvr>
+</p:notes>
+</file>
+
+<file path=ppt/notesSlides/notesSlide9.xml><?xml version="1.0" encoding="utf-8"?>
+<p:notes xmlns:a="http://schemas.openxmlformats.org/drawingml/2006/main" xmlns:r="http://schemas.openxmlformats.org/officeDocument/2006/relationships" xmlns:p="http://schemas.openxmlformats.org/presentationml/2006/main">
+  <p:cSld>
+    <p:spTree>
+      <p:nvGrpSpPr>
+        <p:cNvPr id="1" name=""/>
+        <p:cNvGrpSpPr/>
+        <p:nvPr/>
+      </p:nvGrpSpPr>
+      <p:grpSpPr>
+        <a:xfrm>
+          <a:off x="0" y="0"/>
+          <a:ext cx="0" cy="0"/>
+          <a:chOff x="0" y="0"/>
+          <a:chExt cx="0" cy="0"/>
+        </a:xfrm>
+      </p:grpSpPr>
+      <p:sp>
+        <p:nvSpPr>
+          <p:cNvPr id="2" name="Slide Image Placeholder 1"/>
+          <p:cNvSpPr>
+            <a:spLocks noGrp="1" noRot="1" noChangeAspect="1"/>
+          </p:cNvSpPr>
+          <p:nvPr>
+            <p:ph type="sldImg"/>
+          </p:nvPr>
+        </p:nvSpPr>
+        <p:spPr>
+          <a:xfrm>
+            <a:off x="1651000" y="685800"/>
+            <a:ext cx="3556000" cy="2667000"/>
+          </a:xfrm>
+        </p:spPr>
+      </p:sp>
+      <p:sp>
+        <p:nvSpPr>
+          <p:cNvPr id="3" name="Notes Placeholder 2"/>
+          <p:cNvSpPr>
+            <a:spLocks noGrp="1"/>
+          </p:cNvSpPr>
+          <p:nvPr>
+            <p:ph type="body" idx="1"/>
+          </p:nvPr>
+        </p:nvSpPr>
+        <p:spPr/>
+        <p:txBody>
+          <a:bodyPr/>
+          <a:lstStyle/>
+          <a:p>
+            <a:pPr marL="171450" indent="-171450" fontAlgn="base">
+              <a:buFont typeface="Arial" panose="020B0604020202020204" pitchFamily="34" charset="0"/>
+              <a:buChar char="•"/>
+            </a:pPr>
+            <a:r>
+              <a:rPr lang="en-US" sz="1200" b="0" i="0" kern="1200" dirty="0" smtClean="0">
+                <a:solidFill>
+                  <a:schemeClr val="tx1"/>
+                </a:solidFill>
+                <a:effectLst/>
+                <a:latin typeface="Verdana"/>
+                <a:ea typeface="+mn-ea"/>
+                <a:cs typeface="+mn-cs"/>
+              </a:rPr>
+              <a:t>VMware Virtual SAN is designed specifically around tight integration with vSphere – with the objective of providing super-simple management and very high levels of performance for vSphere VMs.  Virtual SAN is always deployed in a hyper-converged configuration, where storage is converged with the vSphere compute nodes. Virtual SAN is targeted at the generalist IT professional, not just storage experts.</a:t>
+            </a:r>
+          </a:p>
+          <a:p>
+            <a:pPr fontAlgn="base"/>
+            <a:endParaRPr lang="en-US" sz="1200" b="0" i="0" kern="1200" dirty="0" smtClean="0">
+              <a:solidFill>
+                <a:schemeClr val="tx1"/>
+              </a:solidFill>
+              <a:effectLst/>
+              <a:latin typeface="Verdana"/>
+              <a:ea typeface="+mn-ea"/>
+              <a:cs typeface="+mn-cs"/>
+            </a:endParaRPr>
+          </a:p>
+          <a:p>
+            <a:pPr fontAlgn="base"/>
+            <a:endParaRPr lang="en-US" sz="1200" b="0" i="0" kern="1200" dirty="0" smtClean="0">
+              <a:solidFill>
+                <a:schemeClr val="tx1"/>
+              </a:solidFill>
+              <a:effectLst/>
+              <a:latin typeface="Verdana"/>
+              <a:ea typeface="+mn-ea"/>
+              <a:cs typeface="+mn-cs"/>
+            </a:endParaRPr>
+          </a:p>
+          <a:p>
+            <a:pPr marL="171450" indent="-171450" fontAlgn="base">
+              <a:buFont typeface="Arial" panose="020B0604020202020204" pitchFamily="34" charset="0"/>
+              <a:buChar char="•"/>
+            </a:pPr>
+            <a:r>
+              <a:rPr lang="en-US" sz="1200" b="0" i="0" kern="1200" dirty="0" err="1" smtClean="0">
+                <a:solidFill>
+                  <a:schemeClr val="tx1"/>
+                </a:solidFill>
+                <a:effectLst/>
+                <a:latin typeface="Verdana"/>
+                <a:ea typeface="+mn-ea"/>
+                <a:cs typeface="+mn-cs"/>
+              </a:rPr>
+              <a:t>ScaleIO</a:t>
+            </a:r>
+            <a:r>
+              <a:rPr lang="en-US" sz="1200" b="0" i="0" kern="1200" dirty="0" smtClean="0">
+                <a:solidFill>
+                  <a:schemeClr val="tx1"/>
+                </a:solidFill>
+                <a:effectLst/>
+                <a:latin typeface="Verdana"/>
+                <a:ea typeface="+mn-ea"/>
+                <a:cs typeface="+mn-cs"/>
+              </a:rPr>
+              <a:t> has a different design point – to provide highly scalable server-based storage for heterogeneous platforms, including multiple hypervisors and physical servers. </a:t>
+            </a:r>
+            <a:r>
+              <a:rPr lang="en-US" sz="1200" b="0" i="0" kern="1200" dirty="0" err="1" smtClean="0">
+                <a:solidFill>
+                  <a:schemeClr val="tx1"/>
+                </a:solidFill>
+                <a:effectLst/>
+                <a:latin typeface="Verdana"/>
+                <a:ea typeface="+mn-ea"/>
+                <a:cs typeface="+mn-cs"/>
+              </a:rPr>
+              <a:t>ScaleIO</a:t>
+            </a:r>
+            <a:r>
+              <a:rPr lang="en-US" sz="1200" b="0" i="0" kern="1200" dirty="0" smtClean="0">
+                <a:solidFill>
+                  <a:schemeClr val="tx1"/>
+                </a:solidFill>
+                <a:effectLst/>
+                <a:latin typeface="Verdana"/>
+                <a:ea typeface="+mn-ea"/>
+                <a:cs typeface="+mn-cs"/>
+              </a:rPr>
+              <a:t> has its own installation, configuration and management workflows which are typically driven by expert storage administrators.</a:t>
+            </a:r>
+          </a:p>
+          <a:p>
+            <a:endParaRPr lang="en-US" dirty="0"/>
+          </a:p>
+        </p:txBody>
+      </p:sp>
+    </p:spTree>
+    <p:extLst>
+      <p:ext uri="{BB962C8B-B14F-4D97-AF65-F5344CB8AC3E}">
+        <p14:creationId xmlns:p14="http://schemas.microsoft.com/office/powerpoint/2010/main" val="3074184822"/>
       </p:ext>
     </p:extLst>
   </p:cSld>
@@ -8211,7 +11896,7 @@
             <a:fld id="{1D8BD707-D9CF-40AE-B4C6-C98DA3205C09}" type="datetimeFigureOut">
               <a:rPr lang="en-US" smtClean="0"/>
               <a:pPr/>
-              <a:t>1/10/2016</a:t>
+              <a:t>1/16/2016</a:t>
             </a:fld>
             <a:endParaRPr lang="en-US"/>
           </a:p>
@@ -8404,7 +12089,7 @@
             <a:fld id="{1D8BD707-D9CF-40AE-B4C6-C98DA3205C09}" type="datetimeFigureOut">
               <a:rPr lang="en-US" smtClean="0"/>
               <a:pPr/>
-              <a:t>1/10/2016</a:t>
+              <a:t>1/16/2016</a:t>
             </a:fld>
             <a:endParaRPr lang="en-US"/>
           </a:p>
@@ -8591,7 +12276,7 @@
             <a:fld id="{1D8BD707-D9CF-40AE-B4C6-C98DA3205C09}" type="datetimeFigureOut">
               <a:rPr lang="en-US" smtClean="0"/>
               <a:pPr/>
-              <a:t>1/10/2016</a:t>
+              <a:t>1/16/2016</a:t>
             </a:fld>
             <a:endParaRPr lang="en-US"/>
           </a:p>
@@ -8856,7 +12541,7 @@
             <a:fld id="{1D8BD707-D9CF-40AE-B4C6-C98DA3205C09}" type="datetimeFigureOut">
               <a:rPr lang="en-US" smtClean="0"/>
               <a:pPr/>
-              <a:t>1/10/2016</a:t>
+              <a:t>1/16/2016</a:t>
             </a:fld>
             <a:endParaRPr lang="en-US"/>
           </a:p>
@@ -9274,7 +12959,7 @@
             <a:fld id="{1D8BD707-D9CF-40AE-B4C6-C98DA3205C09}" type="datetimeFigureOut">
               <a:rPr lang="en-US" smtClean="0"/>
               <a:pPr/>
-              <a:t>1/10/2016</a:t>
+              <a:t>1/16/2016</a:t>
             </a:fld>
             <a:endParaRPr lang="en-US"/>
           </a:p>
@@ -9518,7 +13203,7 @@
             <a:fld id="{1D8BD707-D9CF-40AE-B4C6-C98DA3205C09}" type="datetimeFigureOut">
               <a:rPr lang="en-US" smtClean="0"/>
               <a:pPr/>
-              <a:t>1/10/2016</a:t>
+              <a:t>1/16/2016</a:t>
             </a:fld>
             <a:endParaRPr lang="en-US"/>
           </a:p>
@@ -9756,7 +13441,7 @@
             <a:fld id="{1D8BD707-D9CF-40AE-B4C6-C98DA3205C09}" type="datetimeFigureOut">
               <a:rPr lang="en-US" smtClean="0"/>
               <a:pPr/>
-              <a:t>1/10/2016</a:t>
+              <a:t>1/16/2016</a:t>
             </a:fld>
             <a:endParaRPr lang="en-US"/>
           </a:p>
@@ -9953,7 +13638,7 @@
             <a:fld id="{1D8BD707-D9CF-40AE-B4C6-C98DA3205C09}" type="datetimeFigureOut">
               <a:rPr lang="en-US" smtClean="0"/>
               <a:pPr/>
-              <a:t>1/10/2016</a:t>
+              <a:t>1/16/2016</a:t>
             </a:fld>
             <a:endParaRPr lang="en-US"/>
           </a:p>
@@ -10053,7 +13738,7 @@
             <a:fld id="{1D8BD707-D9CF-40AE-B4C6-C98DA3205C09}" type="datetimeFigureOut">
               <a:rPr lang="en-US" smtClean="0"/>
               <a:pPr/>
-              <a:t>1/10/2016</a:t>
+              <a:t>1/16/2016</a:t>
             </a:fld>
             <a:endParaRPr lang="en-US"/>
           </a:p>
@@ -10191,7 +13876,7 @@
             <a:fld id="{1D8BD707-D9CF-40AE-B4C6-C98DA3205C09}" type="datetimeFigureOut">
               <a:rPr lang="en-US" smtClean="0"/>
               <a:pPr/>
-              <a:t>1/10/2016</a:t>
+              <a:t>1/16/2016</a:t>
             </a:fld>
             <a:endParaRPr lang="en-US"/>
           </a:p>
@@ -10711,7 +14396,7 @@
             <a:fld id="{1D8BD707-D9CF-40AE-B4C6-C98DA3205C09}" type="datetimeFigureOut">
               <a:rPr lang="en-US" smtClean="0"/>
               <a:pPr/>
-              <a:t>1/10/2016</a:t>
+              <a:t>1/16/2016</a:t>
             </a:fld>
             <a:endParaRPr lang="en-US"/>
           </a:p>
@@ -10974,7 +14659,7 @@
             <a:fld id="{1D8BD707-D9CF-40AE-B4C6-C98DA3205C09}" type="datetimeFigureOut">
               <a:rPr lang="en-US" smtClean="0"/>
               <a:pPr/>
-              <a:t>1/10/2016</a:t>
+              <a:t>1/16/2016</a:t>
             </a:fld>
             <a:endParaRPr lang="en-US"/>
           </a:p>
@@ -11640,8 +15325,13 @@
           <a:p>
             <a:r>
               <a:rPr lang="en-US" dirty="0"/>
-              <a:t>http://yangoliver.github.io</a:t>
-            </a:r>
+              <a:t>http</a:t>
+            </a:r>
+            <a:r>
+              <a:rPr lang="en-US" dirty="0" smtClean="0"/>
+              <a:t>://oliveryang.net</a:t>
+            </a:r>
+            <a:endParaRPr lang="en-US" dirty="0"/>
           </a:p>
           <a:p>
             <a:endParaRPr lang="en-US" dirty="0"/>
@@ -11726,128 +15416,150 @@
           <a:lstStyle/>
           <a:p>
             <a:r>
-              <a:rPr lang="en-US" sz="2400" dirty="0" smtClean="0"/>
+              <a:rPr lang="en-US" sz="2000" dirty="0" smtClean="0"/>
               <a:t>VMWare Virtual San</a:t>
             </a:r>
           </a:p>
           <a:p>
             <a:pPr lvl="1"/>
             <a:r>
-              <a:rPr lang="en-US" sz="2000" dirty="0" smtClean="0"/>
-              <a:t>Certificated x86 server + VSAN stack</a:t>
-            </a:r>
-            <a:endParaRPr lang="en-US" sz="1800" dirty="0" smtClean="0"/>
-          </a:p>
-          <a:p>
-            <a:r>
-              <a:rPr lang="en-US" sz="2400" dirty="0" smtClean="0">
+              <a:rPr lang="en-US" sz="1800" dirty="0" smtClean="0"/>
+              <a:t>Certificated generic x86 server + VSAN stack</a:t>
+            </a:r>
+            <a:endParaRPr lang="en-US" sz="1600" dirty="0" smtClean="0"/>
+          </a:p>
+          <a:p>
+            <a:r>
+              <a:rPr lang="en-US" sz="2000" dirty="0" smtClean="0">
                 <a:hlinkClick r:id="rId3"/>
               </a:rPr>
               <a:t>EVO:RAIL</a:t>
             </a:r>
-            <a:endParaRPr lang="en-US" sz="2400" dirty="0" smtClean="0"/>
+            <a:endParaRPr lang="en-US" sz="2000" dirty="0" smtClean="0"/>
           </a:p>
           <a:p>
             <a:pPr lvl="1"/>
             <a:r>
+              <a:rPr lang="en-US" sz="1800" dirty="0" smtClean="0"/>
+              <a:t>Engineered appliance</a:t>
+            </a:r>
+          </a:p>
+          <a:p>
+            <a:pPr lvl="2"/>
+            <a:r>
+              <a:rPr lang="en-US" sz="1600" dirty="0" smtClean="0"/>
+              <a:t>Certificated EVO:RAIL hardware</a:t>
+            </a:r>
+          </a:p>
+          <a:p>
+            <a:pPr lvl="2"/>
+            <a:r>
+              <a:rPr lang="en-US" sz="1600" dirty="0" smtClean="0"/>
+              <a:t>Pre-installed VSAN software stack</a:t>
+            </a:r>
+          </a:p>
+          <a:p>
+            <a:pPr lvl="2"/>
+            <a:r>
+              <a:rPr lang="en-US" sz="1600" dirty="0" smtClean="0"/>
+              <a:t>Vendor specific value-add software</a:t>
+            </a:r>
+          </a:p>
+          <a:p>
+            <a:pPr lvl="1"/>
+            <a:r>
+              <a:rPr lang="en-US" sz="1800" dirty="0" smtClean="0"/>
+              <a:t>Major players in market</a:t>
+            </a:r>
+          </a:p>
+          <a:p>
+            <a:pPr lvl="2"/>
+            <a:r>
+              <a:rPr lang="en-US" sz="1600" dirty="0" smtClean="0"/>
+              <a:t>EMC </a:t>
+            </a:r>
+            <a:r>
+              <a:rPr lang="en-US" sz="1600" dirty="0"/>
+              <a:t>VSPEX </a:t>
+            </a:r>
+            <a:r>
+              <a:rPr lang="en-US" sz="1600" dirty="0" smtClean="0"/>
+              <a:t>BLUE (1</a:t>
+            </a:r>
+            <a:r>
+              <a:rPr lang="en-US" sz="1600" baseline="30000" dirty="0" smtClean="0"/>
+              <a:t>st</a:t>
+            </a:r>
+            <a:r>
+              <a:rPr lang="en-US" sz="1600" dirty="0" smtClean="0"/>
+              <a:t> market share)</a:t>
+            </a:r>
+          </a:p>
+          <a:p>
+            <a:pPr lvl="2"/>
+            <a:r>
+              <a:rPr lang="en-US" sz="1600" dirty="0"/>
+              <a:t>Dell Engineered </a:t>
+            </a:r>
+            <a:r>
+              <a:rPr lang="en-US" sz="1600" dirty="0" smtClean="0"/>
+              <a:t>Solutions, NetApp EVO:RAIL, </a:t>
+            </a:r>
+            <a:r>
+              <a:rPr lang="en-US" sz="1600" dirty="0" err="1" smtClean="0"/>
+              <a:t>Supermicro</a:t>
+            </a:r>
+            <a:r>
+              <a:rPr lang="en-US" sz="1600" dirty="0" smtClean="0"/>
+              <a:t> EVO:RAIL</a:t>
+            </a:r>
+          </a:p>
+          <a:p>
+            <a:pPr lvl="2"/>
+            <a:r>
+              <a:rPr lang="en-US" sz="1600" dirty="0" smtClean="0"/>
+              <a:t>HP </a:t>
+            </a:r>
+            <a:r>
+              <a:rPr lang="en-US" sz="1600" dirty="0"/>
+              <a:t>CS 200-HC </a:t>
+            </a:r>
+            <a:r>
+              <a:rPr lang="en-US" sz="1600" dirty="0" smtClean="0"/>
+              <a:t>EVO:RAIL (Discontinued, replaced </a:t>
+            </a:r>
+            <a:r>
+              <a:rPr lang="en-US" sz="1600" dirty="0"/>
+              <a:t>by in-house HCI product)</a:t>
+            </a:r>
+          </a:p>
+          <a:p>
+            <a:r>
               <a:rPr lang="en-US" sz="2000" dirty="0" smtClean="0"/>
-              <a:t>Engineered appliance</a:t>
+              <a:t>EVO:SDDC (EVO:RACK)</a:t>
+            </a:r>
+          </a:p>
+          <a:p>
+            <a:pPr lvl="1"/>
+            <a:r>
+              <a:rPr lang="en-US" sz="1800" dirty="0" smtClean="0"/>
+              <a:t>Rack Scale</a:t>
             </a:r>
           </a:p>
           <a:p>
             <a:pPr lvl="2"/>
             <a:r>
-              <a:rPr lang="en-US" sz="1800" dirty="0" smtClean="0"/>
-              <a:t>Certificated EVO:RAIL hardware + pre-configured VSAN stack </a:t>
+              <a:rPr lang="en-US" sz="1600" dirty="0" smtClean="0"/>
+              <a:t>Rack mounted hardware: Server + Network switch + DAE(Disk Array Enclosure) </a:t>
             </a:r>
           </a:p>
           <a:p>
             <a:pPr lvl="2"/>
             <a:r>
-              <a:rPr lang="en-US" sz="1800" dirty="0" smtClean="0"/>
-              <a:t>Vendor specific value-add software</a:t>
-            </a:r>
-          </a:p>
-          <a:p>
-            <a:pPr lvl="1"/>
-            <a:r>
-              <a:rPr lang="en-US" sz="2000" dirty="0" smtClean="0"/>
-              <a:t>Major players in market</a:t>
-            </a:r>
-          </a:p>
-          <a:p>
-            <a:pPr lvl="2"/>
-            <a:r>
-              <a:rPr lang="en-US" sz="1800" dirty="0" smtClean="0"/>
-              <a:t>EMC </a:t>
-            </a:r>
-            <a:r>
-              <a:rPr lang="en-US" sz="1800" dirty="0"/>
-              <a:t>VSPEX </a:t>
-            </a:r>
-            <a:r>
-              <a:rPr lang="en-US" sz="1800" dirty="0" smtClean="0"/>
-              <a:t>BLUE</a:t>
-            </a:r>
-          </a:p>
-          <a:p>
-            <a:pPr lvl="2"/>
-            <a:r>
-              <a:rPr lang="en-US" sz="1800" dirty="0"/>
-              <a:t>Dell Engineered </a:t>
-            </a:r>
-            <a:r>
-              <a:rPr lang="en-US" sz="1800" dirty="0" smtClean="0"/>
-              <a:t>Solutions, NetApp EVO:RAIL, </a:t>
-            </a:r>
-            <a:r>
-              <a:rPr lang="en-US" sz="1800" dirty="0" err="1" smtClean="0"/>
-              <a:t>Supermicro</a:t>
-            </a:r>
-            <a:r>
-              <a:rPr lang="en-US" sz="1800" dirty="0" smtClean="0"/>
-              <a:t> EVO:RAIL</a:t>
-            </a:r>
-          </a:p>
-          <a:p>
-            <a:pPr lvl="2"/>
-            <a:r>
-              <a:rPr lang="en-US" sz="1800" dirty="0" smtClean="0"/>
-              <a:t>HP </a:t>
-            </a:r>
-            <a:r>
-              <a:rPr lang="en-US" sz="1800" dirty="0"/>
-              <a:t>CS 200-HC </a:t>
-            </a:r>
-            <a:r>
-              <a:rPr lang="en-US" sz="1800" dirty="0" smtClean="0"/>
-              <a:t>EVO:RAIL (Discontinued, replaced </a:t>
-            </a:r>
-            <a:r>
-              <a:rPr lang="en-US" sz="1800" dirty="0"/>
-              <a:t>by in-house HCI product)</a:t>
-            </a:r>
-          </a:p>
-          <a:p>
-            <a:r>
-              <a:rPr lang="en-US" sz="2400" dirty="0" smtClean="0"/>
-              <a:t>EVO:SDDC (EVO:RACK)</a:t>
-            </a:r>
-          </a:p>
-          <a:p>
-            <a:pPr lvl="1"/>
-            <a:r>
-              <a:rPr lang="en-US" sz="2000" dirty="0" smtClean="0"/>
-              <a:t>Rack Scale Servers</a:t>
-            </a:r>
-          </a:p>
-          <a:p>
-            <a:pPr lvl="2"/>
-            <a:r>
-              <a:rPr lang="en-US" sz="1700" dirty="0" smtClean="0"/>
-              <a:t>Target SDDC IaaS use case</a:t>
-            </a:r>
-            <a:endParaRPr lang="en-US" sz="1700" dirty="0"/>
+              <a:rPr lang="en-US" sz="1600" dirty="0" smtClean="0"/>
+              <a:t>Pre-installed VMWare cloud software</a:t>
+            </a:r>
+            <a:endParaRPr lang="en-US" sz="1600" dirty="0"/>
           </a:p>
         </p:txBody>
       </p:sp>
@@ -12024,12 +15736,14 @@
         </p:nvSpPr>
         <p:spPr/>
         <p:txBody>
-          <a:bodyPr/>
+          <a:bodyPr>
+            <a:normAutofit/>
+          </a:bodyPr>
           <a:lstStyle/>
           <a:p>
             <a:r>
               <a:rPr lang="en-US" dirty="0" smtClean="0"/>
-              <a:t>VMware SBPM Solution</a:t>
+              <a:t>VMware SDS Solution - SBPM</a:t>
             </a:r>
             <a:endParaRPr lang="en-US" dirty="0"/>
           </a:p>
@@ -14856,7 +18570,7 @@
           <a:p>
             <a:r>
               <a:rPr lang="en-US" dirty="0" smtClean="0"/>
-              <a:t>VSAN</a:t>
+              <a:t>VSAN Architecture</a:t>
             </a:r>
             <a:endParaRPr lang="en-US" dirty="0"/>
           </a:p>
@@ -17587,6 +21301,395 @@
       </p:grpSpPr>
       <p:sp>
         <p:nvSpPr>
+          <p:cNvPr id="3" name="Title 2"/>
+          <p:cNvSpPr>
+            <a:spLocks noGrp="1"/>
+          </p:cNvSpPr>
+          <p:nvPr>
+            <p:ph type="ctrTitle"/>
+          </p:nvPr>
+        </p:nvSpPr>
+        <p:spPr/>
+        <p:txBody>
+          <a:bodyPr/>
+          <a:lstStyle/>
+          <a:p>
+            <a:r>
+              <a:rPr lang="en-US" dirty="0" smtClean="0"/>
+              <a:t>EVO:RAIL Packaging Summary</a:t>
+            </a:r>
+            <a:endParaRPr lang="en-US" dirty="0"/>
+          </a:p>
+        </p:txBody>
+      </p:sp>
+      <p:pic>
+        <p:nvPicPr>
+          <p:cNvPr id="4098" name="Picture 2"/>
+          <p:cNvPicPr>
+            <a:picLocks noChangeAspect="1" noChangeArrowheads="1"/>
+          </p:cNvPicPr>
+          <p:nvPr/>
+        </p:nvPicPr>
+        <p:blipFill>
+          <a:blip r:embed="rId3">
+            <a:extLst>
+              <a:ext uri="{28A0092B-C50C-407E-A947-70E740481C1C}">
+                <a14:useLocalDpi xmlns:a14="http://schemas.microsoft.com/office/drawing/2010/main" val="0"/>
+              </a:ext>
+            </a:extLst>
+          </a:blip>
+          <a:srcRect/>
+          <a:stretch>
+            <a:fillRect/>
+          </a:stretch>
+        </p:blipFill>
+        <p:spPr bwMode="auto">
+          <a:xfrm>
+            <a:off x="358140" y="1878437"/>
+            <a:ext cx="8402638" cy="4446163"/>
+          </a:xfrm>
+          <a:prstGeom prst="rect">
+            <a:avLst/>
+          </a:prstGeom>
+          <a:noFill/>
+          <a:ln>
+            <a:noFill/>
+          </a:ln>
+          <a:effectLst/>
+          <a:extLst>
+            <a:ext uri="{909E8E84-426E-40DD-AFC4-6F175D3DCCD1}">
+              <a14:hiddenFill xmlns:a14="http://schemas.microsoft.com/office/drawing/2010/main">
+                <a:solidFill>
+                  <a:schemeClr val="accent1"/>
+                </a:solidFill>
+              </a14:hiddenFill>
+            </a:ext>
+            <a:ext uri="{91240B29-F687-4F45-9708-019B960494DF}">
+              <a14:hiddenLine xmlns:a14="http://schemas.microsoft.com/office/drawing/2010/main" w="9525">
+                <a:solidFill>
+                  <a:schemeClr val="tx1"/>
+                </a:solidFill>
+                <a:miter lim="800000"/>
+                <a:headEnd/>
+                <a:tailEnd/>
+              </a14:hiddenLine>
+            </a:ext>
+            <a:ext uri="{AF507438-7753-43E0-B8FC-AC1667EBCBE1}">
+              <a14:hiddenEffects xmlns:a14="http://schemas.microsoft.com/office/drawing/2010/main">
+                <a:effectLst>
+                  <a:outerShdw dist="35921" dir="2700000" algn="ctr" rotWithShape="0">
+                    <a:schemeClr val="bg2"/>
+                  </a:outerShdw>
+                </a:effectLst>
+              </a14:hiddenEffects>
+            </a:ext>
+          </a:extLst>
+        </p:spPr>
+      </p:pic>
+    </p:spTree>
+    <p:extLst>
+      <p:ext uri="{BB962C8B-B14F-4D97-AF65-F5344CB8AC3E}">
+        <p14:creationId xmlns:p14="http://schemas.microsoft.com/office/powerpoint/2010/main" val="3294553195"/>
+      </p:ext>
+    </p:extLst>
+  </p:cSld>
+  <p:clrMapOvr>
+    <a:masterClrMapping/>
+  </p:clrMapOvr>
+  <mc:AlternateContent xmlns:mc="http://schemas.openxmlformats.org/markup-compatibility/2006" xmlns:p14="http://schemas.microsoft.com/office/powerpoint/2010/main">
+    <mc:Choice Requires="p14">
+      <p:transition spd="med" p14:dur="700">
+        <p:fade/>
+      </p:transition>
+    </mc:Choice>
+    <mc:Fallback xmlns="">
+      <p:transition xmlns:p14="http://schemas.microsoft.com/office/powerpoint/2010/main" spd="med">
+        <p:fade/>
+      </p:transition>
+    </mc:Fallback>
+  </mc:AlternateContent>
+  <p:timing>
+    <p:tnLst>
+      <p:par>
+        <p:cTn id="1" dur="indefinite" restart="never" nodeType="tmRoot"/>
+      </p:par>
+    </p:tnLst>
+  </p:timing>
+</p:sld>
+</file>
+
+<file path=ppt/slides/slide15.xml><?xml version="1.0" encoding="utf-8"?>
+<p:sld xmlns:a="http://schemas.openxmlformats.org/drawingml/2006/main" xmlns:r="http://schemas.openxmlformats.org/officeDocument/2006/relationships" xmlns:p="http://schemas.openxmlformats.org/presentationml/2006/main">
+  <p:cSld>
+    <p:spTree>
+      <p:nvGrpSpPr>
+        <p:cNvPr id="1" name=""/>
+        <p:cNvGrpSpPr/>
+        <p:nvPr/>
+      </p:nvGrpSpPr>
+      <p:grpSpPr>
+        <a:xfrm>
+          <a:off x="0" y="0"/>
+          <a:ext cx="0" cy="0"/>
+          <a:chOff x="0" y="0"/>
+          <a:chExt cx="0" cy="0"/>
+        </a:xfrm>
+      </p:grpSpPr>
+      <p:sp>
+        <p:nvSpPr>
+          <p:cNvPr id="3" name="Title 2"/>
+          <p:cNvSpPr>
+            <a:spLocks noGrp="1"/>
+          </p:cNvSpPr>
+          <p:nvPr>
+            <p:ph type="ctrTitle"/>
+          </p:nvPr>
+        </p:nvSpPr>
+        <p:spPr/>
+        <p:txBody>
+          <a:bodyPr/>
+          <a:lstStyle/>
+          <a:p>
+            <a:r>
+              <a:rPr lang="en-US" dirty="0" smtClean="0"/>
+              <a:t>EVO:SDDC (EVO:RACK)</a:t>
+            </a:r>
+            <a:endParaRPr lang="en-US" dirty="0"/>
+          </a:p>
+        </p:txBody>
+      </p:sp>
+      <p:pic>
+        <p:nvPicPr>
+          <p:cNvPr id="3074" name="Picture 2"/>
+          <p:cNvPicPr>
+            <a:picLocks noChangeAspect="1" noChangeArrowheads="1"/>
+          </p:cNvPicPr>
+          <p:nvPr/>
+        </p:nvPicPr>
+        <p:blipFill>
+          <a:blip r:embed="rId2">
+            <a:extLst>
+              <a:ext uri="{28A0092B-C50C-407E-A947-70E740481C1C}">
+                <a14:useLocalDpi xmlns:a14="http://schemas.microsoft.com/office/drawing/2010/main" val="0"/>
+              </a:ext>
+            </a:extLst>
+          </a:blip>
+          <a:srcRect/>
+          <a:stretch>
+            <a:fillRect/>
+          </a:stretch>
+        </p:blipFill>
+        <p:spPr bwMode="auto">
+          <a:xfrm>
+            <a:off x="765208" y="1564907"/>
+            <a:ext cx="7213926" cy="5181600"/>
+          </a:xfrm>
+          <a:prstGeom prst="rect">
+            <a:avLst/>
+          </a:prstGeom>
+          <a:noFill/>
+          <a:ln>
+            <a:noFill/>
+          </a:ln>
+          <a:effectLst/>
+          <a:extLst>
+            <a:ext uri="{909E8E84-426E-40DD-AFC4-6F175D3DCCD1}">
+              <a14:hiddenFill xmlns:a14="http://schemas.microsoft.com/office/drawing/2010/main">
+                <a:solidFill>
+                  <a:schemeClr val="accent1"/>
+                </a:solidFill>
+              </a14:hiddenFill>
+            </a:ext>
+            <a:ext uri="{91240B29-F687-4F45-9708-019B960494DF}">
+              <a14:hiddenLine xmlns:a14="http://schemas.microsoft.com/office/drawing/2010/main" w="9525">
+                <a:solidFill>
+                  <a:schemeClr val="tx1"/>
+                </a:solidFill>
+                <a:miter lim="800000"/>
+                <a:headEnd/>
+                <a:tailEnd/>
+              </a14:hiddenLine>
+            </a:ext>
+            <a:ext uri="{AF507438-7753-43E0-B8FC-AC1667EBCBE1}">
+              <a14:hiddenEffects xmlns:a14="http://schemas.microsoft.com/office/drawing/2010/main">
+                <a:effectLst>
+                  <a:outerShdw dist="35921" dir="2700000" algn="ctr" rotWithShape="0">
+                    <a:schemeClr val="bg2"/>
+                  </a:outerShdw>
+                </a:effectLst>
+              </a14:hiddenEffects>
+            </a:ext>
+          </a:extLst>
+        </p:spPr>
+      </p:pic>
+    </p:spTree>
+    <p:extLst>
+      <p:ext uri="{BB962C8B-B14F-4D97-AF65-F5344CB8AC3E}">
+        <p14:creationId xmlns:p14="http://schemas.microsoft.com/office/powerpoint/2010/main" val="1996958485"/>
+      </p:ext>
+    </p:extLst>
+  </p:cSld>
+  <p:clrMapOvr>
+    <a:masterClrMapping/>
+  </p:clrMapOvr>
+  <mc:AlternateContent xmlns:mc="http://schemas.openxmlformats.org/markup-compatibility/2006" xmlns:p14="http://schemas.microsoft.com/office/powerpoint/2010/main">
+    <mc:Choice Requires="p14">
+      <p:transition spd="med" p14:dur="700">
+        <p:fade/>
+      </p:transition>
+    </mc:Choice>
+    <mc:Fallback xmlns="">
+      <p:transition xmlns:p14="http://schemas.microsoft.com/office/powerpoint/2010/main" spd="med">
+        <p:fade/>
+      </p:transition>
+    </mc:Fallback>
+  </mc:AlternateContent>
+  <p:timing>
+    <p:tnLst>
+      <p:par>
+        <p:cTn id="1" dur="indefinite" restart="never" nodeType="tmRoot"/>
+      </p:par>
+    </p:tnLst>
+  </p:timing>
+</p:sld>
+</file>
+
+<file path=ppt/slides/slide16.xml><?xml version="1.0" encoding="utf-8"?>
+<p:sld xmlns:a="http://schemas.openxmlformats.org/drawingml/2006/main" xmlns:r="http://schemas.openxmlformats.org/officeDocument/2006/relationships" xmlns:p="http://schemas.openxmlformats.org/presentationml/2006/main">
+  <p:cSld>
+    <p:spTree>
+      <p:nvGrpSpPr>
+        <p:cNvPr id="1" name=""/>
+        <p:cNvGrpSpPr/>
+        <p:nvPr/>
+      </p:nvGrpSpPr>
+      <p:grpSpPr>
+        <a:xfrm>
+          <a:off x="0" y="0"/>
+          <a:ext cx="0" cy="0"/>
+          <a:chOff x="0" y="0"/>
+          <a:chExt cx="0" cy="0"/>
+        </a:xfrm>
+      </p:grpSpPr>
+      <p:sp>
+        <p:nvSpPr>
+          <p:cNvPr id="2" name="Title 1"/>
+          <p:cNvSpPr>
+            <a:spLocks noGrp="1"/>
+          </p:cNvSpPr>
+          <p:nvPr>
+            <p:ph type="title"/>
+          </p:nvPr>
+        </p:nvSpPr>
+        <p:spPr/>
+        <p:txBody>
+          <a:bodyPr/>
+          <a:lstStyle/>
+          <a:p>
+            <a:r>
+              <a:rPr lang="en-US" dirty="0" smtClean="0"/>
+              <a:t>EVO:RAIL vs EVO:SDDC</a:t>
+            </a:r>
+            <a:endParaRPr lang="en-US" dirty="0"/>
+          </a:p>
+        </p:txBody>
+      </p:sp>
+      <p:pic>
+        <p:nvPicPr>
+          <p:cNvPr id="1026" name="Picture 2"/>
+          <p:cNvPicPr>
+            <a:picLocks noChangeAspect="1" noChangeArrowheads="1"/>
+          </p:cNvPicPr>
+          <p:nvPr/>
+        </p:nvPicPr>
+        <p:blipFill>
+          <a:blip r:embed="rId2">
+            <a:extLst>
+              <a:ext uri="{28A0092B-C50C-407E-A947-70E740481C1C}">
+                <a14:useLocalDpi xmlns:a14="http://schemas.microsoft.com/office/drawing/2010/main" val="0"/>
+              </a:ext>
+            </a:extLst>
+          </a:blip>
+          <a:srcRect/>
+          <a:stretch>
+            <a:fillRect/>
+          </a:stretch>
+        </p:blipFill>
+        <p:spPr bwMode="auto">
+          <a:xfrm>
+            <a:off x="685800" y="2057400"/>
+            <a:ext cx="8065168" cy="4050041"/>
+          </a:xfrm>
+          <a:prstGeom prst="rect">
+            <a:avLst/>
+          </a:prstGeom>
+          <a:noFill/>
+          <a:ln>
+            <a:noFill/>
+          </a:ln>
+          <a:effectLst/>
+          <a:extLst>
+            <a:ext uri="{909E8E84-426E-40DD-AFC4-6F175D3DCCD1}">
+              <a14:hiddenFill xmlns:a14="http://schemas.microsoft.com/office/drawing/2010/main">
+                <a:solidFill>
+                  <a:schemeClr val="accent1"/>
+                </a:solidFill>
+              </a14:hiddenFill>
+            </a:ext>
+            <a:ext uri="{91240B29-F687-4F45-9708-019B960494DF}">
+              <a14:hiddenLine xmlns:a14="http://schemas.microsoft.com/office/drawing/2010/main" w="9525">
+                <a:solidFill>
+                  <a:schemeClr val="tx1"/>
+                </a:solidFill>
+                <a:miter lim="800000"/>
+                <a:headEnd/>
+                <a:tailEnd/>
+              </a14:hiddenLine>
+            </a:ext>
+            <a:ext uri="{AF507438-7753-43E0-B8FC-AC1667EBCBE1}">
+              <a14:hiddenEffects xmlns:a14="http://schemas.microsoft.com/office/drawing/2010/main">
+                <a:effectLst>
+                  <a:outerShdw dist="35921" dir="2700000" algn="ctr" rotWithShape="0">
+                    <a:schemeClr val="bg2"/>
+                  </a:outerShdw>
+                </a:effectLst>
+              </a14:hiddenEffects>
+            </a:ext>
+          </a:extLst>
+        </p:spPr>
+      </p:pic>
+    </p:spTree>
+    <p:extLst>
+      <p:ext uri="{BB962C8B-B14F-4D97-AF65-F5344CB8AC3E}">
+        <p14:creationId xmlns:p14="http://schemas.microsoft.com/office/powerpoint/2010/main" val="2741927980"/>
+      </p:ext>
+    </p:extLst>
+  </p:cSld>
+  <p:clrMapOvr>
+    <a:masterClrMapping/>
+  </p:clrMapOvr>
+</p:sld>
+</file>
+
+<file path=ppt/slides/slide17.xml><?xml version="1.0" encoding="utf-8"?>
+<p:sld xmlns:a="http://schemas.openxmlformats.org/drawingml/2006/main" xmlns:r="http://schemas.openxmlformats.org/officeDocument/2006/relationships" xmlns:p="http://schemas.openxmlformats.org/presentationml/2006/main">
+  <p:cSld>
+    <p:spTree>
+      <p:nvGrpSpPr>
+        <p:cNvPr id="1" name=""/>
+        <p:cNvGrpSpPr/>
+        <p:nvPr/>
+      </p:nvGrpSpPr>
+      <p:grpSpPr>
+        <a:xfrm>
+          <a:off x="0" y="0"/>
+          <a:ext cx="0" cy="0"/>
+          <a:chOff x="0" y="0"/>
+          <a:chExt cx="0" cy="0"/>
+        </a:xfrm>
+      </p:grpSpPr>
+      <p:sp>
+        <p:nvSpPr>
           <p:cNvPr id="2" name="Title 1"/>
           <p:cNvSpPr>
             <a:spLocks noGrp="1"/>
@@ -18446,7 +22549,7 @@
 </p:sld>
 </file>
 
-<file path=ppt/slides/slide15.xml><?xml version="1.0" encoding="utf-8"?>
+<file path=ppt/slides/slide18.xml><?xml version="1.0" encoding="utf-8"?>
 <p:sld xmlns:a="http://schemas.openxmlformats.org/drawingml/2006/main" xmlns:r="http://schemas.openxmlformats.org/officeDocument/2006/relationships" xmlns:p="http://schemas.openxmlformats.org/presentationml/2006/main">
   <p:cSld>
     <p:spTree>
@@ -21766,7 +25869,7 @@
 </p:sld>
 </file>
 
-<file path=ppt/slides/slide16.xml><?xml version="1.0" encoding="utf-8"?>
+<file path=ppt/slides/slide19.xml><?xml version="1.0" encoding="utf-8"?>
 <p:sld xmlns:a="http://schemas.openxmlformats.org/drawingml/2006/main" xmlns:r="http://schemas.openxmlformats.org/officeDocument/2006/relationships" xmlns:p="http://schemas.openxmlformats.org/presentationml/2006/main">
   <p:cSld>
     <p:spTree>
@@ -22080,7 +26183,7 @@
 </p:sld>
 </file>
 
-<file path=ppt/slides/slide17.xml><?xml version="1.0" encoding="utf-8"?>
+<file path=ppt/slides/slide2.xml><?xml version="1.0" encoding="utf-8"?>
 <p:sld xmlns:a="http://schemas.openxmlformats.org/drawingml/2006/main" xmlns:r="http://schemas.openxmlformats.org/officeDocument/2006/relationships" xmlns:p="http://schemas.openxmlformats.org/presentationml/2006/main">
   <p:cSld>
     <p:spTree>
@@ -22114,7 +26217,7 @@
           <a:p>
             <a:r>
               <a:rPr lang="en-US" dirty="0" smtClean="0"/>
-              <a:t>EMC VSPEX Blue Value-add</a:t>
+              <a:t>Agenda</a:t>
             </a:r>
             <a:endParaRPr lang="en-US" dirty="0"/>
           </a:p>
@@ -22132,208 +26235,58 @@
         </p:nvSpPr>
         <p:spPr/>
         <p:txBody>
-          <a:bodyPr>
-            <a:noAutofit/>
-          </a:bodyPr>
+          <a:bodyPr/>
           <a:lstStyle/>
           <a:p>
             <a:r>
-              <a:rPr lang="en-US" sz="1800" dirty="0" smtClean="0"/>
-              <a:t>Software Value-add</a:t>
-            </a:r>
-            <a:endParaRPr lang="en-US" sz="1800" dirty="0"/>
-          </a:p>
-          <a:p>
-            <a:pPr lvl="1"/>
-            <a:r>
-              <a:rPr lang="en-US" sz="1600" dirty="0" smtClean="0"/>
-              <a:t>VSPEX </a:t>
-            </a:r>
-            <a:r>
-              <a:rPr lang="en-US" sz="1600" dirty="0"/>
-              <a:t>BLUE </a:t>
-            </a:r>
-            <a:r>
-              <a:rPr lang="en-US" sz="1600" dirty="0" smtClean="0"/>
-              <a:t>Manager</a:t>
-            </a:r>
-          </a:p>
-          <a:p>
-            <a:pPr lvl="2"/>
-            <a:r>
-              <a:rPr lang="en-US" sz="1400" dirty="0" smtClean="0"/>
-              <a:t>Hardware monitoring, patch, software upgrade, and integrates </a:t>
-            </a:r>
-            <a:r>
-              <a:rPr lang="en-US" sz="1400" dirty="0"/>
-              <a:t>with EMC Connect </a:t>
-            </a:r>
-            <a:r>
-              <a:rPr lang="en-US" sz="1400" dirty="0" smtClean="0"/>
-              <a:t>Home</a:t>
-            </a:r>
-          </a:p>
-          <a:p>
-            <a:pPr lvl="1"/>
-            <a:r>
-              <a:rPr lang="en-US" sz="1600" dirty="0" smtClean="0"/>
-              <a:t>VSPEX BLUE Market</a:t>
-            </a:r>
-          </a:p>
-          <a:p>
-            <a:pPr lvl="2"/>
-            <a:r>
-              <a:rPr lang="en-US" sz="1400" dirty="0" smtClean="0"/>
-              <a:t>Offers </a:t>
-            </a:r>
-            <a:r>
-              <a:rPr lang="en-US" sz="1400" dirty="0"/>
-              <a:t>value-add EMC software products included with VSPEX </a:t>
-            </a:r>
-            <a:r>
-              <a:rPr lang="en-US" sz="1400" dirty="0" smtClean="0"/>
-              <a:t>BLUE.</a:t>
-            </a:r>
-          </a:p>
-          <a:p>
-            <a:pPr lvl="1"/>
-            <a:r>
-              <a:rPr lang="en-US" sz="1600" dirty="0"/>
-              <a:t>EMC SECURE REMOTE </a:t>
-            </a:r>
-            <a:r>
-              <a:rPr lang="en-US" sz="1600" dirty="0" smtClean="0"/>
-              <a:t>SUPPORT – </a:t>
-            </a:r>
-            <a:r>
-              <a:rPr lang="en-US" sz="1600" dirty="0"/>
-              <a:t>Online support facilities</a:t>
-            </a:r>
-          </a:p>
-          <a:p>
-            <a:r>
-              <a:rPr lang="en-US" sz="1800" dirty="0" smtClean="0"/>
-              <a:t>Hardware value-add</a:t>
-            </a:r>
-          </a:p>
-          <a:p>
-            <a:pPr lvl="1"/>
-            <a:r>
-              <a:rPr lang="en-US" sz="1600" dirty="0" smtClean="0"/>
-              <a:t>Any </a:t>
-            </a:r>
-            <a:r>
-              <a:rPr lang="en-US" sz="1600" dirty="0"/>
-              <a:t>storage vendor specific </a:t>
-            </a:r>
-            <a:r>
-              <a:rPr lang="en-US" sz="1600" dirty="0" smtClean="0"/>
-              <a:t>advantages</a:t>
-            </a:r>
-            <a:r>
-              <a:rPr lang="en-US" sz="1600" dirty="0"/>
-              <a:t> </a:t>
-            </a:r>
-            <a:r>
-              <a:rPr lang="en-US" sz="1600" dirty="0" smtClean="0"/>
-              <a:t>? TBD</a:t>
-            </a:r>
-          </a:p>
-          <a:p>
-            <a:pPr lvl="2"/>
-            <a:r>
-              <a:rPr lang="en-US" sz="1300" dirty="0" smtClean="0"/>
-              <a:t>Same x86 white </a:t>
-            </a:r>
-            <a:r>
-              <a:rPr lang="en-US" sz="1300" dirty="0"/>
-              <a:t>box </a:t>
-            </a:r>
-            <a:r>
-              <a:rPr lang="en-US" sz="1300" dirty="0" smtClean="0"/>
-              <a:t>as EMC ECS</a:t>
-            </a:r>
-          </a:p>
-          <a:p>
-            <a:r>
-              <a:rPr lang="en-US" sz="1800" dirty="0"/>
-              <a:t>Solution value-add</a:t>
-            </a:r>
-          </a:p>
-          <a:p>
-            <a:pPr lvl="1"/>
-            <a:r>
-              <a:rPr lang="en-US" sz="1600" dirty="0"/>
-              <a:t>EMC </a:t>
-            </a:r>
-            <a:r>
-              <a:rPr lang="en-US" sz="1600" dirty="0" smtClean="0"/>
-              <a:t>solutions </a:t>
-            </a:r>
-            <a:r>
-              <a:rPr lang="en-US" sz="1600" dirty="0"/>
-              <a:t>integration</a:t>
-            </a:r>
-          </a:p>
-          <a:p>
-            <a:pPr lvl="2"/>
-            <a:r>
-              <a:rPr lang="en-US" sz="1400" dirty="0"/>
-              <a:t>Integrate with EMC Cloud Array for cloud storage expansion</a:t>
-            </a:r>
-          </a:p>
-          <a:p>
-            <a:pPr lvl="2"/>
-            <a:r>
-              <a:rPr lang="en-US" sz="1400" dirty="0"/>
-              <a:t>Integrate with EMC recover point for VM level CDP, DR, Replication</a:t>
-            </a:r>
-          </a:p>
-          <a:p>
-            <a:pPr lvl="2"/>
-            <a:r>
-              <a:rPr lang="en-US" sz="1400" dirty="0"/>
-              <a:t>Leverage VMWare VDPA to integrate with </a:t>
-            </a:r>
-            <a:r>
-              <a:rPr lang="en-US" sz="1400" dirty="0" err="1"/>
-              <a:t>Avamar</a:t>
-            </a:r>
-            <a:r>
-              <a:rPr lang="en-US" sz="1400" dirty="0"/>
-              <a:t> for </a:t>
-            </a:r>
-            <a:r>
-              <a:rPr lang="en-US" sz="1400" dirty="0" smtClean="0"/>
-              <a:t>backup</a:t>
-            </a:r>
-            <a:endParaRPr lang="en-US" sz="1400" dirty="0"/>
-          </a:p>
-          <a:p>
-            <a:pPr lvl="3"/>
-            <a:r>
-              <a:rPr lang="en-US" sz="1200" dirty="0"/>
-              <a:t>Current Data Domain DDR could be data protection target</a:t>
-            </a:r>
-          </a:p>
-          <a:p>
-            <a:pPr lvl="1"/>
-            <a:r>
-              <a:rPr lang="en-US" sz="1600" dirty="0"/>
-              <a:t>PARTNER </a:t>
-            </a:r>
-            <a:r>
-              <a:rPr lang="en-US" sz="1600" dirty="0" smtClean="0"/>
-              <a:t>ECOSYSTEM</a:t>
-            </a:r>
-            <a:endParaRPr lang="en-US" sz="1600" dirty="0"/>
+              <a:rPr lang="en-US" dirty="0" smtClean="0">
+                <a:solidFill>
+                  <a:srgbClr val="FF0000"/>
+                </a:solidFill>
+              </a:rPr>
+              <a:t>Background</a:t>
+            </a:r>
+            <a:endParaRPr lang="en-US" dirty="0">
+              <a:solidFill>
+                <a:srgbClr val="FF0000"/>
+              </a:solidFill>
+            </a:endParaRPr>
+          </a:p>
+          <a:p>
+            <a:r>
+              <a:rPr lang="en-US" dirty="0" smtClean="0"/>
+              <a:t>Industry </a:t>
+            </a:r>
+            <a:r>
+              <a:rPr lang="en-US" dirty="0"/>
+              <a:t>P</a:t>
+            </a:r>
+            <a:r>
+              <a:rPr lang="en-US" dirty="0" smtClean="0"/>
+              <a:t>roblems</a:t>
+            </a:r>
+          </a:p>
+          <a:p>
+            <a:r>
+              <a:rPr lang="en-US" dirty="0" smtClean="0"/>
+              <a:t>VSAN Solution Analysis</a:t>
+            </a:r>
+          </a:p>
+          <a:p>
+            <a:r>
+              <a:rPr lang="en-US" dirty="0" smtClean="0"/>
+              <a:t>Market Analysis</a:t>
+            </a:r>
+          </a:p>
+          <a:p>
+            <a:endParaRPr lang="en-US" dirty="0"/>
           </a:p>
         </p:txBody>
       </p:sp>
     </p:spTree>
     <p:extLst>
       <p:ext uri="{BB962C8B-B14F-4D97-AF65-F5344CB8AC3E}">
-        <p14:creationId xmlns:p14="http://schemas.microsoft.com/office/powerpoint/2010/main" val="2556557073"/>
+        <p14:creationId xmlns:p14="http://schemas.microsoft.com/office/powerpoint/2010/main" val="3555079338"/>
       </p:ext>
     </p:extLst>
   </p:cSld>
@@ -22350,7 +26303,140 @@
 </p:sld>
 </file>
 
-<file path=ppt/slides/slide18.xml><?xml version="1.0" encoding="utf-8"?>
+<file path=ppt/slides/slide20.xml><?xml version="1.0" encoding="utf-8"?>
+<p:sld xmlns:a="http://schemas.openxmlformats.org/drawingml/2006/main" xmlns:r="http://schemas.openxmlformats.org/officeDocument/2006/relationships" xmlns:p="http://schemas.openxmlformats.org/presentationml/2006/main">
+  <p:cSld>
+    <p:spTree>
+      <p:nvGrpSpPr>
+        <p:cNvPr id="1" name=""/>
+        <p:cNvGrpSpPr/>
+        <p:nvPr/>
+      </p:nvGrpSpPr>
+      <p:grpSpPr>
+        <a:xfrm>
+          <a:off x="0" y="0"/>
+          <a:ext cx="0" cy="0"/>
+          <a:chOff x="0" y="0"/>
+          <a:chExt cx="0" cy="0"/>
+        </a:xfrm>
+      </p:grpSpPr>
+      <p:sp>
+        <p:nvSpPr>
+          <p:cNvPr id="3" name="Title 2"/>
+          <p:cNvSpPr>
+            <a:spLocks noGrp="1"/>
+          </p:cNvSpPr>
+          <p:nvPr>
+            <p:ph type="ctrTitle"/>
+          </p:nvPr>
+        </p:nvSpPr>
+        <p:spPr/>
+        <p:txBody>
+          <a:bodyPr/>
+          <a:lstStyle/>
+          <a:p>
+            <a:r>
+              <a:rPr lang="en-US" dirty="0"/>
+              <a:t>VSPEX BLUE Use </a:t>
+            </a:r>
+            <a:r>
+              <a:rPr lang="en-US" dirty="0" smtClean="0"/>
+              <a:t>Cases</a:t>
+            </a:r>
+            <a:endParaRPr lang="en-US" dirty="0"/>
+          </a:p>
+        </p:txBody>
+      </p:sp>
+      <p:pic>
+        <p:nvPicPr>
+          <p:cNvPr id="1027" name="Picture 3"/>
+          <p:cNvPicPr>
+            <a:picLocks noChangeAspect="1" noChangeArrowheads="1"/>
+          </p:cNvPicPr>
+          <p:nvPr/>
+        </p:nvPicPr>
+        <p:blipFill>
+          <a:blip r:embed="rId2">
+            <a:extLst>
+              <a:ext uri="{28A0092B-C50C-407E-A947-70E740481C1C}">
+                <a14:useLocalDpi xmlns:a14="http://schemas.microsoft.com/office/drawing/2010/main" val="0"/>
+              </a:ext>
+            </a:extLst>
+          </a:blip>
+          <a:srcRect/>
+          <a:stretch>
+            <a:fillRect/>
+          </a:stretch>
+        </p:blipFill>
+        <p:spPr bwMode="auto">
+          <a:xfrm>
+            <a:off x="381000" y="2209800"/>
+            <a:ext cx="8406224" cy="3445236"/>
+          </a:xfrm>
+          <a:prstGeom prst="rect">
+            <a:avLst/>
+          </a:prstGeom>
+          <a:noFill/>
+          <a:ln>
+            <a:noFill/>
+          </a:ln>
+          <a:effectLst/>
+          <a:extLst>
+            <a:ext uri="{909E8E84-426E-40DD-AFC4-6F175D3DCCD1}">
+              <a14:hiddenFill xmlns:a14="http://schemas.microsoft.com/office/drawing/2010/main">
+                <a:solidFill>
+                  <a:schemeClr val="accent1"/>
+                </a:solidFill>
+              </a14:hiddenFill>
+            </a:ext>
+            <a:ext uri="{91240B29-F687-4F45-9708-019B960494DF}">
+              <a14:hiddenLine xmlns:a14="http://schemas.microsoft.com/office/drawing/2010/main" w="9525">
+                <a:solidFill>
+                  <a:schemeClr val="tx1"/>
+                </a:solidFill>
+                <a:miter lim="800000"/>
+                <a:headEnd/>
+                <a:tailEnd/>
+              </a14:hiddenLine>
+            </a:ext>
+            <a:ext uri="{AF507438-7753-43E0-B8FC-AC1667EBCBE1}">
+              <a14:hiddenEffects xmlns:a14="http://schemas.microsoft.com/office/drawing/2010/main">
+                <a:effectLst>
+                  <a:outerShdw dist="35921" dir="2700000" algn="ctr" rotWithShape="0">
+                    <a:schemeClr val="bg2"/>
+                  </a:outerShdw>
+                </a:effectLst>
+              </a14:hiddenEffects>
+            </a:ext>
+          </a:extLst>
+        </p:spPr>
+      </p:pic>
+    </p:spTree>
+    <p:extLst>
+      <p:ext uri="{BB962C8B-B14F-4D97-AF65-F5344CB8AC3E}">
+        <p14:creationId xmlns:p14="http://schemas.microsoft.com/office/powerpoint/2010/main" val="1629025940"/>
+      </p:ext>
+    </p:extLst>
+  </p:cSld>
+  <p:clrMapOvr>
+    <a:masterClrMapping/>
+  </p:clrMapOvr>
+  <mc:AlternateContent xmlns:mc="http://schemas.openxmlformats.org/markup-compatibility/2006" xmlns:p14="http://schemas.microsoft.com/office/powerpoint/2010/main">
+    <mc:Choice Requires="p14">
+      <p:transition spd="med" p14:dur="700">
+        <p:fade/>
+      </p:transition>
+    </mc:Choice>
+    <mc:Fallback xmlns="">
+      <p:transition xmlns:p14="http://schemas.microsoft.com/office/powerpoint/2010/main" spd="med">
+        <p:fade/>
+      </p:transition>
+    </mc:Fallback>
+  </mc:AlternateContent>
+</p:sld>
+</file>
+
+<file path=ppt/slides/slide21.xml><?xml version="1.0" encoding="utf-8"?>
 <p:sld xmlns:a="http://schemas.openxmlformats.org/drawingml/2006/main" xmlns:r="http://schemas.openxmlformats.org/officeDocument/2006/relationships" xmlns:p="http://schemas.openxmlformats.org/presentationml/2006/main">
   <p:cSld>
     <p:spTree>
@@ -22384,6 +26470,276 @@
           <a:p>
             <a:r>
               <a:rPr lang="en-US" dirty="0" smtClean="0"/>
+              <a:t>EMC VSPEX Blue Value-add</a:t>
+            </a:r>
+            <a:endParaRPr lang="en-US" dirty="0"/>
+          </a:p>
+        </p:txBody>
+      </p:sp>
+      <p:sp>
+        <p:nvSpPr>
+          <p:cNvPr id="3" name="Content Placeholder 2"/>
+          <p:cNvSpPr>
+            <a:spLocks noGrp="1"/>
+          </p:cNvSpPr>
+          <p:nvPr>
+            <p:ph sz="quarter" idx="1"/>
+          </p:nvPr>
+        </p:nvSpPr>
+        <p:spPr/>
+        <p:txBody>
+          <a:bodyPr>
+            <a:noAutofit/>
+          </a:bodyPr>
+          <a:lstStyle/>
+          <a:p>
+            <a:r>
+              <a:rPr lang="en-US" sz="1800" dirty="0" smtClean="0"/>
+              <a:t>Software Value-add</a:t>
+            </a:r>
+            <a:endParaRPr lang="en-US" sz="1800" dirty="0"/>
+          </a:p>
+          <a:p>
+            <a:pPr lvl="1"/>
+            <a:r>
+              <a:rPr lang="en-US" sz="1600" dirty="0" smtClean="0"/>
+              <a:t>VSPEX </a:t>
+            </a:r>
+            <a:r>
+              <a:rPr lang="en-US" sz="1600" dirty="0"/>
+              <a:t>BLUE </a:t>
+            </a:r>
+            <a:r>
+              <a:rPr lang="en-US" sz="1600" dirty="0" smtClean="0"/>
+              <a:t>Manager</a:t>
+            </a:r>
+          </a:p>
+          <a:p>
+            <a:pPr lvl="2"/>
+            <a:r>
+              <a:rPr lang="en-US" sz="1400" dirty="0" smtClean="0"/>
+              <a:t>Hardware monitoring, patch, software upgrade, and integrates </a:t>
+            </a:r>
+            <a:r>
+              <a:rPr lang="en-US" sz="1400" dirty="0"/>
+              <a:t>with EMC Connect </a:t>
+            </a:r>
+            <a:r>
+              <a:rPr lang="en-US" sz="1400" dirty="0" smtClean="0"/>
+              <a:t>Home</a:t>
+            </a:r>
+          </a:p>
+          <a:p>
+            <a:pPr lvl="1"/>
+            <a:r>
+              <a:rPr lang="en-US" sz="1600" dirty="0" smtClean="0"/>
+              <a:t>VSPEX BLUE Market</a:t>
+            </a:r>
+          </a:p>
+          <a:p>
+            <a:pPr lvl="2"/>
+            <a:r>
+              <a:rPr lang="en-US" sz="1400" dirty="0" smtClean="0"/>
+              <a:t>Offers </a:t>
+            </a:r>
+            <a:r>
+              <a:rPr lang="en-US" sz="1400" dirty="0"/>
+              <a:t>value-add EMC software products included with VSPEX </a:t>
+            </a:r>
+            <a:r>
+              <a:rPr lang="en-US" sz="1400" dirty="0" smtClean="0"/>
+              <a:t>BLUE.</a:t>
+            </a:r>
+          </a:p>
+          <a:p>
+            <a:pPr lvl="1"/>
+            <a:r>
+              <a:rPr lang="en-US" sz="1600" dirty="0"/>
+              <a:t>EMC SECURE REMOTE </a:t>
+            </a:r>
+            <a:r>
+              <a:rPr lang="en-US" sz="1600" dirty="0" smtClean="0"/>
+              <a:t>SUPPORT – </a:t>
+            </a:r>
+            <a:r>
+              <a:rPr lang="en-US" sz="1600" dirty="0"/>
+              <a:t>Online support facilities</a:t>
+            </a:r>
+          </a:p>
+          <a:p>
+            <a:r>
+              <a:rPr lang="en-US" sz="1800" dirty="0" smtClean="0"/>
+              <a:t>Hardware value-add</a:t>
+            </a:r>
+          </a:p>
+          <a:p>
+            <a:pPr lvl="1"/>
+            <a:r>
+              <a:rPr lang="en-US" sz="1600" dirty="0" smtClean="0"/>
+              <a:t>Any </a:t>
+            </a:r>
+            <a:r>
+              <a:rPr lang="en-US" sz="1600" dirty="0"/>
+              <a:t>storage vendor specific </a:t>
+            </a:r>
+            <a:r>
+              <a:rPr lang="en-US" sz="1600" dirty="0" smtClean="0"/>
+              <a:t>advantages</a:t>
+            </a:r>
+            <a:r>
+              <a:rPr lang="en-US" sz="1600" dirty="0"/>
+              <a:t> </a:t>
+            </a:r>
+            <a:r>
+              <a:rPr lang="en-US" sz="1600" dirty="0" smtClean="0"/>
+              <a:t>? TBD</a:t>
+            </a:r>
+          </a:p>
+          <a:p>
+            <a:pPr lvl="2"/>
+            <a:r>
+              <a:rPr lang="en-US" sz="1300" dirty="0" smtClean="0"/>
+              <a:t>Same x86 white </a:t>
+            </a:r>
+            <a:r>
+              <a:rPr lang="en-US" sz="1300" dirty="0"/>
+              <a:t>box </a:t>
+            </a:r>
+            <a:r>
+              <a:rPr lang="en-US" sz="1300" dirty="0" smtClean="0"/>
+              <a:t>as EMC ECS</a:t>
+            </a:r>
+          </a:p>
+          <a:p>
+            <a:r>
+              <a:rPr lang="en-US" sz="1800" dirty="0"/>
+              <a:t>Solution value-add</a:t>
+            </a:r>
+          </a:p>
+          <a:p>
+            <a:pPr lvl="1"/>
+            <a:r>
+              <a:rPr lang="en-US" sz="1600" dirty="0"/>
+              <a:t>EMC </a:t>
+            </a:r>
+            <a:r>
+              <a:rPr lang="en-US" sz="1600" dirty="0" smtClean="0"/>
+              <a:t>solutions </a:t>
+            </a:r>
+            <a:r>
+              <a:rPr lang="en-US" sz="1600" dirty="0"/>
+              <a:t>integration</a:t>
+            </a:r>
+          </a:p>
+          <a:p>
+            <a:pPr lvl="2"/>
+            <a:r>
+              <a:rPr lang="en-US" sz="1400" dirty="0"/>
+              <a:t>Integrate with EMC Cloud Array for cloud storage expansion</a:t>
+            </a:r>
+          </a:p>
+          <a:p>
+            <a:pPr lvl="2"/>
+            <a:r>
+              <a:rPr lang="en-US" sz="1400" dirty="0"/>
+              <a:t>Integrate with EMC recover point for VM level CDP, DR, Replication</a:t>
+            </a:r>
+          </a:p>
+          <a:p>
+            <a:pPr lvl="2"/>
+            <a:r>
+              <a:rPr lang="en-US" sz="1400" dirty="0"/>
+              <a:t>Leverage VMWare VDPA to integrate with </a:t>
+            </a:r>
+            <a:r>
+              <a:rPr lang="en-US" sz="1400" dirty="0" err="1"/>
+              <a:t>Avamar</a:t>
+            </a:r>
+            <a:r>
+              <a:rPr lang="en-US" sz="1400" dirty="0"/>
+              <a:t> for </a:t>
+            </a:r>
+            <a:r>
+              <a:rPr lang="en-US" sz="1400" dirty="0" smtClean="0"/>
+              <a:t>backup</a:t>
+            </a:r>
+            <a:endParaRPr lang="en-US" sz="1400" dirty="0"/>
+          </a:p>
+          <a:p>
+            <a:pPr lvl="3"/>
+            <a:r>
+              <a:rPr lang="en-US" sz="1200" dirty="0"/>
+              <a:t>Current Data Domain DDR could be data protection target</a:t>
+            </a:r>
+          </a:p>
+          <a:p>
+            <a:pPr lvl="1"/>
+            <a:r>
+              <a:rPr lang="en-US" sz="1600" dirty="0"/>
+              <a:t>PARTNER </a:t>
+            </a:r>
+            <a:r>
+              <a:rPr lang="en-US" sz="1600" dirty="0" smtClean="0"/>
+              <a:t>ECOSYSTEM</a:t>
+            </a:r>
+            <a:endParaRPr lang="en-US" sz="1600" dirty="0"/>
+          </a:p>
+        </p:txBody>
+      </p:sp>
+    </p:spTree>
+    <p:extLst>
+      <p:ext uri="{BB962C8B-B14F-4D97-AF65-F5344CB8AC3E}">
+        <p14:creationId xmlns:p14="http://schemas.microsoft.com/office/powerpoint/2010/main" val="2556557073"/>
+      </p:ext>
+    </p:extLst>
+  </p:cSld>
+  <p:clrMapOvr>
+    <a:masterClrMapping/>
+  </p:clrMapOvr>
+  <p:timing>
+    <p:tnLst>
+      <p:par>
+        <p:cTn id="1" dur="indefinite" restart="never" nodeType="tmRoot"/>
+      </p:par>
+    </p:tnLst>
+  </p:timing>
+</p:sld>
+</file>
+
+<file path=ppt/slides/slide22.xml><?xml version="1.0" encoding="utf-8"?>
+<p:sld xmlns:a="http://schemas.openxmlformats.org/drawingml/2006/main" xmlns:r="http://schemas.openxmlformats.org/officeDocument/2006/relationships" xmlns:p="http://schemas.openxmlformats.org/presentationml/2006/main">
+  <p:cSld>
+    <p:spTree>
+      <p:nvGrpSpPr>
+        <p:cNvPr id="1" name=""/>
+        <p:cNvGrpSpPr/>
+        <p:nvPr/>
+      </p:nvGrpSpPr>
+      <p:grpSpPr>
+        <a:xfrm>
+          <a:off x="0" y="0"/>
+          <a:ext cx="0" cy="0"/>
+          <a:chOff x="0" y="0"/>
+          <a:chExt cx="0" cy="0"/>
+        </a:xfrm>
+      </p:grpSpPr>
+      <p:sp>
+        <p:nvSpPr>
+          <p:cNvPr id="2" name="Title 1"/>
+          <p:cNvSpPr>
+            <a:spLocks noGrp="1"/>
+          </p:cNvSpPr>
+          <p:nvPr>
+            <p:ph type="title"/>
+          </p:nvPr>
+        </p:nvSpPr>
+        <p:spPr/>
+        <p:txBody>
+          <a:bodyPr/>
+          <a:lstStyle/>
+          <a:p>
+            <a:r>
+              <a:rPr lang="en-US" dirty="0" smtClean="0"/>
               <a:t>Agenda</a:t>
             </a:r>
             <a:endParaRPr lang="en-US" dirty="0"/>
@@ -22457,7 +26813,7 @@
 </p:sld>
 </file>
 
-<file path=ppt/slides/slide19.xml><?xml version="1.0" encoding="utf-8"?>
+<file path=ppt/slides/slide23.xml><?xml version="1.0" encoding="utf-8"?>
 <p:sld xmlns:a="http://schemas.openxmlformats.org/drawingml/2006/main" xmlns:r="http://schemas.openxmlformats.org/officeDocument/2006/relationships" xmlns:p="http://schemas.openxmlformats.org/presentationml/2006/main">
   <p:cSld>
     <p:spTree>
@@ -22566,127 +26922,7 @@
 </p:sld>
 </file>
 
-<file path=ppt/slides/slide2.xml><?xml version="1.0" encoding="utf-8"?>
-<p:sld xmlns:a="http://schemas.openxmlformats.org/drawingml/2006/main" xmlns:r="http://schemas.openxmlformats.org/officeDocument/2006/relationships" xmlns:p="http://schemas.openxmlformats.org/presentationml/2006/main">
-  <p:cSld>
-    <p:spTree>
-      <p:nvGrpSpPr>
-        <p:cNvPr id="1" name=""/>
-        <p:cNvGrpSpPr/>
-        <p:nvPr/>
-      </p:nvGrpSpPr>
-      <p:grpSpPr>
-        <a:xfrm>
-          <a:off x="0" y="0"/>
-          <a:ext cx="0" cy="0"/>
-          <a:chOff x="0" y="0"/>
-          <a:chExt cx="0" cy="0"/>
-        </a:xfrm>
-      </p:grpSpPr>
-      <p:sp>
-        <p:nvSpPr>
-          <p:cNvPr id="2" name="Title 1"/>
-          <p:cNvSpPr>
-            <a:spLocks noGrp="1"/>
-          </p:cNvSpPr>
-          <p:nvPr>
-            <p:ph type="title"/>
-          </p:nvPr>
-        </p:nvSpPr>
-        <p:spPr/>
-        <p:txBody>
-          <a:bodyPr/>
-          <a:lstStyle/>
-          <a:p>
-            <a:r>
-              <a:rPr lang="en-US" dirty="0" smtClean="0"/>
-              <a:t>Agenda</a:t>
-            </a:r>
-            <a:endParaRPr lang="en-US" dirty="0"/>
-          </a:p>
-        </p:txBody>
-      </p:sp>
-      <p:sp>
-        <p:nvSpPr>
-          <p:cNvPr id="3" name="Content Placeholder 2"/>
-          <p:cNvSpPr>
-            <a:spLocks noGrp="1"/>
-          </p:cNvSpPr>
-          <p:nvPr>
-            <p:ph sz="quarter" idx="1"/>
-          </p:nvPr>
-        </p:nvSpPr>
-        <p:spPr/>
-        <p:txBody>
-          <a:bodyPr/>
-          <a:lstStyle/>
-          <a:p>
-            <a:r>
-              <a:rPr lang="en-US" dirty="0" smtClean="0">
-                <a:solidFill>
-                  <a:srgbClr val="FF0000"/>
-                </a:solidFill>
-              </a:rPr>
-              <a:t>Background</a:t>
-            </a:r>
-            <a:endParaRPr lang="en-US" dirty="0">
-              <a:solidFill>
-                <a:srgbClr val="FF0000"/>
-              </a:solidFill>
-            </a:endParaRPr>
-          </a:p>
-          <a:p>
-            <a:r>
-              <a:rPr lang="en-US" dirty="0" smtClean="0"/>
-              <a:t>Industry </a:t>
-            </a:r>
-            <a:r>
-              <a:rPr lang="en-US" dirty="0"/>
-              <a:t>P</a:t>
-            </a:r>
-            <a:r>
-              <a:rPr lang="en-US" dirty="0" smtClean="0"/>
-              <a:t>roblems</a:t>
-            </a:r>
-          </a:p>
-          <a:p>
-            <a:r>
-              <a:rPr lang="en-US" dirty="0" smtClean="0"/>
-              <a:t>VSAN Solution Analysis</a:t>
-            </a:r>
-          </a:p>
-          <a:p>
-            <a:r>
-              <a:rPr lang="en-US" dirty="0" smtClean="0"/>
-              <a:t>Market Analysis</a:t>
-            </a:r>
-          </a:p>
-          <a:p>
-            <a:endParaRPr lang="en-US" dirty="0"/>
-          </a:p>
-        </p:txBody>
-      </p:sp>
-    </p:spTree>
-    <p:extLst>
-      <p:ext uri="{BB962C8B-B14F-4D97-AF65-F5344CB8AC3E}">
-        <p14:creationId xmlns:p14="http://schemas.microsoft.com/office/powerpoint/2010/main" val="3555079338"/>
-      </p:ext>
-    </p:extLst>
-  </p:cSld>
-  <p:clrMapOvr>
-    <a:masterClrMapping/>
-  </p:clrMapOvr>
-  <p:timing>
-    <p:tnLst>
-      <p:par>
-        <p:cTn id="1" dur="indefinite" restart="never" nodeType="tmRoot"/>
-      </p:par>
-    </p:tnLst>
-  </p:timing>
-</p:sld>
-</file>
-
-<file path=ppt/slides/slide20.xml><?xml version="1.0" encoding="utf-8"?>
+<file path=ppt/slides/slide24.xml><?xml version="1.0" encoding="utf-8"?>
 <p:sld xmlns:a="http://schemas.openxmlformats.org/drawingml/2006/main" xmlns:r="http://schemas.openxmlformats.org/officeDocument/2006/relationships" xmlns:p="http://schemas.openxmlformats.org/presentationml/2006/main">
   <p:cSld>
     <p:spTree>
@@ -22790,6 +27026,383 @@
   <p:clrMapOvr>
     <a:masterClrMapping/>
   </p:clrMapOvr>
+</p:sld>
+</file>
+
+<file path=ppt/slides/slide25.xml><?xml version="1.0" encoding="utf-8"?>
+<p:sld xmlns:a="http://schemas.openxmlformats.org/drawingml/2006/main" xmlns:r="http://schemas.openxmlformats.org/officeDocument/2006/relationships" xmlns:p="http://schemas.openxmlformats.org/presentationml/2006/main">
+  <p:cSld>
+    <p:spTree>
+      <p:nvGrpSpPr>
+        <p:cNvPr id="1" name=""/>
+        <p:cNvGrpSpPr/>
+        <p:nvPr/>
+      </p:nvGrpSpPr>
+      <p:grpSpPr>
+        <a:xfrm>
+          <a:off x="0" y="0"/>
+          <a:ext cx="0" cy="0"/>
+          <a:chOff x="0" y="0"/>
+          <a:chExt cx="0" cy="0"/>
+        </a:xfrm>
+      </p:grpSpPr>
+      <p:sp>
+        <p:nvSpPr>
+          <p:cNvPr id="3" name="Title 2"/>
+          <p:cNvSpPr>
+            <a:spLocks noGrp="1"/>
+          </p:cNvSpPr>
+          <p:nvPr>
+            <p:ph type="ctrTitle"/>
+          </p:nvPr>
+        </p:nvSpPr>
+        <p:spPr/>
+        <p:txBody>
+          <a:bodyPr/>
+          <a:lstStyle/>
+          <a:p>
+            <a:r>
+              <a:rPr lang="en-US" dirty="0" smtClean="0"/>
+              <a:t>VSAN TCO </a:t>
+            </a:r>
+            <a:r>
+              <a:rPr lang="en-US" dirty="0" smtClean="0"/>
+              <a:t>Analysis</a:t>
+            </a:r>
+            <a:endParaRPr lang="en-US" dirty="0"/>
+          </a:p>
+        </p:txBody>
+      </p:sp>
+      <p:pic>
+        <p:nvPicPr>
+          <p:cNvPr id="6146" name="Picture 2"/>
+          <p:cNvPicPr>
+            <a:picLocks noChangeAspect="1" noChangeArrowheads="1"/>
+          </p:cNvPicPr>
+          <p:nvPr/>
+        </p:nvPicPr>
+        <p:blipFill>
+          <a:blip r:embed="rId2">
+            <a:extLst>
+              <a:ext uri="{28A0092B-C50C-407E-A947-70E740481C1C}">
+                <a14:useLocalDpi xmlns:a14="http://schemas.microsoft.com/office/drawing/2010/main" val="0"/>
+              </a:ext>
+            </a:extLst>
+          </a:blip>
+          <a:srcRect/>
+          <a:stretch>
+            <a:fillRect/>
+          </a:stretch>
+        </p:blipFill>
+        <p:spPr bwMode="auto">
+          <a:xfrm>
+            <a:off x="645204" y="1553446"/>
+            <a:ext cx="7736796" cy="4542554"/>
+          </a:xfrm>
+          <a:prstGeom prst="rect">
+            <a:avLst/>
+          </a:prstGeom>
+          <a:noFill/>
+          <a:ln>
+            <a:noFill/>
+          </a:ln>
+          <a:effectLst/>
+          <a:extLst>
+            <a:ext uri="{909E8E84-426E-40DD-AFC4-6F175D3DCCD1}">
+              <a14:hiddenFill xmlns:a14="http://schemas.microsoft.com/office/drawing/2010/main">
+                <a:solidFill>
+                  <a:schemeClr val="accent1"/>
+                </a:solidFill>
+              </a14:hiddenFill>
+            </a:ext>
+            <a:ext uri="{91240B29-F687-4F45-9708-019B960494DF}">
+              <a14:hiddenLine xmlns:a14="http://schemas.microsoft.com/office/drawing/2010/main" w="9525">
+                <a:solidFill>
+                  <a:schemeClr val="tx1"/>
+                </a:solidFill>
+                <a:miter lim="800000"/>
+                <a:headEnd/>
+                <a:tailEnd/>
+              </a14:hiddenLine>
+            </a:ext>
+            <a:ext uri="{AF507438-7753-43E0-B8FC-AC1667EBCBE1}">
+              <a14:hiddenEffects xmlns:a14="http://schemas.microsoft.com/office/drawing/2010/main">
+                <a:effectLst>
+                  <a:outerShdw dist="35921" dir="2700000" algn="ctr" rotWithShape="0">
+                    <a:schemeClr val="bg2"/>
+                  </a:outerShdw>
+                </a:effectLst>
+              </a14:hiddenEffects>
+            </a:ext>
+          </a:extLst>
+        </p:spPr>
+      </p:pic>
+      <p:sp>
+        <p:nvSpPr>
+          <p:cNvPr id="5" name="TextBox 4"/>
+          <p:cNvSpPr txBox="1"/>
+          <p:nvPr/>
+        </p:nvSpPr>
+        <p:spPr>
+          <a:xfrm>
+            <a:off x="685800" y="6198549"/>
+            <a:ext cx="6398421" cy="583251"/>
+          </a:xfrm>
+          <a:prstGeom prst="rect">
+            <a:avLst/>
+          </a:prstGeom>
+          <a:noFill/>
+        </p:spPr>
+        <p:txBody>
+          <a:bodyPr wrap="square" lIns="0" tIns="0" rIns="0" bIns="0" rtlCol="0">
+            <a:noAutofit/>
+          </a:bodyPr>
+          <a:lstStyle/>
+          <a:p>
+            <a:pPr>
+              <a:lnSpc>
+                <a:spcPct val="90000"/>
+              </a:lnSpc>
+            </a:pPr>
+            <a:r>
+              <a:rPr lang="en-US" sz="900" dirty="0" smtClean="0"/>
+              <a:t>1. Full clones</a:t>
+            </a:r>
+            <a:br>
+              <a:rPr lang="en-US" sz="900" dirty="0" smtClean="0"/>
+            </a:br>
+            <a:r>
+              <a:rPr lang="en-US" sz="900" dirty="0" smtClean="0"/>
+              <a:t>2. Usable capacity</a:t>
+            </a:r>
+          </a:p>
+          <a:p>
+            <a:pPr>
+              <a:lnSpc>
+                <a:spcPct val="90000"/>
+              </a:lnSpc>
+            </a:pPr>
+            <a:r>
+              <a:rPr lang="en-US" sz="900" dirty="0" smtClean="0"/>
+              <a:t>3. </a:t>
+            </a:r>
+            <a:r>
+              <a:rPr lang="en-US" sz="900" dirty="0" smtClean="0">
+                <a:solidFill>
+                  <a:schemeClr val="bg2">
+                    <a:lumMod val="50000"/>
+                  </a:schemeClr>
+                </a:solidFill>
+              </a:rPr>
+              <a:t>Estimated </a:t>
+            </a:r>
+            <a:r>
+              <a:rPr lang="en-US" sz="900" dirty="0">
+                <a:solidFill>
+                  <a:schemeClr val="bg2">
+                    <a:lumMod val="50000"/>
+                  </a:schemeClr>
+                </a:solidFill>
+              </a:rPr>
+              <a:t>based on 2013 street pricing, Capex (includes storage hardware + Software License costs</a:t>
+            </a:r>
+            <a:r>
+              <a:rPr lang="en-US" sz="900" dirty="0" smtClean="0">
+                <a:solidFill>
+                  <a:schemeClr val="bg2">
+                    <a:lumMod val="50000"/>
+                  </a:schemeClr>
+                </a:solidFill>
+              </a:rPr>
+              <a:t>)</a:t>
+            </a:r>
+          </a:p>
+          <a:p>
+            <a:pPr>
+              <a:lnSpc>
+                <a:spcPct val="90000"/>
+              </a:lnSpc>
+            </a:pPr>
+            <a:r>
+              <a:rPr lang="en-US" sz="900" dirty="0"/>
+              <a:t>4. Source: </a:t>
+            </a:r>
+            <a:r>
+              <a:rPr lang="en-US" sz="900" dirty="0" err="1"/>
+              <a:t>Taneja</a:t>
+            </a:r>
+            <a:r>
+              <a:rPr lang="en-US" sz="900" dirty="0"/>
+              <a:t> Group</a:t>
+            </a:r>
+            <a:endParaRPr lang="en-US" sz="900" dirty="0">
+              <a:solidFill>
+                <a:schemeClr val="bg2">
+                  <a:lumMod val="50000"/>
+                </a:schemeClr>
+              </a:solidFill>
+            </a:endParaRPr>
+          </a:p>
+          <a:p>
+            <a:pPr>
+              <a:lnSpc>
+                <a:spcPct val="90000"/>
+              </a:lnSpc>
+            </a:pPr>
+            <a:endParaRPr lang="en-US" sz="900" dirty="0">
+              <a:solidFill>
+                <a:schemeClr val="bg2">
+                  <a:lumMod val="50000"/>
+                </a:schemeClr>
+              </a:solidFill>
+            </a:endParaRPr>
+          </a:p>
+          <a:p>
+            <a:pPr marL="171450" indent="-171450">
+              <a:lnSpc>
+                <a:spcPct val="90000"/>
+              </a:lnSpc>
+              <a:buFont typeface="Arial" charset="0"/>
+              <a:buChar char="•"/>
+            </a:pPr>
+            <a:endParaRPr lang="en-US" sz="900" dirty="0" smtClean="0"/>
+          </a:p>
+        </p:txBody>
+      </p:sp>
+    </p:spTree>
+    <p:extLst>
+      <p:ext uri="{BB962C8B-B14F-4D97-AF65-F5344CB8AC3E}">
+        <p14:creationId xmlns:p14="http://schemas.microsoft.com/office/powerpoint/2010/main" val="2495112904"/>
+      </p:ext>
+    </p:extLst>
+  </p:cSld>
+  <p:clrMapOvr>
+    <a:masterClrMapping/>
+  </p:clrMapOvr>
+  <mc:AlternateContent xmlns:mc="http://schemas.openxmlformats.org/markup-compatibility/2006" xmlns:p14="http://schemas.microsoft.com/office/powerpoint/2010/main">
+    <mc:Choice Requires="p14">
+      <p:transition spd="med" p14:dur="700">
+        <p:fade/>
+      </p:transition>
+    </mc:Choice>
+    <mc:Fallback xmlns="">
+      <p:transition xmlns:p14="http://schemas.microsoft.com/office/powerpoint/2010/main" spd="med">
+        <p:fade/>
+      </p:transition>
+    </mc:Fallback>
+  </mc:AlternateContent>
+  <p:timing>
+    <p:tnLst>
+      <p:par>
+        <p:cTn id="1" dur="indefinite" restart="never" nodeType="tmRoot"/>
+      </p:par>
+    </p:tnLst>
+  </p:timing>
+</p:sld>
+</file>
+
+<file path=ppt/slides/slide26.xml><?xml version="1.0" encoding="utf-8"?>
+<p:sld xmlns:a="http://schemas.openxmlformats.org/drawingml/2006/main" xmlns:r="http://schemas.openxmlformats.org/officeDocument/2006/relationships" xmlns:p="http://schemas.openxmlformats.org/presentationml/2006/main">
+  <p:cSld>
+    <p:spTree>
+      <p:nvGrpSpPr>
+        <p:cNvPr id="1" name=""/>
+        <p:cNvGrpSpPr/>
+        <p:nvPr/>
+      </p:nvGrpSpPr>
+      <p:grpSpPr>
+        <a:xfrm>
+          <a:off x="0" y="0"/>
+          <a:ext cx="0" cy="0"/>
+          <a:chOff x="0" y="0"/>
+          <a:chExt cx="0" cy="0"/>
+        </a:xfrm>
+      </p:grpSpPr>
+      <p:graphicFrame>
+        <p:nvGraphicFramePr>
+          <p:cNvPr id="4" name="Content Placeholder 3"/>
+          <p:cNvGraphicFramePr>
+            <a:graphicFrameLocks noGrp="1"/>
+          </p:cNvGraphicFramePr>
+          <p:nvPr>
+            <p:ph sz="quarter" idx="10"/>
+            <p:extLst>
+              <p:ext uri="{D42A27DB-BD31-4B8C-83A1-F6EECF244321}">
+                <p14:modId xmlns:p14="http://schemas.microsoft.com/office/powerpoint/2010/main" val="2036626098"/>
+              </p:ext>
+            </p:extLst>
+          </p:nvPr>
+        </p:nvGraphicFramePr>
+        <p:xfrm>
+          <a:off x="762001" y="2006600"/>
+          <a:ext cx="7621587" cy="3937000"/>
+        </p:xfrm>
+        <a:graphic>
+          <a:graphicData uri="http://schemas.openxmlformats.org/drawingml/2006/diagram">
+            <dgm:relIds xmlns:dgm="http://schemas.openxmlformats.org/drawingml/2006/diagram" xmlns:r="http://schemas.openxmlformats.org/officeDocument/2006/relationships" r:dm="rId3" r:lo="rId4" r:qs="rId5" r:cs="rId6"/>
+          </a:graphicData>
+        </a:graphic>
+      </p:graphicFrame>
+      <p:sp>
+        <p:nvSpPr>
+          <p:cNvPr id="3" name="Title 2"/>
+          <p:cNvSpPr>
+            <a:spLocks noGrp="1"/>
+          </p:cNvSpPr>
+          <p:nvPr>
+            <p:ph type="ctrTitle"/>
+          </p:nvPr>
+        </p:nvSpPr>
+        <p:spPr/>
+        <p:txBody>
+          <a:bodyPr/>
+          <a:lstStyle/>
+          <a:p>
+            <a:r>
+              <a:rPr lang="en-US" dirty="0" smtClean="0"/>
+              <a:t>EMC Scale </a:t>
+            </a:r>
+            <a:r>
+              <a:rPr lang="en-US" dirty="0" smtClean="0"/>
+              <a:t>IO Use </a:t>
+            </a:r>
+            <a:r>
+              <a:rPr lang="en-US" dirty="0" smtClean="0"/>
+              <a:t>Cases</a:t>
+            </a:r>
+            <a:endParaRPr lang="en-US" dirty="0"/>
+          </a:p>
+        </p:txBody>
+      </p:sp>
+    </p:spTree>
+    <p:extLst>
+      <p:ext uri="{BB962C8B-B14F-4D97-AF65-F5344CB8AC3E}">
+        <p14:creationId xmlns:p14="http://schemas.microsoft.com/office/powerpoint/2010/main" val="3989981049"/>
+      </p:ext>
+    </p:extLst>
+  </p:cSld>
+  <p:clrMapOvr>
+    <a:masterClrMapping/>
+  </p:clrMapOvr>
+  <mc:AlternateContent xmlns:mc="http://schemas.openxmlformats.org/markup-compatibility/2006" xmlns:p14="http://schemas.microsoft.com/office/powerpoint/2010/main">
+    <mc:Choice Requires="p14">
+      <p:transition spd="med" p14:dur="700">
+        <p:fade/>
+      </p:transition>
+    </mc:Choice>
+    <mc:Fallback xmlns="">
+      <p:transition xmlns:p14="http://schemas.microsoft.com/office/powerpoint/2010/main" spd="med">
+        <p:fade/>
+      </p:transition>
+    </mc:Fallback>
+  </mc:AlternateContent>
+  <p:timing>
+    <p:tnLst>
+      <p:par>
+        <p:cTn id="1" dur="indefinite" restart="never" nodeType="tmRoot"/>
+      </p:par>
+    </p:tnLst>
+  </p:timing>
 </p:sld>
 </file>
 
